--- a/Vectrex/projects/NeuroVector/manual/manual_template.pptx
+++ b/Vectrex/projects/NeuroVector/manual/manual_template.pptx
@@ -3040,7 +3040,7 @@
                   <a:srgbClr val="000000"/>
                 </a:solidFill>
               </a:rPr>
-              <a:t>29.07.2025</a:t>
+              <a:t>31.07.2025</a:t>
             </a:fld>
             <a:endParaRPr lang="de-DE" dirty="0">
               <a:solidFill>
@@ -4079,7 +4079,7 @@
                   <a:srgbClr val="000000"/>
                 </a:solidFill>
               </a:rPr>
-              <a:t>29.07.2025</a:t>
+              <a:t>31.07.2025</a:t>
             </a:fld>
             <a:endParaRPr lang="de-DE" dirty="0">
               <a:solidFill>
@@ -6363,7 +6363,7 @@
             <a:p>
               <a:r>
                 <a:rPr lang="en-US" sz="1050" dirty="0"/>
-                <a:t>With the help of the third button the player can restart the current level</a:t>
+                <a:t>With the help of the third button the player can restart the current mode</a:t>
               </a:r>
             </a:p>
           </p:txBody>
@@ -6513,7 +6513,7 @@
         <p:spPr>
           <a:xfrm>
             <a:off x="764704" y="1380946"/>
-            <a:ext cx="5328592" cy="6678751"/>
+            <a:ext cx="5328592" cy="6247864"/>
           </a:xfrm>
           <a:prstGeom prst="rect">
             <a:avLst/>
@@ -6534,16 +6534,7 @@
           <a:p>
             <a:r>
               <a:rPr lang="en-US" sz="1200" dirty="0"/>
-              <a:t>Description of how many players can play this game and of how the number of players is selected in the game menu.</a:t>
-            </a:r>
-          </a:p>
-          <a:p>
-            <a:endParaRPr lang="en-US" sz="1200" dirty="0"/>
-          </a:p>
-          <a:p>
-            <a:r>
-              <a:rPr lang="en-US" sz="1200" dirty="0"/>
-              <a:t>This is a single player game, therefore only one player can play this game. </a:t>
+              <a:t>Conceptually, this game is a single player game, therefore only one player can play this game at a time and you do not need set anything. But if you have a friend right now, that is no problem. Just play the game in turns and look who can reach a higher score. </a:t>
             </a:r>
           </a:p>
           <a:p>
@@ -6557,11 +6548,12 @@
               <a:rPr lang="en-US" sz="1400" b="1" dirty="0"/>
               <a:t>OPTION SELECTION</a:t>
             </a:r>
+            <a:endParaRPr lang="en-US" sz="1200" dirty="0"/>
           </a:p>
           <a:p>
             <a:r>
               <a:rPr lang="en-US" sz="1200" dirty="0"/>
-              <a:t>Description of the available game options and of how these options are selected in the game menu.</a:t>
+              <a:t>At the start of each game, after a short introduction, you arrive at the main menu. Here you can select between different game modes/options. There are in total 5 game modes:</a:t>
             </a:r>
           </a:p>
           <a:p>
@@ -6570,80 +6562,62 @@
           <a:p>
             <a:r>
               <a:rPr lang="en-US" sz="1200" dirty="0"/>
-              <a:t>You may choose between different modes. There are 5 different modes in total. These are called:</a:t>
-            </a:r>
+              <a:t>	</a:t>
+            </a:r>
+            <a:r>
+              <a:rPr lang="en-US" sz="1200" b="1" dirty="0"/>
+              <a:t>- STILL</a:t>
+            </a:r>
+          </a:p>
+          <a:p>
+            <a:r>
+              <a:rPr lang="en-US" sz="1200" b="1" dirty="0"/>
+              <a:t>	- PULSE</a:t>
+            </a:r>
+          </a:p>
+          <a:p>
+            <a:r>
+              <a:rPr lang="en-US" sz="1200" b="1" dirty="0"/>
+              <a:t>	- PORTAL</a:t>
+            </a:r>
+          </a:p>
+          <a:p>
+            <a:r>
+              <a:rPr lang="en-US" sz="1200" b="1" dirty="0"/>
+              <a:t>	- ORBIT</a:t>
+            </a:r>
+          </a:p>
+          <a:p>
+            <a:r>
+              <a:rPr lang="en-US" sz="1200" b="1" dirty="0"/>
+              <a:t>	- ECHO</a:t>
+            </a:r>
+          </a:p>
+          <a:p>
+            <a:endParaRPr lang="en-US" sz="1200" dirty="0"/>
           </a:p>
           <a:p>
             <a:r>
               <a:rPr lang="en-US" sz="1200" dirty="0"/>
-              <a:t>	- NORMAL</a:t>
-            </a:r>
+              <a:t>A small arrow on the left of the screen indicates the currently selected mode. When the game is booted for the first time, the mode “STILL” is selected. You can navigate through the modes using the joystick. To move the arrow down, push the joystick downward. To continue going down, you need to release the pressure of the joystick and then reapply the pressure in which way(down or up) you like to move.</a:t>
+            </a:r>
+          </a:p>
+          <a:p>
+            <a:endParaRPr lang="en-US" sz="1200" dirty="0"/>
           </a:p>
           <a:p>
             <a:r>
               <a:rPr lang="en-US" sz="1200" dirty="0"/>
-              <a:t>	- SCALER</a:t>
-            </a:r>
+              <a:t>On the right side of the screen, your current high score for the selected mode is displayed. A mode is considered completed when you reach a score of 16.</a:t>
+            </a:r>
+          </a:p>
+          <a:p>
+            <a:endParaRPr lang="en-US" sz="1200" dirty="0"/>
           </a:p>
           <a:p>
             <a:r>
               <a:rPr lang="en-US" sz="1200" dirty="0"/>
-              <a:t>	- MOVER</a:t>
-            </a:r>
-          </a:p>
-          <a:p>
-            <a:r>
-              <a:rPr lang="en-US" sz="1200" dirty="0"/>
-              <a:t>	- CIRCLE</a:t>
-            </a:r>
-          </a:p>
-          <a:p>
-            <a:r>
-              <a:rPr lang="en-US" sz="1200" dirty="0"/>
-              <a:t>	- REVERSE</a:t>
-            </a:r>
-          </a:p>
-          <a:p>
-            <a:endParaRPr lang="en-US" sz="1200" dirty="0"/>
-          </a:p>
-          <a:p>
-            <a:r>
-              <a:rPr lang="en-US" sz="1200" dirty="0"/>
-              <a:t>At the start of every game after a short introduction, you arrive in the menu. Within the menu you can selected different modes or options. A small arrow on the left side of the screen indicates the currently selected mode. At the start the normal mode is selected. You can move this arrow with the joystick. If you move the Joystick down the arrow will point now to the scaler Mode, to go further down you need to release the pressure of the joystick and reapply the pressure in the direction you like to go.</a:t>
-            </a:r>
-          </a:p>
-          <a:p>
-            <a:endParaRPr lang="en-US" sz="1200" dirty="0"/>
-          </a:p>
-          <a:p>
-            <a:r>
-              <a:rPr lang="en-US" sz="1400" b="1" dirty="0"/>
-              <a:t>GAME PLAY</a:t>
-            </a:r>
-          </a:p>
-          <a:p>
-            <a:r>
-              <a:rPr lang="en-US" sz="1200" dirty="0"/>
-              <a:t>Detailed description of what the game is about and of how the game is played.</a:t>
-            </a:r>
-          </a:p>
-          <a:p>
-            <a:endParaRPr lang="en-US" sz="1200" dirty="0"/>
-          </a:p>
-          <a:p>
-            <a:r>
-              <a:rPr lang="en-US" sz="1400" b="1" dirty="0">
-                <a:solidFill>
-                  <a:srgbClr val="FF0000"/>
-                </a:solidFill>
-              </a:rPr>
-              <a:t>WHATEVER ELSE IS IMPORTANT</a:t>
-            </a:r>
-          </a:p>
-          <a:p>
-            <a:r>
-              <a:rPr lang="en-US" sz="1200" dirty="0"/>
-              <a:t>Description of whatever else is important in the game. Scores, lives, bonus points, etc.</a:t>
+              <a:t>To select a mode, press button 4 and you will be immediately thrown into the level. Do not worry, if you dislike a mode, there is still the option to go back to menu and select a different mode.</a:t>
             </a:r>
           </a:p>
         </p:txBody>
@@ -6775,7 +6749,7 @@
         <p:spPr>
           <a:xfrm>
             <a:off x="764704" y="1380946"/>
-            <a:ext cx="5328592" cy="2000548"/>
+            <a:ext cx="5328592" cy="5755422"/>
           </a:xfrm>
           <a:prstGeom prst="rect">
             <a:avLst/>
@@ -6796,7 +6770,7 @@
           <a:p>
             <a:r>
               <a:rPr lang="en-US" sz="1200" dirty="0"/>
-              <a:t>After long years of studying and a lot of tears, you finally reached your dream job being a doctor. Now at a daily basis, you try to help people by fixing their brain. </a:t>
+              <a:t>After long years of studying and a lot of tears, you finally reached your dream job being a doctor. Now, on a daily basis, you try to help people by fixing their brains. </a:t>
             </a:r>
           </a:p>
           <a:p>
@@ -6805,32 +6779,152 @@
           <a:p>
             <a:r>
               <a:rPr lang="en-US" sz="1200" dirty="0"/>
-              <a:t>After selecting your game mode, you are greeted by brain </a:t>
-            </a:r>
-            <a:r>
-              <a:rPr lang="en-US" sz="1200"/>
-              <a:t>looking interface.</a:t>
-            </a:r>
+              <a:t>After selecting your game mode, you are greeted by a brain looking interface. Within this brain, there are 9 squares. The 9 squares are displayed in a 3 x 3 field. There are two phases. A “</a:t>
+            </a:r>
+            <a:r>
+              <a:rPr lang="en-US" sz="1200" b="1" dirty="0"/>
+              <a:t>REMEMBER</a:t>
+            </a:r>
+            <a:r>
+              <a:rPr lang="en-US" sz="1200" dirty="0"/>
+              <a:t>” and a “</a:t>
+            </a:r>
+            <a:r>
+              <a:rPr lang="en-US" sz="1200" b="1" dirty="0"/>
+              <a:t>REPEAT</a:t>
+            </a:r>
+            <a:r>
+              <a:rPr lang="en-US" sz="1200" dirty="0"/>
+              <a:t>” phase. </a:t>
+            </a:r>
+          </a:p>
+          <a:p>
             <a:endParaRPr lang="en-US" sz="1200" dirty="0"/>
           </a:p>
           <a:p>
+            <a:r>
+              <a:rPr lang="en-US" sz="1400" b="1" dirty="0"/>
+              <a:t>REMEMBER</a:t>
+            </a:r>
+            <a:r>
+              <a:rPr lang="en-US" sz="1600" b="1" dirty="0"/>
+              <a:t>:</a:t>
+            </a:r>
+            <a:r>
+              <a:rPr lang="en-US" sz="1200" dirty="0"/>
+              <a:t> </a:t>
+            </a:r>
+          </a:p>
+          <a:p>
+            <a:r>
+              <a:rPr lang="en-US" sz="1200" dirty="0"/>
+              <a:t>In the remember state, your task is to remember a specific sequence that will be displayed. In the 3 × 3 field, an </a:t>
+            </a:r>
+            <a:r>
+              <a:rPr lang="en-US" sz="1200" b="1" dirty="0"/>
+              <a:t>“X”</a:t>
+            </a:r>
+            <a:r>
+              <a:rPr lang="en-US" sz="1200" dirty="0"/>
+              <a:t> will appear. Try to remember where the </a:t>
+            </a:r>
+            <a:r>
+              <a:rPr lang="en-US" sz="1200" b="1" dirty="0"/>
+              <a:t>“X”</a:t>
+            </a:r>
+            <a:r>
+              <a:rPr lang="en-US" sz="1200" dirty="0"/>
+              <a:t> was. </a:t>
+            </a:r>
+          </a:p>
+          <a:p>
             <a:endParaRPr lang="en-US" sz="1200" dirty="0"/>
           </a:p>
           <a:p>
             <a:r>
-              <a:rPr lang="en-US" sz="1400" b="1" dirty="0">
-                <a:solidFill>
-                  <a:srgbClr val="FF0000"/>
-                </a:solidFill>
-              </a:rPr>
-              <a:t>WHATEVER ELSE IS IMPORTANT</a:t>
+              <a:rPr lang="en-US" sz="1200" b="1" dirty="0"/>
+              <a:t>REPEAT:</a:t>
             </a:r>
           </a:p>
           <a:p>
             <a:r>
               <a:rPr lang="en-US" sz="1200" dirty="0"/>
-              <a:t>Description of whatever else is important in the game. Scores, lives, bonus points, etc.</a:t>
-            </a:r>
+              <a:t>Your mission is to move your joystick to where the </a:t>
+            </a:r>
+            <a:r>
+              <a:rPr lang="en-US" sz="1200" b="1" dirty="0"/>
+              <a:t>“X”</a:t>
+            </a:r>
+            <a:r>
+              <a:rPr lang="en-US" sz="1200" dirty="0"/>
+              <a:t> was and press </a:t>
+            </a:r>
+            <a:r>
+              <a:rPr lang="en-US" sz="1200" b="1" dirty="0"/>
+              <a:t>Button 4</a:t>
+            </a:r>
+            <a:r>
+              <a:rPr lang="en-US" sz="1200" dirty="0"/>
+              <a:t>. You can move around with the joystick. Without applying pressure to the joystick, the </a:t>
+            </a:r>
+            <a:r>
+              <a:rPr lang="en-US" sz="1200" b="1" dirty="0"/>
+              <a:t>“X” </a:t>
+            </a:r>
+            <a:r>
+              <a:rPr lang="en-US" sz="1200" dirty="0"/>
+              <a:t>will appear in the middle square. This </a:t>
+            </a:r>
+            <a:r>
+              <a:rPr lang="en-US" sz="1200" b="1" dirty="0"/>
+              <a:t>“X”</a:t>
+            </a:r>
+            <a:r>
+              <a:rPr lang="en-US" sz="1200" dirty="0"/>
+              <a:t> indicates your current position. If you apply pressure to the right, the </a:t>
+            </a:r>
+            <a:r>
+              <a:rPr lang="en-US" sz="1200" b="1" dirty="0"/>
+              <a:t>“X”</a:t>
+            </a:r>
+            <a:r>
+              <a:rPr lang="en-US" sz="1200" dirty="0"/>
+              <a:t> will appear to the right. This means the </a:t>
+            </a:r>
+            <a:r>
+              <a:rPr lang="en-US" sz="1200" b="1" dirty="0"/>
+              <a:t>“X”</a:t>
+            </a:r>
+            <a:r>
+              <a:rPr lang="en-US" sz="1200" dirty="0"/>
+              <a:t> will appear in the direction in which you apply pressure. </a:t>
+            </a:r>
+          </a:p>
+          <a:p>
+            <a:endParaRPr lang="en-US" sz="1200" dirty="0"/>
+          </a:p>
+          <a:p>
+            <a:r>
+              <a:rPr lang="en-US" sz="1400" b="1" dirty="0"/>
+              <a:t>TIMING</a:t>
+            </a:r>
+          </a:p>
+          <a:p>
+            <a:r>
+              <a:rPr lang="en-US" sz="1200" dirty="0"/>
+              <a:t>Your mission is to save lives, and you cannot take forever. At the top of the screen, you can see the lifeline and the beats per minute of your patient. The beats per minute will drop over time. If it drops to </a:t>
+            </a:r>
+            <a:r>
+              <a:rPr lang="en-US" sz="1200" b="1" dirty="0"/>
+              <a:t>0</a:t>
+            </a:r>
+            <a:r>
+              <a:rPr lang="en-US" sz="1200" dirty="0"/>
+              <a:t>, you lose your patient and the level.  </a:t>
+            </a:r>
+          </a:p>
+          <a:p>
+            <a:endParaRPr lang="en-US" sz="1200" dirty="0"/>
           </a:p>
         </p:txBody>
       </p:sp>
@@ -6943,7 +7037,7 @@
         <p:spPr>
           <a:xfrm>
             <a:off x="764704" y="1380946"/>
-            <a:ext cx="5328592" cy="2308324"/>
+            <a:ext cx="5328592" cy="646331"/>
           </a:xfrm>
           <a:prstGeom prst="rect">
             <a:avLst/>
@@ -6958,44 +7052,8 @@
           <a:p>
             <a:r>
               <a:rPr lang="en-US" sz="1200" dirty="0"/>
-              <a:t>Points are awarded for achieving the following:</a:t>
-            </a:r>
-          </a:p>
-          <a:p>
-            <a:endParaRPr lang="en-US" sz="1200" dirty="0"/>
-          </a:p>
-          <a:p>
-            <a:endParaRPr lang="en-US" sz="1200" dirty="0"/>
-          </a:p>
-          <a:p>
-            <a:endParaRPr lang="en-US" sz="1200" dirty="0"/>
-          </a:p>
-          <a:p>
-            <a:endParaRPr lang="en-US" sz="1200" dirty="0"/>
-          </a:p>
-          <a:p>
-            <a:endParaRPr lang="en-US" sz="1200" dirty="0"/>
-          </a:p>
-          <a:p>
-            <a:endParaRPr lang="en-US" sz="1200" dirty="0"/>
-          </a:p>
-          <a:p>
-            <a:endParaRPr lang="en-US" sz="1200" dirty="0"/>
-          </a:p>
-          <a:p>
-            <a:endParaRPr lang="en-US" sz="1200" dirty="0"/>
-          </a:p>
-          <a:p>
-            <a:r>
-              <a:rPr lang="en-US" sz="1200" dirty="0"/>
-              <a:t>You will earn extra points for… </a:t>
-            </a:r>
-          </a:p>
-          <a:p>
-            <a:endParaRPr lang="en-US" sz="1200" dirty="0"/>
-          </a:p>
-          <a:p>
-            <a:endParaRPr lang="en-US" sz="1200" dirty="0"/>
+              <a:t>Your score will be determined by how many “X” you could successfully repeat. Each mode saves a unique score. This score can go up to 16. If you reached 16 you finished the level. </a:t>
+            </a:r>
           </a:p>
         </p:txBody>
       </p:sp>

--- a/Vectrex/projects/NeuroVector/manual/manual_template.pptx
+++ b/Vectrex/projects/NeuroVector/manual/manual_template.pptx
@@ -6237,7 +6237,7 @@
           <p:spPr>
             <a:xfrm>
               <a:off x="908720" y="4083575"/>
-              <a:ext cx="2016224" cy="415498"/>
+              <a:ext cx="2016224" cy="738664"/>
             </a:xfrm>
             <a:prstGeom prst="rect">
               <a:avLst/>
@@ -6258,7 +6258,7 @@
             <a:p>
               <a:r>
                 <a:rPr lang="en-US" sz="1050" dirty="0"/>
-                <a:t>If stressed, press</a:t>
+                <a:t>Button 1 does nothing, but if you are stressed, you are free to press it</a:t>
               </a:r>
             </a:p>
           </p:txBody>
@@ -6513,7 +6513,7 @@
         <p:spPr>
           <a:xfrm>
             <a:off x="764704" y="1380946"/>
-            <a:ext cx="5328592" cy="6247864"/>
+            <a:ext cx="5328592" cy="5324535"/>
           </a:xfrm>
           <a:prstGeom prst="rect">
             <a:avLst/>
@@ -6534,11 +6534,8 @@
           <a:p>
             <a:r>
               <a:rPr lang="en-US" sz="1200" dirty="0"/>
-              <a:t>Conceptually, this game is a single player game, therefore only one player can play this game at a time and you do not need set anything. But if you have a friend right now, that is no problem. Just play the game in turns and look who can reach a higher score. </a:t>
-            </a:r>
-          </a:p>
-          <a:p>
-            <a:endParaRPr lang="en-US" sz="1200" dirty="0"/>
+              <a:t>This game is designed as a single-player experience, so only one player can play at a time. There are no additional player settings. If you have a friend with you, you can simply take turns and see who achieves the higher score.</a:t>
+            </a:r>
           </a:p>
           <a:p>
             <a:endParaRPr lang="en-US" sz="1200" dirty="0"/>
@@ -6553,11 +6550,8 @@
           <a:p>
             <a:r>
               <a:rPr lang="en-US" sz="1200" dirty="0"/>
-              <a:t>At the start of each game, after a short introduction, you arrive at the main menu. Here you can select between different game modes/options. There are in total 5 game modes:</a:t>
-            </a:r>
-          </a:p>
-          <a:p>
-            <a:endParaRPr lang="en-US" sz="1200" dirty="0"/>
+              <a:t>At the start of each game, after a brief introduction, you will arrive at the main menu. Here, you can choose from five different game modes:</a:t>
+            </a:r>
           </a:p>
           <a:p>
             <a:r>
@@ -6599,7 +6593,25 @@
           <a:p>
             <a:r>
               <a:rPr lang="en-US" sz="1200" dirty="0"/>
-              <a:t>A small arrow on the left of the screen indicates the currently selected mode. When the game is booted for the first time, the mode “STILL” is selected. You can navigate through the modes using the joystick. To move the arrow down, push the joystick downward. To continue going down, you need to release the pressure of the joystick and then reapply the pressure in which way(down or up) you like to move.</a:t>
+              <a:t>A small arrow on the left side of the screen indicates the currently selected mode. The first time the game is launched, the default mode is </a:t>
+            </a:r>
+            <a:r>
+              <a:rPr lang="en-US" sz="1200" b="1" dirty="0"/>
+              <a:t>STILL</a:t>
+            </a:r>
+            <a:r>
+              <a:rPr lang="en-US" sz="1200" dirty="0"/>
+              <a:t>.</a:t>
+            </a:r>
+          </a:p>
+          <a:p>
+            <a:r>
+              <a:rPr lang="en-US" sz="1200" dirty="0"/>
+              <a:t>You can navigate between the modes using the joystick. Push the joystick downward to move the arrow down. To continue moving in the same direction, release the joystick and then push it again in the desired direction (up or </a:t>
+            </a:r>
+            <a:r>
+              <a:rPr lang="en-US" sz="1200"/>
+              <a:t>down).</a:t>
             </a:r>
           </a:p>
           <a:p>
@@ -6608,7 +6620,15 @@
           <a:p>
             <a:r>
               <a:rPr lang="en-US" sz="1200" dirty="0"/>
-              <a:t>On the right side of the screen, your current high score for the selected mode is displayed. A mode is considered completed when you reach a score of 16.</a:t>
+              <a:t>On the right side of the screen, you can see your current high score for the selected mode. A mode is considered </a:t>
+            </a:r>
+            <a:r>
+              <a:rPr lang="en-US" sz="1200" b="1" dirty="0"/>
+              <a:t>completed</a:t>
+            </a:r>
+            <a:r>
+              <a:rPr lang="en-US" sz="1200" dirty="0"/>
+              <a:t> when you reach a score of 16.</a:t>
             </a:r>
           </a:p>
           <a:p>
@@ -6617,7 +6637,15 @@
           <a:p>
             <a:r>
               <a:rPr lang="en-US" sz="1200" dirty="0"/>
-              <a:t>To select a mode, press button 4 and you will be immediately thrown into the level. Do not worry, if you dislike a mode, there is still the option to go back to menu and select a different mode.</a:t>
+              <a:t>To select a mode, press </a:t>
+            </a:r>
+            <a:r>
+              <a:rPr lang="en-US" sz="1200" b="1" dirty="0"/>
+              <a:t>Button 4</a:t>
+            </a:r>
+            <a:r>
+              <a:rPr lang="en-US" sz="1200" dirty="0"/>
+              <a:t>. You will immediately enter the level. If you decide you don’t like the mode, you can return to the menu and select a different one.</a:t>
             </a:r>
           </a:p>
         </p:txBody>

--- a/Vectrex/projects/NeuroVector/manual/manual_template.pptx
+++ b/Vectrex/projects/NeuroVector/manual/manual_template.pptx
@@ -5,19 +5,20 @@
     <p:sldMasterId id="2147483682" r:id="rId1"/>
   </p:sldMasterIdLst>
   <p:notesMasterIdLst>
-    <p:notesMasterId r:id="rId9"/>
+    <p:notesMasterId r:id="rId10"/>
   </p:notesMasterIdLst>
   <p:handoutMasterIdLst>
-    <p:handoutMasterId r:id="rId10"/>
+    <p:handoutMasterId r:id="rId11"/>
   </p:handoutMasterIdLst>
   <p:sldIdLst>
     <p:sldId id="1534" r:id="rId2"/>
     <p:sldId id="1527" r:id="rId3"/>
     <p:sldId id="1528" r:id="rId4"/>
-    <p:sldId id="1537" r:id="rId5"/>
+    <p:sldId id="1539" r:id="rId5"/>
     <p:sldId id="1536" r:id="rId6"/>
-    <p:sldId id="1535" r:id="rId7"/>
-    <p:sldId id="1533" r:id="rId8"/>
+    <p:sldId id="1538" r:id="rId7"/>
+    <p:sldId id="1535" r:id="rId8"/>
+    <p:sldId id="1533" r:id="rId9"/>
   </p:sldIdLst>
   <p:sldSz cx="6858000" cy="9144000" type="screen4x3"/>
   <p:notesSz cx="6669088" cy="9872663"/>
@@ -6062,11 +6063,7 @@
           <a:lstStyle/>
           <a:p>
             <a:r>
-              <a:rPr lang="en-US" sz="1200" b="1" dirty="0">
-                <a:solidFill>
-                  <a:srgbClr val="FF0000"/>
-                </a:solidFill>
-              </a:rPr>
+              <a:rPr lang="en-US" sz="1200" b="1" dirty="0"/>
               <a:t>NEURO VECTOR</a:t>
             </a:r>
             <a:r>
@@ -6258,7 +6255,7 @@
             <a:p>
               <a:r>
                 <a:rPr lang="en-US" sz="1050" dirty="0"/>
-                <a:t>Button 1 does nothing, but if you are stressed, you are free to press it</a:t>
+                <a:t>Button one does nothing, but if you are stressed, you are free to press it.</a:t>
               </a:r>
             </a:p>
           </p:txBody>
@@ -6293,7 +6290,7 @@
             <a:p>
               <a:r>
                 <a:rPr lang="en-US" sz="1050" dirty="0"/>
-                <a:t>With the help of the second button the player can go back to the menu and select a different mode</a:t>
+                <a:t>With the help of the second button the player can go back to the menu and select a different mode.</a:t>
               </a:r>
             </a:p>
           </p:txBody>
@@ -6328,7 +6325,7 @@
             <a:p>
               <a:r>
                 <a:rPr lang="en-US" sz="1050" dirty="0"/>
-                <a:t>The joystick can be used to select the fitting option</a:t>
+                <a:t>The joystick can be used to select the fitting option.</a:t>
               </a:r>
             </a:p>
           </p:txBody>
@@ -6363,7 +6360,7 @@
             <a:p>
               <a:r>
                 <a:rPr lang="en-US" sz="1050" dirty="0"/>
-                <a:t>With the help of the third button the player can restart the current mode</a:t>
+                <a:t>With the help of the third button the player can restart the current mode.</a:t>
               </a:r>
             </a:p>
           </p:txBody>
@@ -6398,7 +6395,7 @@
             <a:p>
               <a:r>
                 <a:rPr lang="en-US" sz="1050" dirty="0"/>
-                <a:t>Button 4 confirms the selected input during your menu and during the game</a:t>
+                <a:t>Button 4 confirms the selected input during your menu and during the game.</a:t>
               </a:r>
             </a:p>
           </p:txBody>
@@ -6513,7 +6510,7 @@
         <p:spPr>
           <a:xfrm>
             <a:off x="764704" y="1380946"/>
-            <a:ext cx="5328592" cy="5324535"/>
+            <a:ext cx="5328592" cy="6801862"/>
           </a:xfrm>
           <a:prstGeom prst="rect">
             <a:avLst/>
@@ -6526,21 +6523,25 @@
           </a:bodyPr>
           <a:lstStyle/>
           <a:p>
+            <a:pPr algn="just"/>
             <a:r>
               <a:rPr lang="en-US" sz="1400" b="1" dirty="0"/>
               <a:t>PLAYER SELECTION</a:t>
             </a:r>
           </a:p>
           <a:p>
+            <a:pPr algn="just"/>
             <a:r>
               <a:rPr lang="en-US" sz="1200" dirty="0"/>
               <a:t>This game is designed as a single-player experience, so only one player can play at a time. There are no additional player settings. If you have a friend with you, you can simply take turns and see who achieves the higher score.</a:t>
             </a:r>
           </a:p>
           <a:p>
+            <a:pPr algn="just"/>
             <a:endParaRPr lang="en-US" sz="1200" dirty="0"/>
           </a:p>
           <a:p>
+            <a:pPr algn="just"/>
             <a:r>
               <a:rPr lang="en-US" sz="1400" b="1" dirty="0"/>
               <a:t>OPTION SELECTION</a:t>
@@ -6548,49 +6549,84 @@
             <a:endParaRPr lang="en-US" sz="1200" dirty="0"/>
           </a:p>
           <a:p>
+            <a:pPr algn="just"/>
             <a:r>
               <a:rPr lang="en-US" sz="1200" dirty="0"/>
               <a:t>At the start of each game, after a brief introduction, you will arrive at the main menu. Here, you can choose from five different game modes:</a:t>
             </a:r>
           </a:p>
           <a:p>
+            <a:pPr algn="just"/>
             <a:r>
               <a:rPr lang="en-US" sz="1200" dirty="0"/>
               <a:t>	</a:t>
             </a:r>
+          </a:p>
+          <a:p>
+            <a:pPr algn="just"/>
+            <a:endParaRPr lang="en-US" sz="1200" b="1" dirty="0"/>
+          </a:p>
+          <a:p>
+            <a:pPr algn="just"/>
+            <a:endParaRPr lang="en-US" sz="1200" b="1" dirty="0"/>
+          </a:p>
+          <a:p>
+            <a:pPr algn="just"/>
+            <a:endParaRPr lang="en-US" sz="1200" b="1" dirty="0"/>
+          </a:p>
+          <a:p>
+            <a:pPr algn="just"/>
             <a:r>
               <a:rPr lang="en-US" sz="1200" b="1" dirty="0"/>
-              <a:t>- STILL</a:t>
-            </a:r>
-          </a:p>
-          <a:p>
+              <a:t>	- STILL</a:t>
+            </a:r>
+          </a:p>
+          <a:p>
+            <a:pPr algn="just"/>
             <a:r>
               <a:rPr lang="en-US" sz="1200" b="1" dirty="0"/>
               <a:t>	- PULSE</a:t>
             </a:r>
           </a:p>
           <a:p>
+            <a:pPr algn="just"/>
             <a:r>
               <a:rPr lang="en-US" sz="1200" b="1" dirty="0"/>
               <a:t>	- PORTAL</a:t>
             </a:r>
           </a:p>
           <a:p>
+            <a:pPr algn="just"/>
             <a:r>
               <a:rPr lang="en-US" sz="1200" b="1" dirty="0"/>
               <a:t>	- ORBIT</a:t>
             </a:r>
           </a:p>
           <a:p>
+            <a:pPr algn="just"/>
             <a:r>
               <a:rPr lang="en-US" sz="1200" b="1" dirty="0"/>
               <a:t>	- ECHO</a:t>
             </a:r>
           </a:p>
           <a:p>
+            <a:pPr algn="just"/>
+            <a:endParaRPr lang="en-US" sz="1200" b="1" dirty="0"/>
+          </a:p>
+          <a:p>
+            <a:pPr algn="just"/>
+            <a:endParaRPr lang="en-US" sz="1200" b="1" dirty="0"/>
+          </a:p>
+          <a:p>
+            <a:pPr algn="just"/>
+            <a:endParaRPr lang="en-US" sz="1200" b="1" dirty="0"/>
+          </a:p>
+          <a:p>
+            <a:pPr algn="just"/>
             <a:endParaRPr lang="en-US" sz="1200" dirty="0"/>
           </a:p>
           <a:p>
+            <a:pPr algn="just"/>
             <a:r>
               <a:rPr lang="en-US" sz="1200" dirty="0"/>
               <a:t>A small arrow on the left side of the screen indicates the currently selected mode. The first time the game is launched, the default mode is </a:t>
@@ -6601,40 +6637,26 @@
             </a:r>
             <a:r>
               <a:rPr lang="en-US" sz="1200" dirty="0"/>
-              <a:t>.</a:t>
-            </a:r>
-          </a:p>
-          <a:p>
+              <a:t>. You can navigate between the modes using the joystick. Push the joystick downward to move the arrow down. To continue moving in the same direction, release the joystick and then push it again in the desired direction (up or down).</a:t>
+            </a:r>
+          </a:p>
+          <a:p>
+            <a:pPr algn="just"/>
+            <a:endParaRPr lang="en-US" sz="1200" dirty="0"/>
+          </a:p>
+          <a:p>
+            <a:pPr algn="just"/>
             <a:r>
               <a:rPr lang="en-US" sz="1200" dirty="0"/>
-              <a:t>You can navigate between the modes using the joystick. Push the joystick downward to move the arrow down. To continue moving in the same direction, release the joystick and then push it again in the desired direction (up or </a:t>
-            </a:r>
-            <a:r>
-              <a:rPr lang="en-US" sz="1200"/>
-              <a:t>down).</a:t>
-            </a:r>
-          </a:p>
-          <a:p>
+              <a:t>On the right side of the screen, you can see your current high score for the selected mode. A mode is considered completed when you reach a score of 16.</a:t>
+            </a:r>
+          </a:p>
+          <a:p>
+            <a:pPr algn="just"/>
             <a:endParaRPr lang="en-US" sz="1200" dirty="0"/>
           </a:p>
           <a:p>
-            <a:r>
-              <a:rPr lang="en-US" sz="1200" dirty="0"/>
-              <a:t>On the right side of the screen, you can see your current high score for the selected mode. A mode is considered </a:t>
-            </a:r>
-            <a:r>
-              <a:rPr lang="en-US" sz="1200" b="1" dirty="0"/>
-              <a:t>completed</a:t>
-            </a:r>
-            <a:r>
-              <a:rPr lang="en-US" sz="1200" dirty="0"/>
-              <a:t> when you reach a score of 16.</a:t>
-            </a:r>
-          </a:p>
-          <a:p>
-            <a:endParaRPr lang="en-US" sz="1200" dirty="0"/>
-          </a:p>
-          <a:p>
+            <a:pPr algn="just"/>
             <a:r>
               <a:rPr lang="en-US" sz="1200" dirty="0"/>
               <a:t>To select a mode, press </a:t>
@@ -6645,11 +6667,57 @@
             </a:r>
             <a:r>
               <a:rPr lang="en-US" sz="1200" dirty="0"/>
-              <a:t>. You will immediately enter the level. If you decide you don’t like the mode, you can return to the menu and select a different one.</a:t>
+              <a:t>. You will immediately enter the level. If you decide you don’t like the mode, you can return to the menu and select a different one. </a:t>
+            </a:r>
+            <a:r>
+              <a:rPr lang="en-US" sz="1200" b="1" dirty="0"/>
+              <a:t>Button 3 </a:t>
+            </a:r>
+            <a:r>
+              <a:rPr lang="en-US" sz="1200" dirty="0"/>
+              <a:t>restarts the level and </a:t>
+            </a:r>
+            <a:r>
+              <a:rPr lang="en-US" sz="1200" b="1" dirty="0"/>
+              <a:t>Button 2 </a:t>
+            </a:r>
+            <a:r>
+              <a:rPr lang="en-US" sz="1200" dirty="0"/>
+              <a:t>lets you go to the menu. </a:t>
             </a:r>
           </a:p>
         </p:txBody>
       </p:sp>
+      <p:pic>
+        <p:nvPicPr>
+          <p:cNvPr id="10" name="Grafik 9">
+            <a:extLst>
+              <a:ext uri="{FF2B5EF4-FFF2-40B4-BE49-F238E27FC236}">
+                <a16:creationId xmlns:a16="http://schemas.microsoft.com/office/drawing/2014/main" id="{F752026A-6D19-1F45-5194-87AE77E2F4D9}"/>
+              </a:ext>
+            </a:extLst>
+          </p:cNvPr>
+          <p:cNvPicPr>
+            <a:picLocks noChangeAspect="1"/>
+          </p:cNvPicPr>
+          <p:nvPr/>
+        </p:nvPicPr>
+        <p:blipFill>
+          <a:blip r:embed="rId2"/>
+          <a:stretch>
+            <a:fillRect/>
+          </a:stretch>
+        </p:blipFill>
+        <p:spPr>
+          <a:xfrm>
+            <a:off x="3140968" y="3059832"/>
+            <a:ext cx="2801188" cy="2258885"/>
+          </a:xfrm>
+          <a:prstGeom prst="rect">
+            <a:avLst/>
+          </a:prstGeom>
+        </p:spPr>
+      </p:pic>
     </p:spTree>
     <p:extLst>
       <p:ext uri="{BB962C8B-B14F-4D97-AF65-F5344CB8AC3E}">
@@ -6672,7 +6740,7 @@
         <p:cNvPr id="1" name="">
           <a:extLst>
             <a:ext uri="{FF2B5EF4-FFF2-40B4-BE49-F238E27FC236}">
-              <a16:creationId xmlns:a16="http://schemas.microsoft.com/office/drawing/2014/main" id="{50A04940-31C4-B515-8DE0-15EC17DC9A20}"/>
+              <a16:creationId xmlns:a16="http://schemas.microsoft.com/office/drawing/2014/main" id="{0CEB79D7-86F7-047B-DE7B-3043763A6C66}"/>
             </a:ext>
           </a:extLst>
         </p:cNvPr>
@@ -6692,7 +6760,7 @@
           <p:cNvPr id="4" name="Rechteck 3">
             <a:extLst>
               <a:ext uri="{FF2B5EF4-FFF2-40B4-BE49-F238E27FC236}">
-                <a16:creationId xmlns:a16="http://schemas.microsoft.com/office/drawing/2014/main" id="{11EAB558-F8DE-81BE-4D2F-854BAB868B40}"/>
+                <a16:creationId xmlns:a16="http://schemas.microsoft.com/office/drawing/2014/main" id="{079EDCFA-F9B5-3DC5-4E10-B1911CE8A5AE}"/>
               </a:ext>
             </a:extLst>
           </p:cNvPr>
@@ -6767,7 +6835,7 @@
           <p:cNvPr id="5" name="Textfeld 4">
             <a:extLst>
               <a:ext uri="{FF2B5EF4-FFF2-40B4-BE49-F238E27FC236}">
-                <a16:creationId xmlns:a16="http://schemas.microsoft.com/office/drawing/2014/main" id="{3B33351B-222B-CB3F-3A6E-063769CB9AB3}"/>
+                <a16:creationId xmlns:a16="http://schemas.microsoft.com/office/drawing/2014/main" id="{574990CA-D325-7AC3-F6E1-FB83A85EB4D4}"/>
               </a:ext>
             </a:extLst>
           </p:cNvPr>
@@ -6777,7 +6845,7 @@
         <p:spPr>
           <a:xfrm>
             <a:off x="764704" y="1380946"/>
-            <a:ext cx="5328592" cy="5755422"/>
+            <a:ext cx="5328592" cy="4585871"/>
           </a:xfrm>
           <a:prstGeom prst="rect">
             <a:avLst/>
@@ -6790,24 +6858,28 @@
           </a:bodyPr>
           <a:lstStyle/>
           <a:p>
-            <a:r>
-              <a:rPr lang="en-US" sz="1400" b="1" dirty="0"/>
+            <a:pPr algn="just"/>
+            <a:r>
+              <a:rPr lang="en-US" sz="1600" b="1" dirty="0"/>
               <a:t>GAME PLAY</a:t>
             </a:r>
           </a:p>
           <a:p>
+            <a:pPr algn="just"/>
             <a:r>
               <a:rPr lang="en-US" sz="1200" dirty="0"/>
-              <a:t>After long years of studying and a lot of tears, you finally reached your dream job being a doctor. Now, on a daily basis, you try to help people by fixing their brains. </a:t>
-            </a:r>
-          </a:p>
-          <a:p>
+              <a:t>After years of dedication and countless tears, you’ve achieved your dream: becoming a neurosurgeon. Now, a patient’s life rests in your hands as you prepare to operate directly on their brain.</a:t>
+            </a:r>
+          </a:p>
+          <a:p>
+            <a:pPr algn="just"/>
             <a:endParaRPr lang="en-US" sz="1200" dirty="0"/>
           </a:p>
           <a:p>
+            <a:pPr algn="just"/>
             <a:r>
               <a:rPr lang="en-US" sz="1200" dirty="0"/>
-              <a:t>After selecting your game mode, you are greeted by a brain looking interface. Within this brain, there are 9 squares. The 9 squares are displayed in a 3 x 3 field. There are two phases. A “</a:t>
+              <a:t>After selecting your game mode, you are greeted by a brain interface. Within this brain, there are 9 squares arranged in a 3 × 3 grid. Fixing a patient’s brain involves two phases, </a:t>
             </a:r>
             <a:r>
               <a:rPr lang="en-US" sz="1200" b="1" dirty="0"/>
@@ -6815,7 +6887,7 @@
             </a:r>
             <a:r>
               <a:rPr lang="en-US" sz="1200" dirty="0"/>
-              <a:t>” and a “</a:t>
+              <a:t> and </a:t>
             </a:r>
             <a:r>
               <a:rPr lang="en-US" sz="1200" b="1" dirty="0"/>
@@ -6823,20 +6895,18 @@
             </a:r>
             <a:r>
               <a:rPr lang="en-US" sz="1200" dirty="0"/>
-              <a:t>” phase. </a:t>
-            </a:r>
-          </a:p>
-          <a:p>
+              <a:t>.</a:t>
+            </a:r>
+          </a:p>
+          <a:p>
+            <a:pPr algn="just"/>
             <a:endParaRPr lang="en-US" sz="1200" dirty="0"/>
           </a:p>
           <a:p>
-            <a:r>
-              <a:rPr lang="en-US" sz="1400" b="1" dirty="0"/>
-              <a:t>REMEMBER</a:t>
-            </a:r>
-            <a:r>
-              <a:rPr lang="en-US" sz="1600" b="1" dirty="0"/>
-              <a:t>:</a:t>
+            <a:pPr algn="just"/>
+            <a:r>
+              <a:rPr lang="en-US" sz="1200" b="1" dirty="0"/>
+              <a:t>REMEMBER:</a:t>
             </a:r>
             <a:r>
               <a:rPr lang="en-US" sz="1200" dirty="0"/>
@@ -6844,48 +6914,36 @@
             </a:r>
           </a:p>
           <a:p>
+            <a:pPr algn="just"/>
             <a:r>
               <a:rPr lang="en-US" sz="1200" dirty="0"/>
-              <a:t>In the remember state, your task is to remember a specific sequence that will be displayed. In the 3 × 3 field, an </a:t>
+              <a:t>In the remember phase, your task is to remember a specific sequence that will be displayed. In the 3 × 3 field, a “X” will appear. Try to remember where the “X” was. You don’t need to press anything during this phase. After the sequence is shown, you will automatically move on to the </a:t>
             </a:r>
             <a:r>
               <a:rPr lang="en-US" sz="1200" b="1" dirty="0"/>
-              <a:t>“X”</a:t>
+              <a:t>REPEAT</a:t>
             </a:r>
             <a:r>
               <a:rPr lang="en-US" sz="1200" dirty="0"/>
-              <a:t> will appear. Try to remember where the </a:t>
-            </a:r>
-            <a:r>
-              <a:rPr lang="en-US" sz="1200" b="1" dirty="0"/>
-              <a:t>“X”</a:t>
-            </a:r>
-            <a:r>
-              <a:rPr lang="en-US" sz="1200" dirty="0"/>
-              <a:t> was. </a:t>
-            </a:r>
-          </a:p>
-          <a:p>
+              <a:t> phase.</a:t>
+            </a:r>
+          </a:p>
+          <a:p>
+            <a:pPr algn="just"/>
             <a:endParaRPr lang="en-US" sz="1200" dirty="0"/>
           </a:p>
           <a:p>
+            <a:pPr algn="just"/>
             <a:r>
               <a:rPr lang="en-US" sz="1200" b="1" dirty="0"/>
               <a:t>REPEAT:</a:t>
             </a:r>
           </a:p>
           <a:p>
+            <a:pPr algn="just"/>
             <a:r>
               <a:rPr lang="en-US" sz="1200" dirty="0"/>
-              <a:t>Your mission is to move your joystick to where the </a:t>
-            </a:r>
-            <a:r>
-              <a:rPr lang="en-US" sz="1200" b="1" dirty="0"/>
-              <a:t>“X”</a:t>
-            </a:r>
-            <a:r>
-              <a:rPr lang="en-US" sz="1200" dirty="0"/>
-              <a:t> was and press </a:t>
+              <a:t>Your job is to move the joystick to the square where the “X” showed up and hit </a:t>
             </a:r>
             <a:r>
               <a:rPr lang="en-US" sz="1200" b="1" dirty="0"/>
@@ -6893,73 +6951,68 @@
             </a:r>
             <a:r>
               <a:rPr lang="en-US" sz="1200" dirty="0"/>
-              <a:t>. You can move around with the joystick. Without applying pressure to the joystick, the </a:t>
+              <a:t>. The “X” marks where you are on the grid and starts in the middle if you don’t touch the joystick. Push the stick in any direction, and the “X” will slide that way, landing in the square you’re pointing to. The </a:t>
             </a:r>
             <a:r>
               <a:rPr lang="en-US" sz="1200" b="1" dirty="0"/>
-              <a:t>“X” </a:t>
+              <a:t>REPEAT </a:t>
             </a:r>
             <a:r>
               <a:rPr lang="en-US" sz="1200" dirty="0"/>
-              <a:t>will appear in the middle square. This </a:t>
-            </a:r>
-            <a:r>
-              <a:rPr lang="en-US" sz="1200" b="1" dirty="0"/>
-              <a:t>“X”</a:t>
-            </a:r>
-            <a:r>
-              <a:rPr lang="en-US" sz="1200" dirty="0"/>
-              <a:t> indicates your current position. If you apply pressure to the right, the </a:t>
-            </a:r>
-            <a:r>
-              <a:rPr lang="en-US" sz="1200" b="1" dirty="0"/>
-              <a:t>“X”</a:t>
-            </a:r>
-            <a:r>
-              <a:rPr lang="en-US" sz="1200" dirty="0"/>
-              <a:t> will appear to the right. This means the </a:t>
-            </a:r>
-            <a:r>
-              <a:rPr lang="en-US" sz="1200" b="1" dirty="0"/>
-              <a:t>“X”</a:t>
-            </a:r>
-            <a:r>
-              <a:rPr lang="en-US" sz="1200" dirty="0"/>
-              <a:t> will appear in the direction in which you apply pressure. </a:t>
-            </a:r>
-          </a:p>
-          <a:p>
-            <a:endParaRPr lang="en-US" sz="1200" dirty="0"/>
-          </a:p>
-          <a:p>
-            <a:r>
-              <a:rPr lang="en-US" sz="1400" b="1" dirty="0"/>
-              <a:t>TIMING</a:t>
-            </a:r>
-          </a:p>
-          <a:p>
-            <a:r>
-              <a:rPr lang="en-US" sz="1200" dirty="0"/>
-              <a:t>Your mission is to save lives, and you cannot take forever. At the top of the screen, you can see the lifeline and the beats per minute of your patient. The beats per minute will drop over time. If it drops to </a:t>
-            </a:r>
-            <a:r>
-              <a:rPr lang="en-US" sz="1200" b="1" dirty="0"/>
-              <a:t>0</a:t>
-            </a:r>
-            <a:r>
-              <a:rPr lang="en-US" sz="1200" dirty="0"/>
-              <a:t>, you lose your patient and the level.  </a:t>
-            </a:r>
+              <a:t>phase can differ in different modes, be careful, because some brains are just confusing.</a:t>
+            </a:r>
+          </a:p>
+          <a:p>
+            <a:pPr algn="just"/>
+            <a:endParaRPr lang="en-US" sz="1200" b="1" dirty="0"/>
           </a:p>
           <a:p>
             <a:endParaRPr lang="en-US" sz="1200" dirty="0"/>
           </a:p>
         </p:txBody>
       </p:sp>
+      <p:pic>
+        <p:nvPicPr>
+          <p:cNvPr id="3" name="Grafik 2">
+            <a:extLst>
+              <a:ext uri="{FF2B5EF4-FFF2-40B4-BE49-F238E27FC236}">
+                <a16:creationId xmlns:a16="http://schemas.microsoft.com/office/drawing/2014/main" id="{2268A3FC-14E6-9EF6-3100-65F100F431EF}"/>
+              </a:ext>
+            </a:extLst>
+          </p:cNvPr>
+          <p:cNvPicPr>
+            <a:picLocks noChangeAspect="1"/>
+          </p:cNvPicPr>
+          <p:nvPr/>
+        </p:nvPicPr>
+        <p:blipFill>
+          <a:blip r:embed="rId2">
+            <a:duotone>
+              <a:prstClr val="black"/>
+              <a:schemeClr val="accent3">
+                <a:tint val="45000"/>
+                <a:satMod val="400000"/>
+              </a:schemeClr>
+            </a:duotone>
+          </a:blip>
+          <a:stretch>
+            <a:fillRect/>
+          </a:stretch>
+        </p:blipFill>
+        <p:spPr>
+          <a:xfrm>
+            <a:off x="2005236" y="5526054"/>
+            <a:ext cx="2847528" cy="2689017"/>
+          </a:xfrm>
+          <a:prstGeom prst="rect">
+            <a:avLst/>
+          </a:prstGeom>
+        </p:spPr>
+      </p:pic>
     </p:spTree>
     <p:extLst>
       <p:ext uri="{BB962C8B-B14F-4D97-AF65-F5344CB8AC3E}">
-        <p14:creationId xmlns:p14="http://schemas.microsoft.com/office/powerpoint/2010/main" val="512950076"/>
+        <p14:creationId xmlns:p14="http://schemas.microsoft.com/office/powerpoint/2010/main" val="1377013444"/>
       </p:ext>
     </p:extLst>
   </p:cSld>
@@ -6995,7 +7048,7 @@
         </p:nvSpPr>
         <p:spPr bwMode="auto">
           <a:xfrm>
-            <a:off x="665333" y="790557"/>
+            <a:off x="665333" y="3567359"/>
             <a:ext cx="5527334" cy="436368"/>
           </a:xfrm>
           <a:prstGeom prst="rect">
@@ -7064,8 +7117,8 @@
         </p:nvSpPr>
         <p:spPr>
           <a:xfrm>
-            <a:off x="764704" y="1380946"/>
-            <a:ext cx="5328592" cy="646331"/>
+            <a:off x="764704" y="4036952"/>
+            <a:ext cx="5328592" cy="1384995"/>
           </a:xfrm>
           <a:prstGeom prst="rect">
             <a:avLst/>
@@ -7080,7 +7133,44 @@
           <a:p>
             <a:r>
               <a:rPr lang="en-US" sz="1200" dirty="0"/>
-              <a:t>Your score will be determined by how many “X” you could successfully repeat. Each mode saves a unique score. This score can go up to 16. If you reached 16 you finished the level. </a:t>
+              <a:t>Your score is determined by how many “X” you can successfully repeat.</a:t>
+            </a:r>
+            <a:br>
+              <a:rPr lang="en-US" sz="1200" dirty="0"/>
+            </a:br>
+            <a:r>
+              <a:rPr lang="en-US" sz="1200" dirty="0"/>
+              <a:t>Each mode saves a unique score, which can go up to 16.</a:t>
+            </a:r>
+            <a:br>
+              <a:rPr lang="en-US" sz="1200" dirty="0"/>
+            </a:br>
+            <a:r>
+              <a:rPr lang="en-US" sz="1200" dirty="0"/>
+              <a:t>If you reach 16, you have completed the level.</a:t>
+            </a:r>
+          </a:p>
+          <a:p>
+            <a:r>
+              <a:rPr lang="en-US" sz="1200" dirty="0"/>
+              <a:t>At the bottom of the screen, you can see </a:t>
+            </a:r>
+            <a:r>
+              <a:rPr lang="en-US" sz="1200" b="1" dirty="0"/>
+              <a:t>two progress lines.</a:t>
+            </a:r>
+            <a:endParaRPr lang="en-US" sz="1200" dirty="0"/>
+          </a:p>
+          <a:p>
+            <a:r>
+              <a:rPr lang="en-US" sz="1200" dirty="0"/>
+              <a:t>The first progress line shows how many button presses are required.</a:t>
+            </a:r>
+          </a:p>
+          <a:p>
+            <a:r>
+              <a:rPr lang="en-US" sz="1200" dirty="0"/>
+              <a:t>The second progress line shows how close you actually are to completing the sequence.</a:t>
             </a:r>
           </a:p>
         </p:txBody>
@@ -7093,7 +7183,7 @@
         </p:nvSpPr>
         <p:spPr bwMode="auto">
           <a:xfrm>
-            <a:off x="665333" y="4976508"/>
+            <a:off x="663804" y="5530890"/>
             <a:ext cx="5527334" cy="436368"/>
           </a:xfrm>
           <a:prstGeom prst="rect">
@@ -7162,7 +7252,7 @@
         </p:nvSpPr>
         <p:spPr bwMode="auto">
           <a:xfrm>
-            <a:off x="665333" y="6450436"/>
+            <a:off x="665333" y="6880263"/>
             <a:ext cx="5527334" cy="436368"/>
           </a:xfrm>
           <a:prstGeom prst="rect">
@@ -7231,7 +7321,7 @@
         </p:nvSpPr>
         <p:spPr>
           <a:xfrm>
-            <a:off x="764704" y="5552572"/>
+            <a:off x="739923" y="6016046"/>
             <a:ext cx="5328592" cy="646331"/>
           </a:xfrm>
           <a:prstGeom prst="rect">
@@ -7245,6 +7335,7 @@
           </a:bodyPr>
           <a:lstStyle/>
           <a:p>
+            <a:pPr algn="just"/>
             <a:r>
               <a:rPr lang="en-US" sz="1200" dirty="0"/>
               <a:t>As long as your machine is on, with the game cartridge in place, the highest score is retained. To see this score, press the Reset button. When the machine is turned off and the cartridge removed, the score is lost.</a:t>
@@ -7260,7 +7351,7 @@
         </p:nvSpPr>
         <p:spPr>
           <a:xfrm>
-            <a:off x="764704" y="7034130"/>
+            <a:off x="764704" y="7383081"/>
             <a:ext cx="5328592" cy="830997"/>
           </a:xfrm>
           <a:prstGeom prst="rect">
@@ -7274,10 +7365,155 @@
           </a:bodyPr>
           <a:lstStyle/>
           <a:p>
+            <a:pPr algn="just"/>
             <a:r>
               <a:rPr lang="en-US" sz="1200" dirty="0"/>
               <a:t>To restart a completed game with the same number of players and the same game option, press any of the four buttons once the game is over. If you wish to restart the game before it is completed, or change the number of players or the game option, press the Reset button.</a:t>
             </a:r>
+          </a:p>
+        </p:txBody>
+      </p:sp>
+      <p:sp>
+        <p:nvSpPr>
+          <p:cNvPr id="10" name="Textfeld 9">
+            <a:extLst>
+              <a:ext uri="{FF2B5EF4-FFF2-40B4-BE49-F238E27FC236}">
+                <a16:creationId xmlns:a16="http://schemas.microsoft.com/office/drawing/2014/main" id="{52A4A765-6628-7316-B1F2-BA6EFC5636E5}"/>
+              </a:ext>
+            </a:extLst>
+          </p:cNvPr>
+          <p:cNvSpPr txBox="1"/>
+          <p:nvPr/>
+        </p:nvSpPr>
+        <p:spPr>
+          <a:xfrm>
+            <a:off x="689554" y="1243384"/>
+            <a:ext cx="5328592" cy="2123658"/>
+          </a:xfrm>
+          <a:prstGeom prst="rect">
+            <a:avLst/>
+          </a:prstGeom>
+          <a:noFill/>
+        </p:spPr>
+        <p:txBody>
+          <a:bodyPr wrap="square" rtlCol="0">
+            <a:spAutoFit/>
+          </a:bodyPr>
+          <a:lstStyle/>
+          <a:p>
+            <a:pPr algn="just"/>
+            <a:r>
+              <a:rPr lang="en-US" sz="1200" b="1" dirty="0"/>
+              <a:t>TIMING:</a:t>
+            </a:r>
+          </a:p>
+          <a:p>
+            <a:pPr algn="just"/>
+            <a:r>
+              <a:rPr lang="en-US" sz="1200" dirty="0"/>
+              <a:t>As a doctor you want to save lives, and you cannot take forever. At the top of the screen, you can see the lifeline and the beats per minute of your patient. The beats per minute will drop over time. If it drops to 0, you lose your patient and the level.  </a:t>
+            </a:r>
+          </a:p>
+          <a:p>
+            <a:pPr algn="just"/>
+            <a:endParaRPr lang="en-US" sz="1200" dirty="0"/>
+          </a:p>
+          <a:p>
+            <a:pPr algn="just"/>
+            <a:r>
+              <a:rPr lang="en-US" sz="1200" b="1" dirty="0"/>
+              <a:t>MODES:</a:t>
+            </a:r>
+          </a:p>
+          <a:p>
+            <a:pPr algn="just"/>
+            <a:r>
+              <a:rPr lang="en-US" sz="1200" dirty="0"/>
+              <a:t>You can choose between 5 different modes. Some modes ought to confuse you with moving squares, but do not worry about the difficulty. In every </a:t>
+            </a:r>
+            <a:r>
+              <a:rPr lang="en-US" sz="1200" b="1" dirty="0"/>
+              <a:t>Remember</a:t>
+            </a:r>
+            <a:r>
+              <a:rPr lang="en-US" sz="1200" dirty="0"/>
+              <a:t> phase the squares will be displayed in a grid, which is much easier to remember. </a:t>
+            </a:r>
+          </a:p>
+        </p:txBody>
+      </p:sp>
+      <p:sp>
+        <p:nvSpPr>
+          <p:cNvPr id="11" name="Rechteck 10">
+            <a:extLst>
+              <a:ext uri="{FF2B5EF4-FFF2-40B4-BE49-F238E27FC236}">
+                <a16:creationId xmlns:a16="http://schemas.microsoft.com/office/drawing/2014/main" id="{9C2ACCDE-BBBE-5A44-51E4-C6126738A90B}"/>
+              </a:ext>
+            </a:extLst>
+          </p:cNvPr>
+          <p:cNvSpPr/>
+          <p:nvPr/>
+        </p:nvSpPr>
+        <p:spPr bwMode="auto">
+          <a:xfrm>
+            <a:off x="665333" y="790557"/>
+            <a:ext cx="5527334" cy="436368"/>
+          </a:xfrm>
+          <a:prstGeom prst="rect">
+            <a:avLst/>
+          </a:prstGeom>
+          <a:solidFill>
+            <a:schemeClr val="bg1">
+              <a:lumMod val="65000"/>
+            </a:schemeClr>
+          </a:solidFill>
+          <a:ln w="9525" cap="flat" cmpd="sng" algn="ctr">
+            <a:noFill/>
+            <a:prstDash val="solid"/>
+            <a:round/>
+            <a:headEnd type="none" w="med" len="med"/>
+            <a:tailEnd type="none" w="med" len="med"/>
+          </a:ln>
+          <a:effectLst/>
+        </p:spPr>
+        <p:txBody>
+          <a:bodyPr vert="horz" wrap="square" lIns="91440" tIns="45720" rIns="91440" bIns="45720" numCol="1" rtlCol="0" anchor="t" anchorCtr="0" compatLnSpc="1">
+            <a:prstTxWarp prst="textNoShape">
+              <a:avLst/>
+            </a:prstTxWarp>
+          </a:bodyPr>
+          <a:lstStyle/>
+          <a:p>
+            <a:pPr marL="0" marR="0" indent="0" algn="ctr" defTabSz="914400" rtl="0" eaLnBrk="0" fontAlgn="base" latinLnBrk="0" hangingPunct="0">
+              <a:lnSpc>
+                <a:spcPct val="100000"/>
+              </a:lnSpc>
+              <a:spcBef>
+                <a:spcPct val="0"/>
+              </a:spcBef>
+              <a:spcAft>
+                <a:spcPct val="0"/>
+              </a:spcAft>
+              <a:buClrTx/>
+              <a:buSzTx/>
+              <a:buFontTx/>
+              <a:buNone/>
+              <a:tabLst/>
+            </a:pPr>
+            <a:r>
+              <a:rPr lang="de-DE" sz="2400" b="1" dirty="0"/>
+              <a:t>HOW TO PLAY</a:t>
+            </a:r>
+            <a:endParaRPr kumimoji="0" lang="de-DE" sz="2400" b="1" i="0" u="none" strike="noStrike" cap="none" normalizeH="0" baseline="0" dirty="0">
+              <a:ln>
+                <a:noFill/>
+              </a:ln>
+              <a:solidFill>
+                <a:schemeClr val="tx1"/>
+              </a:solidFill>
+              <a:effectLst/>
+              <a:latin typeface="Arial" charset="0"/>
+            </a:endParaRPr>
           </a:p>
         </p:txBody>
       </p:sp>
@@ -7296,6 +7532,3896 @@
 </file>
 
 <file path=ppt/slides/slide6.xml><?xml version="1.0" encoding="utf-8"?>
+<p:sld xmlns:a="http://schemas.openxmlformats.org/drawingml/2006/main" xmlns:r="http://schemas.openxmlformats.org/officeDocument/2006/relationships" xmlns:p="http://schemas.openxmlformats.org/presentationml/2006/main">
+  <p:cSld>
+    <p:spTree>
+      <p:nvGrpSpPr>
+        <p:cNvPr id="1" name="">
+          <a:extLst>
+            <a:ext uri="{FF2B5EF4-FFF2-40B4-BE49-F238E27FC236}">
+              <a16:creationId xmlns:a16="http://schemas.microsoft.com/office/drawing/2014/main" id="{FBEEABD2-C65A-58FB-BAC7-4D71DB4B0B2D}"/>
+            </a:ext>
+          </a:extLst>
+        </p:cNvPr>
+        <p:cNvGrpSpPr/>
+        <p:nvPr/>
+      </p:nvGrpSpPr>
+      <p:grpSpPr>
+        <a:xfrm>
+          <a:off x="0" y="0"/>
+          <a:ext cx="0" cy="0"/>
+          <a:chOff x="0" y="0"/>
+          <a:chExt cx="0" cy="0"/>
+        </a:xfrm>
+      </p:grpSpPr>
+      <p:sp>
+        <p:nvSpPr>
+          <p:cNvPr id="4" name="Rechteck 3">
+            <a:extLst>
+              <a:ext uri="{FF2B5EF4-FFF2-40B4-BE49-F238E27FC236}">
+                <a16:creationId xmlns:a16="http://schemas.microsoft.com/office/drawing/2014/main" id="{D1423051-0273-C1CF-2BBF-6C437FD5236D}"/>
+              </a:ext>
+            </a:extLst>
+          </p:cNvPr>
+          <p:cNvSpPr/>
+          <p:nvPr/>
+        </p:nvSpPr>
+        <p:spPr bwMode="auto">
+          <a:xfrm>
+            <a:off x="665333" y="790557"/>
+            <a:ext cx="5527334" cy="436368"/>
+          </a:xfrm>
+          <a:prstGeom prst="rect">
+            <a:avLst/>
+          </a:prstGeom>
+          <a:solidFill>
+            <a:schemeClr val="bg1">
+              <a:lumMod val="65000"/>
+            </a:schemeClr>
+          </a:solidFill>
+          <a:ln w="9525" cap="flat" cmpd="sng" algn="ctr">
+            <a:noFill/>
+            <a:prstDash val="solid"/>
+            <a:round/>
+            <a:headEnd type="none" w="med" len="med"/>
+            <a:tailEnd type="none" w="med" len="med"/>
+          </a:ln>
+          <a:effectLst/>
+        </p:spPr>
+        <p:txBody>
+          <a:bodyPr vert="horz" wrap="square" lIns="91440" tIns="45720" rIns="91440" bIns="45720" numCol="1" rtlCol="0" anchor="t" anchorCtr="0" compatLnSpc="1">
+            <a:prstTxWarp prst="textNoShape">
+              <a:avLst/>
+            </a:prstTxWarp>
+          </a:bodyPr>
+          <a:lstStyle/>
+          <a:p>
+            <a:pPr marL="0" marR="0" indent="0" algn="ctr" defTabSz="914400" rtl="0" eaLnBrk="0" fontAlgn="base" latinLnBrk="0" hangingPunct="0">
+              <a:lnSpc>
+                <a:spcPct val="100000"/>
+              </a:lnSpc>
+              <a:spcBef>
+                <a:spcPct val="0"/>
+              </a:spcBef>
+              <a:spcAft>
+                <a:spcPct val="0"/>
+              </a:spcAft>
+              <a:buClrTx/>
+              <a:buSzTx/>
+              <a:buFontTx/>
+              <a:buNone/>
+              <a:tabLst/>
+            </a:pPr>
+            <a:r>
+              <a:rPr lang="de-DE" sz="2400" b="1" dirty="0"/>
+              <a:t>HINTS FOR BEATING THE GAME</a:t>
+            </a:r>
+            <a:endParaRPr kumimoji="0" lang="de-DE" sz="2400" b="1" i="0" u="none" strike="noStrike" cap="none" normalizeH="0" baseline="0" dirty="0">
+              <a:ln>
+                <a:noFill/>
+              </a:ln>
+              <a:solidFill>
+                <a:schemeClr val="tx1"/>
+              </a:solidFill>
+              <a:effectLst/>
+              <a:latin typeface="Arial" charset="0"/>
+            </a:endParaRPr>
+          </a:p>
+        </p:txBody>
+      </p:sp>
+      <p:sp>
+        <p:nvSpPr>
+          <p:cNvPr id="5" name="Textfeld 4">
+            <a:extLst>
+              <a:ext uri="{FF2B5EF4-FFF2-40B4-BE49-F238E27FC236}">
+                <a16:creationId xmlns:a16="http://schemas.microsoft.com/office/drawing/2014/main" id="{8887649E-3D2E-5389-8875-2F76052563C8}"/>
+              </a:ext>
+            </a:extLst>
+          </p:cNvPr>
+          <p:cNvSpPr txBox="1"/>
+          <p:nvPr/>
+        </p:nvSpPr>
+        <p:spPr>
+          <a:xfrm>
+            <a:off x="764704" y="1380946"/>
+            <a:ext cx="5328592" cy="276999"/>
+          </a:xfrm>
+          <a:prstGeom prst="rect">
+            <a:avLst/>
+          </a:prstGeom>
+          <a:noFill/>
+        </p:spPr>
+        <p:txBody>
+          <a:bodyPr wrap="square" rtlCol="0">
+            <a:spAutoFit/>
+          </a:bodyPr>
+          <a:lstStyle/>
+          <a:p>
+            <a:pPr algn="just"/>
+            <a:r>
+              <a:rPr lang="en-US" sz="1200" dirty="0"/>
+              <a:t>In the following, you can see a sequence of four “X” characters.</a:t>
+            </a:r>
+          </a:p>
+        </p:txBody>
+      </p:sp>
+      <p:sp>
+        <p:nvSpPr>
+          <p:cNvPr id="2" name="Rechteck 1">
+            <a:extLst>
+              <a:ext uri="{FF2B5EF4-FFF2-40B4-BE49-F238E27FC236}">
+                <a16:creationId xmlns:a16="http://schemas.microsoft.com/office/drawing/2014/main" id="{852ABC14-6392-7E80-BEE2-931CED8FB5AA}"/>
+              </a:ext>
+            </a:extLst>
+          </p:cNvPr>
+          <p:cNvSpPr/>
+          <p:nvPr/>
+        </p:nvSpPr>
+        <p:spPr bwMode="auto">
+          <a:xfrm>
+            <a:off x="1370527" y="1914869"/>
+            <a:ext cx="1684413" cy="1728192"/>
+          </a:xfrm>
+          <a:prstGeom prst="rect">
+            <a:avLst/>
+          </a:prstGeom>
+          <a:ln w="57150">
+            <a:solidFill>
+              <a:schemeClr val="tx2"/>
+            </a:solidFill>
+            <a:headEnd type="none" w="med" len="med"/>
+            <a:tailEnd type="none" w="med" len="med"/>
+          </a:ln>
+        </p:spPr>
+        <p:style>
+          <a:lnRef idx="2">
+            <a:schemeClr val="dk1"/>
+          </a:lnRef>
+          <a:fillRef idx="1">
+            <a:schemeClr val="lt1"/>
+          </a:fillRef>
+          <a:effectRef idx="0">
+            <a:schemeClr val="dk1"/>
+          </a:effectRef>
+          <a:fontRef idx="minor">
+            <a:schemeClr val="dk1"/>
+          </a:fontRef>
+        </p:style>
+        <p:txBody>
+          <a:bodyPr vert="horz" wrap="square" lIns="91440" tIns="45720" rIns="91440" bIns="45720" numCol="1" rtlCol="0" anchor="t" anchorCtr="0" compatLnSpc="1">
+            <a:prstTxWarp prst="textNoShape">
+              <a:avLst/>
+            </a:prstTxWarp>
+          </a:bodyPr>
+          <a:lstStyle/>
+          <a:p>
+            <a:pPr marL="0" marR="0" indent="0" algn="l" defTabSz="914400" rtl="0" eaLnBrk="0" fontAlgn="base" latinLnBrk="0" hangingPunct="0">
+              <a:lnSpc>
+                <a:spcPct val="100000"/>
+              </a:lnSpc>
+              <a:spcBef>
+                <a:spcPct val="0"/>
+              </a:spcBef>
+              <a:spcAft>
+                <a:spcPct val="0"/>
+              </a:spcAft>
+              <a:buClrTx/>
+              <a:buSzTx/>
+              <a:buFontTx/>
+              <a:buNone/>
+              <a:tabLst/>
+            </a:pPr>
+            <a:endParaRPr kumimoji="0" lang="de-DE" sz="2000" b="0" i="0" u="none" strike="noStrike" cap="none" normalizeH="0" baseline="0">
+              <a:ln>
+                <a:noFill/>
+              </a:ln>
+              <a:solidFill>
+                <a:schemeClr val="tx1"/>
+              </a:solidFill>
+              <a:effectLst/>
+              <a:latin typeface="Arial" charset="0"/>
+            </a:endParaRPr>
+          </a:p>
+        </p:txBody>
+      </p:sp>
+      <p:sp>
+        <p:nvSpPr>
+          <p:cNvPr id="3" name="Rechteck 2">
+            <a:extLst>
+              <a:ext uri="{FF2B5EF4-FFF2-40B4-BE49-F238E27FC236}">
+                <a16:creationId xmlns:a16="http://schemas.microsoft.com/office/drawing/2014/main" id="{C8BD9E1C-16D6-60F5-C5CD-DA57875AD576}"/>
+              </a:ext>
+            </a:extLst>
+          </p:cNvPr>
+          <p:cNvSpPr/>
+          <p:nvPr/>
+        </p:nvSpPr>
+        <p:spPr bwMode="auto">
+          <a:xfrm>
+            <a:off x="1479148" y="2046037"/>
+            <a:ext cx="423664" cy="423664"/>
+          </a:xfrm>
+          <a:prstGeom prst="rect">
+            <a:avLst/>
+          </a:prstGeom>
+          <a:ln w="57150">
+            <a:solidFill>
+              <a:schemeClr val="tx2"/>
+            </a:solidFill>
+            <a:headEnd type="none" w="med" len="med"/>
+            <a:tailEnd type="none" w="med" len="med"/>
+          </a:ln>
+        </p:spPr>
+        <p:style>
+          <a:lnRef idx="2">
+            <a:schemeClr val="dk1"/>
+          </a:lnRef>
+          <a:fillRef idx="1">
+            <a:schemeClr val="lt1"/>
+          </a:fillRef>
+          <a:effectRef idx="0">
+            <a:schemeClr val="dk1"/>
+          </a:effectRef>
+          <a:fontRef idx="minor">
+            <a:schemeClr val="dk1"/>
+          </a:fontRef>
+        </p:style>
+        <p:txBody>
+          <a:bodyPr vert="horz" wrap="square" lIns="91440" tIns="45720" rIns="91440" bIns="45720" numCol="1" rtlCol="0" anchor="t" anchorCtr="0" compatLnSpc="1">
+            <a:prstTxWarp prst="textNoShape">
+              <a:avLst/>
+            </a:prstTxWarp>
+          </a:bodyPr>
+          <a:lstStyle/>
+          <a:p>
+            <a:pPr marL="0" marR="0" indent="0" algn="l" defTabSz="914400" rtl="0" eaLnBrk="0" fontAlgn="base" latinLnBrk="0" hangingPunct="0">
+              <a:lnSpc>
+                <a:spcPct val="100000"/>
+              </a:lnSpc>
+              <a:spcBef>
+                <a:spcPct val="0"/>
+              </a:spcBef>
+              <a:spcAft>
+                <a:spcPct val="0"/>
+              </a:spcAft>
+              <a:buClrTx/>
+              <a:buSzTx/>
+              <a:buFontTx/>
+              <a:buNone/>
+              <a:tabLst/>
+            </a:pPr>
+            <a:endParaRPr kumimoji="0" lang="de-DE" sz="2000" b="0" i="0" u="none" strike="noStrike" cap="none" normalizeH="0" baseline="0">
+              <a:ln>
+                <a:noFill/>
+              </a:ln>
+              <a:solidFill>
+                <a:schemeClr val="tx1"/>
+              </a:solidFill>
+              <a:effectLst/>
+              <a:latin typeface="Arial" charset="0"/>
+            </a:endParaRPr>
+          </a:p>
+        </p:txBody>
+      </p:sp>
+      <p:sp>
+        <p:nvSpPr>
+          <p:cNvPr id="6" name="Rechteck 5">
+            <a:extLst>
+              <a:ext uri="{FF2B5EF4-FFF2-40B4-BE49-F238E27FC236}">
+                <a16:creationId xmlns:a16="http://schemas.microsoft.com/office/drawing/2014/main" id="{7A7CA063-BE52-CD2D-D682-7F11DF002B87}"/>
+              </a:ext>
+            </a:extLst>
+          </p:cNvPr>
+          <p:cNvSpPr/>
+          <p:nvPr/>
+        </p:nvSpPr>
+        <p:spPr bwMode="auto">
+          <a:xfrm>
+            <a:off x="2002842" y="2038299"/>
+            <a:ext cx="423664" cy="423664"/>
+          </a:xfrm>
+          <a:prstGeom prst="rect">
+            <a:avLst/>
+          </a:prstGeom>
+          <a:ln w="57150">
+            <a:solidFill>
+              <a:schemeClr val="tx2"/>
+            </a:solidFill>
+            <a:headEnd type="none" w="med" len="med"/>
+            <a:tailEnd type="none" w="med" len="med"/>
+          </a:ln>
+        </p:spPr>
+        <p:style>
+          <a:lnRef idx="2">
+            <a:schemeClr val="dk1"/>
+          </a:lnRef>
+          <a:fillRef idx="1">
+            <a:schemeClr val="lt1"/>
+          </a:fillRef>
+          <a:effectRef idx="0">
+            <a:schemeClr val="dk1"/>
+          </a:effectRef>
+          <a:fontRef idx="minor">
+            <a:schemeClr val="dk1"/>
+          </a:fontRef>
+        </p:style>
+        <p:txBody>
+          <a:bodyPr vert="horz" wrap="square" lIns="91440" tIns="45720" rIns="91440" bIns="45720" numCol="1" rtlCol="0" anchor="t" anchorCtr="0" compatLnSpc="1">
+            <a:prstTxWarp prst="textNoShape">
+              <a:avLst/>
+            </a:prstTxWarp>
+          </a:bodyPr>
+          <a:lstStyle/>
+          <a:p>
+            <a:pPr marL="0" marR="0" indent="0" algn="l" defTabSz="914400" rtl="0" eaLnBrk="0" fontAlgn="base" latinLnBrk="0" hangingPunct="0">
+              <a:lnSpc>
+                <a:spcPct val="100000"/>
+              </a:lnSpc>
+              <a:spcBef>
+                <a:spcPct val="0"/>
+              </a:spcBef>
+              <a:spcAft>
+                <a:spcPct val="0"/>
+              </a:spcAft>
+              <a:buClrTx/>
+              <a:buSzTx/>
+              <a:buFontTx/>
+              <a:buNone/>
+              <a:tabLst/>
+            </a:pPr>
+            <a:endParaRPr kumimoji="0" lang="de-DE" sz="2000" b="0" i="0" u="none" strike="noStrike" cap="none" normalizeH="0" baseline="0">
+              <a:ln>
+                <a:noFill/>
+              </a:ln>
+              <a:solidFill>
+                <a:schemeClr val="tx1"/>
+              </a:solidFill>
+              <a:effectLst/>
+              <a:latin typeface="Arial" charset="0"/>
+            </a:endParaRPr>
+          </a:p>
+        </p:txBody>
+      </p:sp>
+      <p:sp>
+        <p:nvSpPr>
+          <p:cNvPr id="7" name="Rechteck 6">
+            <a:extLst>
+              <a:ext uri="{FF2B5EF4-FFF2-40B4-BE49-F238E27FC236}">
+                <a16:creationId xmlns:a16="http://schemas.microsoft.com/office/drawing/2014/main" id="{28833341-7549-5065-E107-2839B71C1BA4}"/>
+              </a:ext>
+            </a:extLst>
+          </p:cNvPr>
+          <p:cNvSpPr/>
+          <p:nvPr/>
+        </p:nvSpPr>
+        <p:spPr bwMode="auto">
+          <a:xfrm>
+            <a:off x="2535127" y="2046222"/>
+            <a:ext cx="423664" cy="423664"/>
+          </a:xfrm>
+          <a:prstGeom prst="rect">
+            <a:avLst/>
+          </a:prstGeom>
+          <a:ln w="57150">
+            <a:solidFill>
+              <a:schemeClr val="tx2"/>
+            </a:solidFill>
+            <a:headEnd type="none" w="med" len="med"/>
+            <a:tailEnd type="none" w="med" len="med"/>
+          </a:ln>
+        </p:spPr>
+        <p:style>
+          <a:lnRef idx="2">
+            <a:schemeClr val="dk1"/>
+          </a:lnRef>
+          <a:fillRef idx="1">
+            <a:schemeClr val="lt1"/>
+          </a:fillRef>
+          <a:effectRef idx="0">
+            <a:schemeClr val="dk1"/>
+          </a:effectRef>
+          <a:fontRef idx="minor">
+            <a:schemeClr val="dk1"/>
+          </a:fontRef>
+        </p:style>
+        <p:txBody>
+          <a:bodyPr vert="horz" wrap="square" lIns="91440" tIns="45720" rIns="91440" bIns="45720" numCol="1" rtlCol="0" anchor="t" anchorCtr="0" compatLnSpc="1">
+            <a:prstTxWarp prst="textNoShape">
+              <a:avLst/>
+            </a:prstTxWarp>
+          </a:bodyPr>
+          <a:lstStyle/>
+          <a:p>
+            <a:pPr marL="0" marR="0" indent="0" algn="l" defTabSz="914400" rtl="0" eaLnBrk="0" fontAlgn="base" latinLnBrk="0" hangingPunct="0">
+              <a:lnSpc>
+                <a:spcPct val="100000"/>
+              </a:lnSpc>
+              <a:spcBef>
+                <a:spcPct val="0"/>
+              </a:spcBef>
+              <a:spcAft>
+                <a:spcPct val="0"/>
+              </a:spcAft>
+              <a:buClrTx/>
+              <a:buSzTx/>
+              <a:buFontTx/>
+              <a:buNone/>
+              <a:tabLst/>
+            </a:pPr>
+            <a:endParaRPr kumimoji="0" lang="de-DE" sz="2000" b="0" i="0" u="none" strike="noStrike" cap="none" normalizeH="0" baseline="0" dirty="0">
+              <a:ln>
+                <a:noFill/>
+              </a:ln>
+              <a:solidFill>
+                <a:schemeClr val="tx1"/>
+              </a:solidFill>
+              <a:effectLst/>
+              <a:latin typeface="Arial" charset="0"/>
+            </a:endParaRPr>
+          </a:p>
+        </p:txBody>
+      </p:sp>
+      <p:sp>
+        <p:nvSpPr>
+          <p:cNvPr id="8" name="Rechteck 7">
+            <a:extLst>
+              <a:ext uri="{FF2B5EF4-FFF2-40B4-BE49-F238E27FC236}">
+                <a16:creationId xmlns:a16="http://schemas.microsoft.com/office/drawing/2014/main" id="{C1DE3158-740B-0BC2-527B-4CA7A99075AA}"/>
+              </a:ext>
+            </a:extLst>
+          </p:cNvPr>
+          <p:cNvSpPr/>
+          <p:nvPr/>
+        </p:nvSpPr>
+        <p:spPr bwMode="auto">
+          <a:xfrm>
+            <a:off x="1470557" y="2565672"/>
+            <a:ext cx="423664" cy="423664"/>
+          </a:xfrm>
+          <a:prstGeom prst="rect">
+            <a:avLst/>
+          </a:prstGeom>
+          <a:ln w="57150">
+            <a:solidFill>
+              <a:schemeClr val="tx2"/>
+            </a:solidFill>
+            <a:headEnd type="none" w="med" len="med"/>
+            <a:tailEnd type="none" w="med" len="med"/>
+          </a:ln>
+        </p:spPr>
+        <p:style>
+          <a:lnRef idx="2">
+            <a:schemeClr val="dk1"/>
+          </a:lnRef>
+          <a:fillRef idx="1">
+            <a:schemeClr val="lt1"/>
+          </a:fillRef>
+          <a:effectRef idx="0">
+            <a:schemeClr val="dk1"/>
+          </a:effectRef>
+          <a:fontRef idx="minor">
+            <a:schemeClr val="dk1"/>
+          </a:fontRef>
+        </p:style>
+        <p:txBody>
+          <a:bodyPr vert="horz" wrap="square" lIns="91440" tIns="45720" rIns="91440" bIns="45720" numCol="1" rtlCol="0" anchor="t" anchorCtr="0" compatLnSpc="1">
+            <a:prstTxWarp prst="textNoShape">
+              <a:avLst/>
+            </a:prstTxWarp>
+          </a:bodyPr>
+          <a:lstStyle/>
+          <a:p>
+            <a:pPr marL="0" marR="0" indent="0" algn="l" defTabSz="914400" rtl="0" eaLnBrk="0" fontAlgn="base" latinLnBrk="0" hangingPunct="0">
+              <a:lnSpc>
+                <a:spcPct val="100000"/>
+              </a:lnSpc>
+              <a:spcBef>
+                <a:spcPct val="0"/>
+              </a:spcBef>
+              <a:spcAft>
+                <a:spcPct val="0"/>
+              </a:spcAft>
+              <a:buClrTx/>
+              <a:buSzTx/>
+              <a:buFontTx/>
+              <a:buNone/>
+              <a:tabLst/>
+            </a:pPr>
+            <a:endParaRPr kumimoji="0" lang="de-DE" sz="2000" b="0" i="0" u="none" strike="noStrike" cap="none" normalizeH="0" baseline="0" dirty="0">
+              <a:ln>
+                <a:noFill/>
+              </a:ln>
+              <a:solidFill>
+                <a:schemeClr val="tx1"/>
+              </a:solidFill>
+              <a:effectLst/>
+              <a:latin typeface="Arial" charset="0"/>
+            </a:endParaRPr>
+          </a:p>
+        </p:txBody>
+      </p:sp>
+      <p:sp>
+        <p:nvSpPr>
+          <p:cNvPr id="9" name="Rechteck 8">
+            <a:extLst>
+              <a:ext uri="{FF2B5EF4-FFF2-40B4-BE49-F238E27FC236}">
+                <a16:creationId xmlns:a16="http://schemas.microsoft.com/office/drawing/2014/main" id="{F0D029BF-B470-EA62-C940-F22189F8415F}"/>
+              </a:ext>
+            </a:extLst>
+          </p:cNvPr>
+          <p:cNvSpPr/>
+          <p:nvPr/>
+        </p:nvSpPr>
+        <p:spPr bwMode="auto">
+          <a:xfrm>
+            <a:off x="1470557" y="3085307"/>
+            <a:ext cx="423664" cy="423664"/>
+          </a:xfrm>
+          <a:prstGeom prst="rect">
+            <a:avLst/>
+          </a:prstGeom>
+          <a:ln w="57150">
+            <a:solidFill>
+              <a:schemeClr val="tx2"/>
+            </a:solidFill>
+            <a:headEnd type="none" w="med" len="med"/>
+            <a:tailEnd type="none" w="med" len="med"/>
+          </a:ln>
+        </p:spPr>
+        <p:style>
+          <a:lnRef idx="2">
+            <a:schemeClr val="dk1"/>
+          </a:lnRef>
+          <a:fillRef idx="1">
+            <a:schemeClr val="lt1"/>
+          </a:fillRef>
+          <a:effectRef idx="0">
+            <a:schemeClr val="dk1"/>
+          </a:effectRef>
+          <a:fontRef idx="minor">
+            <a:schemeClr val="dk1"/>
+          </a:fontRef>
+        </p:style>
+        <p:txBody>
+          <a:bodyPr vert="horz" wrap="square" lIns="91440" tIns="45720" rIns="91440" bIns="45720" numCol="1" rtlCol="0" anchor="t" anchorCtr="0" compatLnSpc="1">
+            <a:prstTxWarp prst="textNoShape">
+              <a:avLst/>
+            </a:prstTxWarp>
+          </a:bodyPr>
+          <a:lstStyle/>
+          <a:p>
+            <a:pPr marL="0" marR="0" indent="0" algn="l" defTabSz="914400" rtl="0" eaLnBrk="0" fontAlgn="base" latinLnBrk="0" hangingPunct="0">
+              <a:lnSpc>
+                <a:spcPct val="100000"/>
+              </a:lnSpc>
+              <a:spcBef>
+                <a:spcPct val="0"/>
+              </a:spcBef>
+              <a:spcAft>
+                <a:spcPct val="0"/>
+              </a:spcAft>
+              <a:buClrTx/>
+              <a:buSzTx/>
+              <a:buFontTx/>
+              <a:buNone/>
+              <a:tabLst/>
+            </a:pPr>
+            <a:endParaRPr kumimoji="0" lang="de-DE" sz="2000" b="0" i="0" u="none" strike="noStrike" cap="none" normalizeH="0" baseline="0">
+              <a:ln>
+                <a:noFill/>
+              </a:ln>
+              <a:solidFill>
+                <a:schemeClr val="tx1"/>
+              </a:solidFill>
+              <a:effectLst/>
+              <a:latin typeface="Arial" charset="0"/>
+            </a:endParaRPr>
+          </a:p>
+        </p:txBody>
+      </p:sp>
+      <p:sp>
+        <p:nvSpPr>
+          <p:cNvPr id="10" name="Rechteck 9">
+            <a:extLst>
+              <a:ext uri="{FF2B5EF4-FFF2-40B4-BE49-F238E27FC236}">
+                <a16:creationId xmlns:a16="http://schemas.microsoft.com/office/drawing/2014/main" id="{C4B45979-956C-E3C2-6776-F1E84FBFA424}"/>
+              </a:ext>
+            </a:extLst>
+          </p:cNvPr>
+          <p:cNvSpPr/>
+          <p:nvPr/>
+        </p:nvSpPr>
+        <p:spPr bwMode="auto">
+          <a:xfrm>
+            <a:off x="2002842" y="2565672"/>
+            <a:ext cx="423664" cy="423664"/>
+          </a:xfrm>
+          <a:prstGeom prst="rect">
+            <a:avLst/>
+          </a:prstGeom>
+          <a:ln w="57150">
+            <a:solidFill>
+              <a:schemeClr val="tx2"/>
+            </a:solidFill>
+            <a:headEnd type="none" w="med" len="med"/>
+            <a:tailEnd type="none" w="med" len="med"/>
+          </a:ln>
+        </p:spPr>
+        <p:style>
+          <a:lnRef idx="2">
+            <a:schemeClr val="dk1"/>
+          </a:lnRef>
+          <a:fillRef idx="1">
+            <a:schemeClr val="lt1"/>
+          </a:fillRef>
+          <a:effectRef idx="0">
+            <a:schemeClr val="dk1"/>
+          </a:effectRef>
+          <a:fontRef idx="minor">
+            <a:schemeClr val="dk1"/>
+          </a:fontRef>
+        </p:style>
+        <p:txBody>
+          <a:bodyPr vert="horz" wrap="square" lIns="91440" tIns="45720" rIns="91440" bIns="45720" numCol="1" rtlCol="0" anchor="t" anchorCtr="0" compatLnSpc="1">
+            <a:prstTxWarp prst="textNoShape">
+              <a:avLst/>
+            </a:prstTxWarp>
+          </a:bodyPr>
+          <a:lstStyle/>
+          <a:p>
+            <a:pPr marL="0" marR="0" indent="0" algn="l" defTabSz="914400" rtl="0" eaLnBrk="0" fontAlgn="base" latinLnBrk="0" hangingPunct="0">
+              <a:lnSpc>
+                <a:spcPct val="100000"/>
+              </a:lnSpc>
+              <a:spcBef>
+                <a:spcPct val="0"/>
+              </a:spcBef>
+              <a:spcAft>
+                <a:spcPct val="0"/>
+              </a:spcAft>
+              <a:buClrTx/>
+              <a:buSzTx/>
+              <a:buFontTx/>
+              <a:buNone/>
+              <a:tabLst/>
+            </a:pPr>
+            <a:endParaRPr kumimoji="0" lang="de-DE" sz="2000" b="0" i="0" u="none" strike="noStrike" cap="none" normalizeH="0" baseline="0" dirty="0">
+              <a:ln>
+                <a:noFill/>
+              </a:ln>
+              <a:solidFill>
+                <a:schemeClr val="tx1"/>
+              </a:solidFill>
+              <a:effectLst/>
+              <a:latin typeface="Arial" charset="0"/>
+            </a:endParaRPr>
+          </a:p>
+        </p:txBody>
+      </p:sp>
+      <p:sp>
+        <p:nvSpPr>
+          <p:cNvPr id="11" name="Rechteck 10">
+            <a:extLst>
+              <a:ext uri="{FF2B5EF4-FFF2-40B4-BE49-F238E27FC236}">
+                <a16:creationId xmlns:a16="http://schemas.microsoft.com/office/drawing/2014/main" id="{0A15D0E4-D6A6-AA31-FA95-ABF18B4B8456}"/>
+              </a:ext>
+            </a:extLst>
+          </p:cNvPr>
+          <p:cNvSpPr/>
+          <p:nvPr/>
+        </p:nvSpPr>
+        <p:spPr bwMode="auto">
+          <a:xfrm>
+            <a:off x="2000901" y="3081302"/>
+            <a:ext cx="423664" cy="423664"/>
+          </a:xfrm>
+          <a:prstGeom prst="rect">
+            <a:avLst/>
+          </a:prstGeom>
+          <a:ln w="57150">
+            <a:solidFill>
+              <a:schemeClr val="tx2"/>
+            </a:solidFill>
+            <a:headEnd type="none" w="med" len="med"/>
+            <a:tailEnd type="none" w="med" len="med"/>
+          </a:ln>
+        </p:spPr>
+        <p:style>
+          <a:lnRef idx="2">
+            <a:schemeClr val="dk1"/>
+          </a:lnRef>
+          <a:fillRef idx="1">
+            <a:schemeClr val="lt1"/>
+          </a:fillRef>
+          <a:effectRef idx="0">
+            <a:schemeClr val="dk1"/>
+          </a:effectRef>
+          <a:fontRef idx="minor">
+            <a:schemeClr val="dk1"/>
+          </a:fontRef>
+        </p:style>
+        <p:txBody>
+          <a:bodyPr vert="horz" wrap="square" lIns="91440" tIns="45720" rIns="91440" bIns="45720" numCol="1" rtlCol="0" anchor="t" anchorCtr="0" compatLnSpc="1">
+            <a:prstTxWarp prst="textNoShape">
+              <a:avLst/>
+            </a:prstTxWarp>
+          </a:bodyPr>
+          <a:lstStyle/>
+          <a:p>
+            <a:pPr marL="0" marR="0" indent="0" algn="l" defTabSz="914400" rtl="0" eaLnBrk="0" fontAlgn="base" latinLnBrk="0" hangingPunct="0">
+              <a:lnSpc>
+                <a:spcPct val="100000"/>
+              </a:lnSpc>
+              <a:spcBef>
+                <a:spcPct val="0"/>
+              </a:spcBef>
+              <a:spcAft>
+                <a:spcPct val="0"/>
+              </a:spcAft>
+              <a:buClrTx/>
+              <a:buSzTx/>
+              <a:buFontTx/>
+              <a:buNone/>
+              <a:tabLst/>
+            </a:pPr>
+            <a:endParaRPr kumimoji="0" lang="de-DE" sz="2000" b="0" i="0" u="none" strike="noStrike" cap="none" normalizeH="0" baseline="0" dirty="0">
+              <a:ln>
+                <a:noFill/>
+              </a:ln>
+              <a:solidFill>
+                <a:schemeClr val="tx1"/>
+              </a:solidFill>
+              <a:effectLst/>
+              <a:latin typeface="Arial" charset="0"/>
+            </a:endParaRPr>
+          </a:p>
+        </p:txBody>
+      </p:sp>
+      <p:sp>
+        <p:nvSpPr>
+          <p:cNvPr id="12" name="Rechteck 11">
+            <a:extLst>
+              <a:ext uri="{FF2B5EF4-FFF2-40B4-BE49-F238E27FC236}">
+                <a16:creationId xmlns:a16="http://schemas.microsoft.com/office/drawing/2014/main" id="{BD00E197-1360-DE5F-3EE9-2CDE366249E8}"/>
+              </a:ext>
+            </a:extLst>
+          </p:cNvPr>
+          <p:cNvSpPr/>
+          <p:nvPr/>
+        </p:nvSpPr>
+        <p:spPr bwMode="auto">
+          <a:xfrm>
+            <a:off x="2535127" y="2565672"/>
+            <a:ext cx="423664" cy="423664"/>
+          </a:xfrm>
+          <a:prstGeom prst="rect">
+            <a:avLst/>
+          </a:prstGeom>
+          <a:ln w="57150">
+            <a:solidFill>
+              <a:schemeClr val="tx2"/>
+            </a:solidFill>
+            <a:headEnd type="none" w="med" len="med"/>
+            <a:tailEnd type="none" w="med" len="med"/>
+          </a:ln>
+        </p:spPr>
+        <p:style>
+          <a:lnRef idx="2">
+            <a:schemeClr val="dk1"/>
+          </a:lnRef>
+          <a:fillRef idx="1">
+            <a:schemeClr val="lt1"/>
+          </a:fillRef>
+          <a:effectRef idx="0">
+            <a:schemeClr val="dk1"/>
+          </a:effectRef>
+          <a:fontRef idx="minor">
+            <a:schemeClr val="dk1"/>
+          </a:fontRef>
+        </p:style>
+        <p:txBody>
+          <a:bodyPr vert="horz" wrap="square" lIns="91440" tIns="45720" rIns="91440" bIns="45720" numCol="1" rtlCol="0" anchor="t" anchorCtr="0" compatLnSpc="1">
+            <a:prstTxWarp prst="textNoShape">
+              <a:avLst/>
+            </a:prstTxWarp>
+          </a:bodyPr>
+          <a:lstStyle/>
+          <a:p>
+            <a:pPr marL="0" marR="0" indent="0" algn="l" defTabSz="914400" rtl="0" eaLnBrk="0" fontAlgn="base" latinLnBrk="0" hangingPunct="0">
+              <a:lnSpc>
+                <a:spcPct val="100000"/>
+              </a:lnSpc>
+              <a:spcBef>
+                <a:spcPct val="0"/>
+              </a:spcBef>
+              <a:spcAft>
+                <a:spcPct val="0"/>
+              </a:spcAft>
+              <a:buClrTx/>
+              <a:buSzTx/>
+              <a:buFontTx/>
+              <a:buNone/>
+              <a:tabLst/>
+            </a:pPr>
+            <a:endParaRPr kumimoji="0" lang="de-DE" sz="2000" b="0" i="0" u="none" strike="noStrike" cap="none" normalizeH="0" baseline="0" dirty="0">
+              <a:ln>
+                <a:noFill/>
+              </a:ln>
+              <a:solidFill>
+                <a:schemeClr val="tx1"/>
+              </a:solidFill>
+              <a:effectLst/>
+              <a:latin typeface="Arial" charset="0"/>
+            </a:endParaRPr>
+          </a:p>
+        </p:txBody>
+      </p:sp>
+      <p:sp>
+        <p:nvSpPr>
+          <p:cNvPr id="13" name="Rechteck 12">
+            <a:extLst>
+              <a:ext uri="{FF2B5EF4-FFF2-40B4-BE49-F238E27FC236}">
+                <a16:creationId xmlns:a16="http://schemas.microsoft.com/office/drawing/2014/main" id="{30C948DB-8237-FF3E-0059-D3892D83527A}"/>
+              </a:ext>
+            </a:extLst>
+          </p:cNvPr>
+          <p:cNvSpPr/>
+          <p:nvPr/>
+        </p:nvSpPr>
+        <p:spPr bwMode="auto">
+          <a:xfrm>
+            <a:off x="2524099" y="3085307"/>
+            <a:ext cx="423664" cy="423664"/>
+          </a:xfrm>
+          <a:prstGeom prst="rect">
+            <a:avLst/>
+          </a:prstGeom>
+          <a:ln w="57150">
+            <a:solidFill>
+              <a:schemeClr val="tx2"/>
+            </a:solidFill>
+            <a:headEnd type="none" w="med" len="med"/>
+            <a:tailEnd type="none" w="med" len="med"/>
+          </a:ln>
+        </p:spPr>
+        <p:style>
+          <a:lnRef idx="2">
+            <a:schemeClr val="dk1"/>
+          </a:lnRef>
+          <a:fillRef idx="1">
+            <a:schemeClr val="lt1"/>
+          </a:fillRef>
+          <a:effectRef idx="0">
+            <a:schemeClr val="dk1"/>
+          </a:effectRef>
+          <a:fontRef idx="minor">
+            <a:schemeClr val="dk1"/>
+          </a:fontRef>
+        </p:style>
+        <p:txBody>
+          <a:bodyPr vert="horz" wrap="square" lIns="91440" tIns="45720" rIns="91440" bIns="45720" numCol="1" rtlCol="0" anchor="t" anchorCtr="0" compatLnSpc="1">
+            <a:prstTxWarp prst="textNoShape">
+              <a:avLst/>
+            </a:prstTxWarp>
+          </a:bodyPr>
+          <a:lstStyle/>
+          <a:p>
+            <a:pPr marL="0" marR="0" indent="0" algn="l" defTabSz="914400" rtl="0" eaLnBrk="0" fontAlgn="base" latinLnBrk="0" hangingPunct="0">
+              <a:lnSpc>
+                <a:spcPct val="100000"/>
+              </a:lnSpc>
+              <a:spcBef>
+                <a:spcPct val="0"/>
+              </a:spcBef>
+              <a:spcAft>
+                <a:spcPct val="0"/>
+              </a:spcAft>
+              <a:buClrTx/>
+              <a:buSzTx/>
+              <a:buFontTx/>
+              <a:buNone/>
+              <a:tabLst/>
+            </a:pPr>
+            <a:endParaRPr kumimoji="0" lang="de-DE" sz="2000" b="0" i="0" u="none" strike="noStrike" cap="none" normalizeH="0" baseline="0" dirty="0">
+              <a:ln>
+                <a:noFill/>
+              </a:ln>
+              <a:solidFill>
+                <a:schemeClr val="tx1"/>
+              </a:solidFill>
+              <a:effectLst/>
+              <a:latin typeface="Arial" charset="0"/>
+            </a:endParaRPr>
+          </a:p>
+        </p:txBody>
+      </p:sp>
+      <p:sp>
+        <p:nvSpPr>
+          <p:cNvPr id="14" name="Rechteck 13">
+            <a:extLst>
+              <a:ext uri="{FF2B5EF4-FFF2-40B4-BE49-F238E27FC236}">
+                <a16:creationId xmlns:a16="http://schemas.microsoft.com/office/drawing/2014/main" id="{2D7D1C29-7945-1976-9F4D-B5AF41C7BB1C}"/>
+              </a:ext>
+            </a:extLst>
+          </p:cNvPr>
+          <p:cNvSpPr/>
+          <p:nvPr/>
+        </p:nvSpPr>
+        <p:spPr bwMode="auto">
+          <a:xfrm>
+            <a:off x="3589165" y="1914869"/>
+            <a:ext cx="1684413" cy="1728192"/>
+          </a:xfrm>
+          <a:prstGeom prst="rect">
+            <a:avLst/>
+          </a:prstGeom>
+          <a:ln w="57150">
+            <a:solidFill>
+              <a:schemeClr val="tx2"/>
+            </a:solidFill>
+            <a:headEnd type="none" w="med" len="med"/>
+            <a:tailEnd type="none" w="med" len="med"/>
+          </a:ln>
+        </p:spPr>
+        <p:style>
+          <a:lnRef idx="2">
+            <a:schemeClr val="dk1"/>
+          </a:lnRef>
+          <a:fillRef idx="1">
+            <a:schemeClr val="lt1"/>
+          </a:fillRef>
+          <a:effectRef idx="0">
+            <a:schemeClr val="dk1"/>
+          </a:effectRef>
+          <a:fontRef idx="minor">
+            <a:schemeClr val="dk1"/>
+          </a:fontRef>
+        </p:style>
+        <p:txBody>
+          <a:bodyPr vert="horz" wrap="square" lIns="91440" tIns="45720" rIns="91440" bIns="45720" numCol="1" rtlCol="0" anchor="t" anchorCtr="0" compatLnSpc="1">
+            <a:prstTxWarp prst="textNoShape">
+              <a:avLst/>
+            </a:prstTxWarp>
+          </a:bodyPr>
+          <a:lstStyle/>
+          <a:p>
+            <a:pPr marL="0" marR="0" indent="0" algn="l" defTabSz="914400" rtl="0" eaLnBrk="0" fontAlgn="base" latinLnBrk="0" hangingPunct="0">
+              <a:lnSpc>
+                <a:spcPct val="100000"/>
+              </a:lnSpc>
+              <a:spcBef>
+                <a:spcPct val="0"/>
+              </a:spcBef>
+              <a:spcAft>
+                <a:spcPct val="0"/>
+              </a:spcAft>
+              <a:buClrTx/>
+              <a:buSzTx/>
+              <a:buFontTx/>
+              <a:buNone/>
+              <a:tabLst/>
+            </a:pPr>
+            <a:endParaRPr kumimoji="0" lang="de-DE" sz="2000" b="0" i="0" u="none" strike="noStrike" cap="none" normalizeH="0" baseline="0">
+              <a:ln>
+                <a:noFill/>
+              </a:ln>
+              <a:solidFill>
+                <a:schemeClr val="tx1"/>
+              </a:solidFill>
+              <a:effectLst/>
+              <a:latin typeface="Arial" charset="0"/>
+            </a:endParaRPr>
+          </a:p>
+        </p:txBody>
+      </p:sp>
+      <p:sp>
+        <p:nvSpPr>
+          <p:cNvPr id="15" name="Rechteck 14">
+            <a:extLst>
+              <a:ext uri="{FF2B5EF4-FFF2-40B4-BE49-F238E27FC236}">
+                <a16:creationId xmlns:a16="http://schemas.microsoft.com/office/drawing/2014/main" id="{A841053F-4B20-C8B7-9608-CF792C8FAA4D}"/>
+              </a:ext>
+            </a:extLst>
+          </p:cNvPr>
+          <p:cNvSpPr/>
+          <p:nvPr/>
+        </p:nvSpPr>
+        <p:spPr bwMode="auto">
+          <a:xfrm>
+            <a:off x="3697786" y="2046037"/>
+            <a:ext cx="423664" cy="423664"/>
+          </a:xfrm>
+          <a:prstGeom prst="rect">
+            <a:avLst/>
+          </a:prstGeom>
+          <a:ln w="57150">
+            <a:solidFill>
+              <a:schemeClr val="tx2"/>
+            </a:solidFill>
+            <a:headEnd type="none" w="med" len="med"/>
+            <a:tailEnd type="none" w="med" len="med"/>
+          </a:ln>
+        </p:spPr>
+        <p:style>
+          <a:lnRef idx="2">
+            <a:schemeClr val="dk1"/>
+          </a:lnRef>
+          <a:fillRef idx="1">
+            <a:schemeClr val="lt1"/>
+          </a:fillRef>
+          <a:effectRef idx="0">
+            <a:schemeClr val="dk1"/>
+          </a:effectRef>
+          <a:fontRef idx="minor">
+            <a:schemeClr val="dk1"/>
+          </a:fontRef>
+        </p:style>
+        <p:txBody>
+          <a:bodyPr vert="horz" wrap="square" lIns="91440" tIns="45720" rIns="91440" bIns="45720" numCol="1" rtlCol="0" anchor="t" anchorCtr="0" compatLnSpc="1">
+            <a:prstTxWarp prst="textNoShape">
+              <a:avLst/>
+            </a:prstTxWarp>
+          </a:bodyPr>
+          <a:lstStyle/>
+          <a:p>
+            <a:pPr marL="0" marR="0" indent="0" algn="l" defTabSz="914400" rtl="0" eaLnBrk="0" fontAlgn="base" latinLnBrk="0" hangingPunct="0">
+              <a:lnSpc>
+                <a:spcPct val="100000"/>
+              </a:lnSpc>
+              <a:spcBef>
+                <a:spcPct val="0"/>
+              </a:spcBef>
+              <a:spcAft>
+                <a:spcPct val="0"/>
+              </a:spcAft>
+              <a:buClrTx/>
+              <a:buSzTx/>
+              <a:buFontTx/>
+              <a:buNone/>
+              <a:tabLst/>
+            </a:pPr>
+            <a:endParaRPr kumimoji="0" lang="de-DE" sz="2000" b="0" i="0" u="none" strike="noStrike" cap="none" normalizeH="0" baseline="0">
+              <a:ln>
+                <a:noFill/>
+              </a:ln>
+              <a:solidFill>
+                <a:schemeClr val="tx1"/>
+              </a:solidFill>
+              <a:effectLst/>
+              <a:latin typeface="Arial" charset="0"/>
+            </a:endParaRPr>
+          </a:p>
+        </p:txBody>
+      </p:sp>
+      <p:sp>
+        <p:nvSpPr>
+          <p:cNvPr id="16" name="Rechteck 15">
+            <a:extLst>
+              <a:ext uri="{FF2B5EF4-FFF2-40B4-BE49-F238E27FC236}">
+                <a16:creationId xmlns:a16="http://schemas.microsoft.com/office/drawing/2014/main" id="{31B0FEE4-539C-061C-38FC-80EE683B5447}"/>
+              </a:ext>
+            </a:extLst>
+          </p:cNvPr>
+          <p:cNvSpPr/>
+          <p:nvPr/>
+        </p:nvSpPr>
+        <p:spPr bwMode="auto">
+          <a:xfrm>
+            <a:off x="4221480" y="2038299"/>
+            <a:ext cx="423664" cy="423664"/>
+          </a:xfrm>
+          <a:prstGeom prst="rect">
+            <a:avLst/>
+          </a:prstGeom>
+          <a:ln w="57150">
+            <a:solidFill>
+              <a:schemeClr val="tx2"/>
+            </a:solidFill>
+            <a:headEnd type="none" w="med" len="med"/>
+            <a:tailEnd type="none" w="med" len="med"/>
+          </a:ln>
+        </p:spPr>
+        <p:style>
+          <a:lnRef idx="2">
+            <a:schemeClr val="dk1"/>
+          </a:lnRef>
+          <a:fillRef idx="1">
+            <a:schemeClr val="lt1"/>
+          </a:fillRef>
+          <a:effectRef idx="0">
+            <a:schemeClr val="dk1"/>
+          </a:effectRef>
+          <a:fontRef idx="minor">
+            <a:schemeClr val="dk1"/>
+          </a:fontRef>
+        </p:style>
+        <p:txBody>
+          <a:bodyPr vert="horz" wrap="square" lIns="91440" tIns="45720" rIns="91440" bIns="45720" numCol="1" rtlCol="0" anchor="t" anchorCtr="0" compatLnSpc="1">
+            <a:prstTxWarp prst="textNoShape">
+              <a:avLst/>
+            </a:prstTxWarp>
+          </a:bodyPr>
+          <a:lstStyle/>
+          <a:p>
+            <a:pPr marL="0" marR="0" indent="0" algn="l" defTabSz="914400" rtl="0" eaLnBrk="0" fontAlgn="base" latinLnBrk="0" hangingPunct="0">
+              <a:lnSpc>
+                <a:spcPct val="100000"/>
+              </a:lnSpc>
+              <a:spcBef>
+                <a:spcPct val="0"/>
+              </a:spcBef>
+              <a:spcAft>
+                <a:spcPct val="0"/>
+              </a:spcAft>
+              <a:buClrTx/>
+              <a:buSzTx/>
+              <a:buFontTx/>
+              <a:buNone/>
+              <a:tabLst/>
+            </a:pPr>
+            <a:endParaRPr kumimoji="0" lang="de-DE" sz="2000" b="0" i="0" u="none" strike="noStrike" cap="none" normalizeH="0" baseline="0">
+              <a:ln>
+                <a:noFill/>
+              </a:ln>
+              <a:solidFill>
+                <a:schemeClr val="tx1"/>
+              </a:solidFill>
+              <a:effectLst/>
+              <a:latin typeface="Arial" charset="0"/>
+            </a:endParaRPr>
+          </a:p>
+        </p:txBody>
+      </p:sp>
+      <p:sp>
+        <p:nvSpPr>
+          <p:cNvPr id="17" name="Rechteck 16">
+            <a:extLst>
+              <a:ext uri="{FF2B5EF4-FFF2-40B4-BE49-F238E27FC236}">
+                <a16:creationId xmlns:a16="http://schemas.microsoft.com/office/drawing/2014/main" id="{DF69F256-5DA4-A5C4-7068-40182518FC42}"/>
+              </a:ext>
+            </a:extLst>
+          </p:cNvPr>
+          <p:cNvSpPr/>
+          <p:nvPr/>
+        </p:nvSpPr>
+        <p:spPr bwMode="auto">
+          <a:xfrm>
+            <a:off x="4753765" y="2046222"/>
+            <a:ext cx="423664" cy="423664"/>
+          </a:xfrm>
+          <a:prstGeom prst="rect">
+            <a:avLst/>
+          </a:prstGeom>
+          <a:ln w="57150">
+            <a:solidFill>
+              <a:schemeClr val="tx2"/>
+            </a:solidFill>
+            <a:headEnd type="none" w="med" len="med"/>
+            <a:tailEnd type="none" w="med" len="med"/>
+          </a:ln>
+        </p:spPr>
+        <p:style>
+          <a:lnRef idx="2">
+            <a:schemeClr val="dk1"/>
+          </a:lnRef>
+          <a:fillRef idx="1">
+            <a:schemeClr val="lt1"/>
+          </a:fillRef>
+          <a:effectRef idx="0">
+            <a:schemeClr val="dk1"/>
+          </a:effectRef>
+          <a:fontRef idx="minor">
+            <a:schemeClr val="dk1"/>
+          </a:fontRef>
+        </p:style>
+        <p:txBody>
+          <a:bodyPr vert="horz" wrap="square" lIns="91440" tIns="45720" rIns="91440" bIns="45720" numCol="1" rtlCol="0" anchor="t" anchorCtr="0" compatLnSpc="1">
+            <a:prstTxWarp prst="textNoShape">
+              <a:avLst/>
+            </a:prstTxWarp>
+          </a:bodyPr>
+          <a:lstStyle/>
+          <a:p>
+            <a:pPr marL="0" marR="0" indent="0" algn="l" defTabSz="914400" rtl="0" eaLnBrk="0" fontAlgn="base" latinLnBrk="0" hangingPunct="0">
+              <a:lnSpc>
+                <a:spcPct val="100000"/>
+              </a:lnSpc>
+              <a:spcBef>
+                <a:spcPct val="0"/>
+              </a:spcBef>
+              <a:spcAft>
+                <a:spcPct val="0"/>
+              </a:spcAft>
+              <a:buClrTx/>
+              <a:buSzTx/>
+              <a:buFontTx/>
+              <a:buNone/>
+              <a:tabLst/>
+            </a:pPr>
+            <a:endParaRPr kumimoji="0" lang="de-DE" sz="2000" b="0" i="0" u="none" strike="noStrike" cap="none" normalizeH="0" baseline="0" dirty="0">
+              <a:ln>
+                <a:noFill/>
+              </a:ln>
+              <a:solidFill>
+                <a:schemeClr val="tx1"/>
+              </a:solidFill>
+              <a:effectLst/>
+              <a:latin typeface="Arial" charset="0"/>
+            </a:endParaRPr>
+          </a:p>
+        </p:txBody>
+      </p:sp>
+      <p:sp>
+        <p:nvSpPr>
+          <p:cNvPr id="18" name="Rechteck 17">
+            <a:extLst>
+              <a:ext uri="{FF2B5EF4-FFF2-40B4-BE49-F238E27FC236}">
+                <a16:creationId xmlns:a16="http://schemas.microsoft.com/office/drawing/2014/main" id="{F889A92E-3A15-452E-88DB-813F3ADFCC39}"/>
+              </a:ext>
+            </a:extLst>
+          </p:cNvPr>
+          <p:cNvSpPr/>
+          <p:nvPr/>
+        </p:nvSpPr>
+        <p:spPr bwMode="auto">
+          <a:xfrm>
+            <a:off x="3689195" y="2565672"/>
+            <a:ext cx="423664" cy="423664"/>
+          </a:xfrm>
+          <a:prstGeom prst="rect">
+            <a:avLst/>
+          </a:prstGeom>
+          <a:ln w="57150">
+            <a:solidFill>
+              <a:schemeClr val="tx2"/>
+            </a:solidFill>
+            <a:headEnd type="none" w="med" len="med"/>
+            <a:tailEnd type="none" w="med" len="med"/>
+          </a:ln>
+        </p:spPr>
+        <p:style>
+          <a:lnRef idx="2">
+            <a:schemeClr val="dk1"/>
+          </a:lnRef>
+          <a:fillRef idx="1">
+            <a:schemeClr val="lt1"/>
+          </a:fillRef>
+          <a:effectRef idx="0">
+            <a:schemeClr val="dk1"/>
+          </a:effectRef>
+          <a:fontRef idx="minor">
+            <a:schemeClr val="dk1"/>
+          </a:fontRef>
+        </p:style>
+        <p:txBody>
+          <a:bodyPr vert="horz" wrap="square" lIns="91440" tIns="45720" rIns="91440" bIns="45720" numCol="1" rtlCol="0" anchor="t" anchorCtr="0" compatLnSpc="1">
+            <a:prstTxWarp prst="textNoShape">
+              <a:avLst/>
+            </a:prstTxWarp>
+          </a:bodyPr>
+          <a:lstStyle/>
+          <a:p>
+            <a:pPr marL="0" marR="0" indent="0" algn="l" defTabSz="914400" rtl="0" eaLnBrk="0" fontAlgn="base" latinLnBrk="0" hangingPunct="0">
+              <a:lnSpc>
+                <a:spcPct val="100000"/>
+              </a:lnSpc>
+              <a:spcBef>
+                <a:spcPct val="0"/>
+              </a:spcBef>
+              <a:spcAft>
+                <a:spcPct val="0"/>
+              </a:spcAft>
+              <a:buClrTx/>
+              <a:buSzTx/>
+              <a:buFontTx/>
+              <a:buNone/>
+              <a:tabLst/>
+            </a:pPr>
+            <a:endParaRPr kumimoji="0" lang="de-DE" sz="2000" b="0" i="0" u="none" strike="noStrike" cap="none" normalizeH="0" baseline="0" dirty="0">
+              <a:ln>
+                <a:noFill/>
+              </a:ln>
+              <a:solidFill>
+                <a:schemeClr val="tx1"/>
+              </a:solidFill>
+              <a:effectLst/>
+              <a:latin typeface="Arial" charset="0"/>
+            </a:endParaRPr>
+          </a:p>
+        </p:txBody>
+      </p:sp>
+      <p:sp>
+        <p:nvSpPr>
+          <p:cNvPr id="19" name="Rechteck 18">
+            <a:extLst>
+              <a:ext uri="{FF2B5EF4-FFF2-40B4-BE49-F238E27FC236}">
+                <a16:creationId xmlns:a16="http://schemas.microsoft.com/office/drawing/2014/main" id="{072590D7-93CA-735B-81FA-5494ECAD9291}"/>
+              </a:ext>
+            </a:extLst>
+          </p:cNvPr>
+          <p:cNvSpPr/>
+          <p:nvPr/>
+        </p:nvSpPr>
+        <p:spPr bwMode="auto">
+          <a:xfrm>
+            <a:off x="3689195" y="3085307"/>
+            <a:ext cx="423664" cy="423664"/>
+          </a:xfrm>
+          <a:prstGeom prst="rect">
+            <a:avLst/>
+          </a:prstGeom>
+          <a:ln w="57150">
+            <a:solidFill>
+              <a:schemeClr val="tx2"/>
+            </a:solidFill>
+            <a:headEnd type="none" w="med" len="med"/>
+            <a:tailEnd type="none" w="med" len="med"/>
+          </a:ln>
+        </p:spPr>
+        <p:style>
+          <a:lnRef idx="2">
+            <a:schemeClr val="dk1"/>
+          </a:lnRef>
+          <a:fillRef idx="1">
+            <a:schemeClr val="lt1"/>
+          </a:fillRef>
+          <a:effectRef idx="0">
+            <a:schemeClr val="dk1"/>
+          </a:effectRef>
+          <a:fontRef idx="minor">
+            <a:schemeClr val="dk1"/>
+          </a:fontRef>
+        </p:style>
+        <p:txBody>
+          <a:bodyPr vert="horz" wrap="square" lIns="91440" tIns="45720" rIns="91440" bIns="45720" numCol="1" rtlCol="0" anchor="t" anchorCtr="0" compatLnSpc="1">
+            <a:prstTxWarp prst="textNoShape">
+              <a:avLst/>
+            </a:prstTxWarp>
+          </a:bodyPr>
+          <a:lstStyle/>
+          <a:p>
+            <a:pPr marL="0" marR="0" indent="0" algn="l" defTabSz="914400" rtl="0" eaLnBrk="0" fontAlgn="base" latinLnBrk="0" hangingPunct="0">
+              <a:lnSpc>
+                <a:spcPct val="100000"/>
+              </a:lnSpc>
+              <a:spcBef>
+                <a:spcPct val="0"/>
+              </a:spcBef>
+              <a:spcAft>
+                <a:spcPct val="0"/>
+              </a:spcAft>
+              <a:buClrTx/>
+              <a:buSzTx/>
+              <a:buFontTx/>
+              <a:buNone/>
+              <a:tabLst/>
+            </a:pPr>
+            <a:endParaRPr kumimoji="0" lang="de-DE" sz="2000" b="0" i="0" u="none" strike="noStrike" cap="none" normalizeH="0" baseline="0">
+              <a:ln>
+                <a:noFill/>
+              </a:ln>
+              <a:solidFill>
+                <a:schemeClr val="tx1"/>
+              </a:solidFill>
+              <a:effectLst/>
+              <a:latin typeface="Arial" charset="0"/>
+            </a:endParaRPr>
+          </a:p>
+        </p:txBody>
+      </p:sp>
+      <p:sp>
+        <p:nvSpPr>
+          <p:cNvPr id="20" name="Rechteck 19">
+            <a:extLst>
+              <a:ext uri="{FF2B5EF4-FFF2-40B4-BE49-F238E27FC236}">
+                <a16:creationId xmlns:a16="http://schemas.microsoft.com/office/drawing/2014/main" id="{576DAA0A-7B3D-0D19-2AEB-4A8B3E34E8DB}"/>
+              </a:ext>
+            </a:extLst>
+          </p:cNvPr>
+          <p:cNvSpPr/>
+          <p:nvPr/>
+        </p:nvSpPr>
+        <p:spPr bwMode="auto">
+          <a:xfrm>
+            <a:off x="4221480" y="2565672"/>
+            <a:ext cx="423664" cy="423664"/>
+          </a:xfrm>
+          <a:prstGeom prst="rect">
+            <a:avLst/>
+          </a:prstGeom>
+          <a:ln w="57150">
+            <a:solidFill>
+              <a:schemeClr val="tx2"/>
+            </a:solidFill>
+            <a:headEnd type="none" w="med" len="med"/>
+            <a:tailEnd type="none" w="med" len="med"/>
+          </a:ln>
+        </p:spPr>
+        <p:style>
+          <a:lnRef idx="2">
+            <a:schemeClr val="dk1"/>
+          </a:lnRef>
+          <a:fillRef idx="1">
+            <a:schemeClr val="lt1"/>
+          </a:fillRef>
+          <a:effectRef idx="0">
+            <a:schemeClr val="dk1"/>
+          </a:effectRef>
+          <a:fontRef idx="minor">
+            <a:schemeClr val="dk1"/>
+          </a:fontRef>
+        </p:style>
+        <p:txBody>
+          <a:bodyPr vert="horz" wrap="square" lIns="91440" tIns="45720" rIns="91440" bIns="45720" numCol="1" rtlCol="0" anchor="t" anchorCtr="0" compatLnSpc="1">
+            <a:prstTxWarp prst="textNoShape">
+              <a:avLst/>
+            </a:prstTxWarp>
+          </a:bodyPr>
+          <a:lstStyle/>
+          <a:p>
+            <a:pPr marL="0" marR="0" indent="0" algn="l" defTabSz="914400" rtl="0" eaLnBrk="0" fontAlgn="base" latinLnBrk="0" hangingPunct="0">
+              <a:lnSpc>
+                <a:spcPct val="100000"/>
+              </a:lnSpc>
+              <a:spcBef>
+                <a:spcPct val="0"/>
+              </a:spcBef>
+              <a:spcAft>
+                <a:spcPct val="0"/>
+              </a:spcAft>
+              <a:buClrTx/>
+              <a:buSzTx/>
+              <a:buFontTx/>
+              <a:buNone/>
+              <a:tabLst/>
+            </a:pPr>
+            <a:endParaRPr kumimoji="0" lang="de-DE" sz="2000" b="0" i="0" u="none" strike="noStrike" cap="none" normalizeH="0" baseline="0" dirty="0">
+              <a:ln>
+                <a:noFill/>
+              </a:ln>
+              <a:solidFill>
+                <a:schemeClr val="tx1"/>
+              </a:solidFill>
+              <a:effectLst/>
+              <a:latin typeface="Arial" charset="0"/>
+            </a:endParaRPr>
+          </a:p>
+        </p:txBody>
+      </p:sp>
+      <p:sp>
+        <p:nvSpPr>
+          <p:cNvPr id="21" name="Rechteck 20">
+            <a:extLst>
+              <a:ext uri="{FF2B5EF4-FFF2-40B4-BE49-F238E27FC236}">
+                <a16:creationId xmlns:a16="http://schemas.microsoft.com/office/drawing/2014/main" id="{C7BA9D86-9844-1655-95BD-32412209B843}"/>
+              </a:ext>
+            </a:extLst>
+          </p:cNvPr>
+          <p:cNvSpPr/>
+          <p:nvPr/>
+        </p:nvSpPr>
+        <p:spPr bwMode="auto">
+          <a:xfrm>
+            <a:off x="4219539" y="3081302"/>
+            <a:ext cx="423664" cy="423664"/>
+          </a:xfrm>
+          <a:prstGeom prst="rect">
+            <a:avLst/>
+          </a:prstGeom>
+          <a:ln w="57150">
+            <a:solidFill>
+              <a:schemeClr val="tx2"/>
+            </a:solidFill>
+            <a:headEnd type="none" w="med" len="med"/>
+            <a:tailEnd type="none" w="med" len="med"/>
+          </a:ln>
+        </p:spPr>
+        <p:style>
+          <a:lnRef idx="2">
+            <a:schemeClr val="dk1"/>
+          </a:lnRef>
+          <a:fillRef idx="1">
+            <a:schemeClr val="lt1"/>
+          </a:fillRef>
+          <a:effectRef idx="0">
+            <a:schemeClr val="dk1"/>
+          </a:effectRef>
+          <a:fontRef idx="minor">
+            <a:schemeClr val="dk1"/>
+          </a:fontRef>
+        </p:style>
+        <p:txBody>
+          <a:bodyPr vert="horz" wrap="square" lIns="91440" tIns="45720" rIns="91440" bIns="45720" numCol="1" rtlCol="0" anchor="t" anchorCtr="0" compatLnSpc="1">
+            <a:prstTxWarp prst="textNoShape">
+              <a:avLst/>
+            </a:prstTxWarp>
+          </a:bodyPr>
+          <a:lstStyle/>
+          <a:p>
+            <a:pPr marL="0" marR="0" indent="0" algn="l" defTabSz="914400" rtl="0" eaLnBrk="0" fontAlgn="base" latinLnBrk="0" hangingPunct="0">
+              <a:lnSpc>
+                <a:spcPct val="100000"/>
+              </a:lnSpc>
+              <a:spcBef>
+                <a:spcPct val="0"/>
+              </a:spcBef>
+              <a:spcAft>
+                <a:spcPct val="0"/>
+              </a:spcAft>
+              <a:buClrTx/>
+              <a:buSzTx/>
+              <a:buFontTx/>
+              <a:buNone/>
+              <a:tabLst/>
+            </a:pPr>
+            <a:endParaRPr kumimoji="0" lang="de-DE" sz="2000" b="0" i="0" u="none" strike="noStrike" cap="none" normalizeH="0" baseline="0" dirty="0">
+              <a:ln>
+                <a:noFill/>
+              </a:ln>
+              <a:solidFill>
+                <a:schemeClr val="tx1"/>
+              </a:solidFill>
+              <a:effectLst/>
+              <a:latin typeface="Arial" charset="0"/>
+            </a:endParaRPr>
+          </a:p>
+        </p:txBody>
+      </p:sp>
+      <p:sp>
+        <p:nvSpPr>
+          <p:cNvPr id="22" name="Rechteck 21">
+            <a:extLst>
+              <a:ext uri="{FF2B5EF4-FFF2-40B4-BE49-F238E27FC236}">
+                <a16:creationId xmlns:a16="http://schemas.microsoft.com/office/drawing/2014/main" id="{5E661773-D2AB-2F93-C41E-741EB366168E}"/>
+              </a:ext>
+            </a:extLst>
+          </p:cNvPr>
+          <p:cNvSpPr/>
+          <p:nvPr/>
+        </p:nvSpPr>
+        <p:spPr bwMode="auto">
+          <a:xfrm>
+            <a:off x="4753765" y="2565672"/>
+            <a:ext cx="423664" cy="423664"/>
+          </a:xfrm>
+          <a:prstGeom prst="rect">
+            <a:avLst/>
+          </a:prstGeom>
+          <a:ln w="57150">
+            <a:solidFill>
+              <a:schemeClr val="tx2"/>
+            </a:solidFill>
+            <a:headEnd type="none" w="med" len="med"/>
+            <a:tailEnd type="none" w="med" len="med"/>
+          </a:ln>
+        </p:spPr>
+        <p:style>
+          <a:lnRef idx="2">
+            <a:schemeClr val="dk1"/>
+          </a:lnRef>
+          <a:fillRef idx="1">
+            <a:schemeClr val="lt1"/>
+          </a:fillRef>
+          <a:effectRef idx="0">
+            <a:schemeClr val="dk1"/>
+          </a:effectRef>
+          <a:fontRef idx="minor">
+            <a:schemeClr val="dk1"/>
+          </a:fontRef>
+        </p:style>
+        <p:txBody>
+          <a:bodyPr vert="horz" wrap="square" lIns="91440" tIns="45720" rIns="91440" bIns="45720" numCol="1" rtlCol="0" anchor="t" anchorCtr="0" compatLnSpc="1">
+            <a:prstTxWarp prst="textNoShape">
+              <a:avLst/>
+            </a:prstTxWarp>
+          </a:bodyPr>
+          <a:lstStyle/>
+          <a:p>
+            <a:pPr marL="0" marR="0" indent="0" algn="l" defTabSz="914400" rtl="0" eaLnBrk="0" fontAlgn="base" latinLnBrk="0" hangingPunct="0">
+              <a:lnSpc>
+                <a:spcPct val="100000"/>
+              </a:lnSpc>
+              <a:spcBef>
+                <a:spcPct val="0"/>
+              </a:spcBef>
+              <a:spcAft>
+                <a:spcPct val="0"/>
+              </a:spcAft>
+              <a:buClrTx/>
+              <a:buSzTx/>
+              <a:buFontTx/>
+              <a:buNone/>
+              <a:tabLst/>
+            </a:pPr>
+            <a:endParaRPr kumimoji="0" lang="de-DE" sz="2000" b="0" i="0" u="none" strike="noStrike" cap="none" normalizeH="0" baseline="0" dirty="0">
+              <a:ln>
+                <a:noFill/>
+              </a:ln>
+              <a:solidFill>
+                <a:schemeClr val="tx1"/>
+              </a:solidFill>
+              <a:effectLst/>
+              <a:latin typeface="Arial" charset="0"/>
+            </a:endParaRPr>
+          </a:p>
+        </p:txBody>
+      </p:sp>
+      <p:sp>
+        <p:nvSpPr>
+          <p:cNvPr id="23" name="Rechteck 22">
+            <a:extLst>
+              <a:ext uri="{FF2B5EF4-FFF2-40B4-BE49-F238E27FC236}">
+                <a16:creationId xmlns:a16="http://schemas.microsoft.com/office/drawing/2014/main" id="{0ECFF0FE-F5C7-932F-A1D6-1A28C0A3F8FD}"/>
+              </a:ext>
+            </a:extLst>
+          </p:cNvPr>
+          <p:cNvSpPr/>
+          <p:nvPr/>
+        </p:nvSpPr>
+        <p:spPr bwMode="auto">
+          <a:xfrm>
+            <a:off x="4742737" y="3085307"/>
+            <a:ext cx="423664" cy="423664"/>
+          </a:xfrm>
+          <a:prstGeom prst="rect">
+            <a:avLst/>
+          </a:prstGeom>
+          <a:ln w="57150">
+            <a:solidFill>
+              <a:schemeClr val="tx2"/>
+            </a:solidFill>
+            <a:headEnd type="none" w="med" len="med"/>
+            <a:tailEnd type="none" w="med" len="med"/>
+          </a:ln>
+        </p:spPr>
+        <p:style>
+          <a:lnRef idx="2">
+            <a:schemeClr val="dk1"/>
+          </a:lnRef>
+          <a:fillRef idx="1">
+            <a:schemeClr val="lt1"/>
+          </a:fillRef>
+          <a:effectRef idx="0">
+            <a:schemeClr val="dk1"/>
+          </a:effectRef>
+          <a:fontRef idx="minor">
+            <a:schemeClr val="dk1"/>
+          </a:fontRef>
+        </p:style>
+        <p:txBody>
+          <a:bodyPr vert="horz" wrap="square" lIns="91440" tIns="45720" rIns="91440" bIns="45720" numCol="1" rtlCol="0" anchor="t" anchorCtr="0" compatLnSpc="1">
+            <a:prstTxWarp prst="textNoShape">
+              <a:avLst/>
+            </a:prstTxWarp>
+          </a:bodyPr>
+          <a:lstStyle/>
+          <a:p>
+            <a:pPr marL="0" marR="0" indent="0" algn="l" defTabSz="914400" rtl="0" eaLnBrk="0" fontAlgn="base" latinLnBrk="0" hangingPunct="0">
+              <a:lnSpc>
+                <a:spcPct val="100000"/>
+              </a:lnSpc>
+              <a:spcBef>
+                <a:spcPct val="0"/>
+              </a:spcBef>
+              <a:spcAft>
+                <a:spcPct val="0"/>
+              </a:spcAft>
+              <a:buClrTx/>
+              <a:buSzTx/>
+              <a:buFontTx/>
+              <a:buNone/>
+              <a:tabLst/>
+            </a:pPr>
+            <a:endParaRPr kumimoji="0" lang="de-DE" sz="2000" b="0" i="0" u="none" strike="noStrike" cap="none" normalizeH="0" baseline="0" dirty="0">
+              <a:ln>
+                <a:noFill/>
+              </a:ln>
+              <a:solidFill>
+                <a:schemeClr val="tx1"/>
+              </a:solidFill>
+              <a:effectLst/>
+              <a:latin typeface="Arial" charset="0"/>
+            </a:endParaRPr>
+          </a:p>
+        </p:txBody>
+      </p:sp>
+      <p:sp>
+        <p:nvSpPr>
+          <p:cNvPr id="24" name="Rechteck 23">
+            <a:extLst>
+              <a:ext uri="{FF2B5EF4-FFF2-40B4-BE49-F238E27FC236}">
+                <a16:creationId xmlns:a16="http://schemas.microsoft.com/office/drawing/2014/main" id="{5431555F-38A3-CD88-0159-3C95286B7E24}"/>
+              </a:ext>
+            </a:extLst>
+          </p:cNvPr>
+          <p:cNvSpPr/>
+          <p:nvPr/>
+        </p:nvSpPr>
+        <p:spPr bwMode="auto">
+          <a:xfrm>
+            <a:off x="1368586" y="4210258"/>
+            <a:ext cx="1684413" cy="1728192"/>
+          </a:xfrm>
+          <a:prstGeom prst="rect">
+            <a:avLst/>
+          </a:prstGeom>
+          <a:ln w="57150">
+            <a:solidFill>
+              <a:schemeClr val="tx2"/>
+            </a:solidFill>
+            <a:headEnd type="none" w="med" len="med"/>
+            <a:tailEnd type="none" w="med" len="med"/>
+          </a:ln>
+        </p:spPr>
+        <p:style>
+          <a:lnRef idx="2">
+            <a:schemeClr val="dk1"/>
+          </a:lnRef>
+          <a:fillRef idx="1">
+            <a:schemeClr val="lt1"/>
+          </a:fillRef>
+          <a:effectRef idx="0">
+            <a:schemeClr val="dk1"/>
+          </a:effectRef>
+          <a:fontRef idx="minor">
+            <a:schemeClr val="dk1"/>
+          </a:fontRef>
+        </p:style>
+        <p:txBody>
+          <a:bodyPr vert="horz" wrap="square" lIns="91440" tIns="45720" rIns="91440" bIns="45720" numCol="1" rtlCol="0" anchor="t" anchorCtr="0" compatLnSpc="1">
+            <a:prstTxWarp prst="textNoShape">
+              <a:avLst/>
+            </a:prstTxWarp>
+          </a:bodyPr>
+          <a:lstStyle/>
+          <a:p>
+            <a:pPr marL="0" marR="0" indent="0" algn="l" defTabSz="914400" rtl="0" eaLnBrk="0" fontAlgn="base" latinLnBrk="0" hangingPunct="0">
+              <a:lnSpc>
+                <a:spcPct val="100000"/>
+              </a:lnSpc>
+              <a:spcBef>
+                <a:spcPct val="0"/>
+              </a:spcBef>
+              <a:spcAft>
+                <a:spcPct val="0"/>
+              </a:spcAft>
+              <a:buClrTx/>
+              <a:buSzTx/>
+              <a:buFontTx/>
+              <a:buNone/>
+              <a:tabLst/>
+            </a:pPr>
+            <a:endParaRPr kumimoji="0" lang="de-DE" sz="2000" b="0" i="0" u="none" strike="noStrike" cap="none" normalizeH="0" baseline="0">
+              <a:ln>
+                <a:noFill/>
+              </a:ln>
+              <a:solidFill>
+                <a:schemeClr val="tx1"/>
+              </a:solidFill>
+              <a:effectLst/>
+              <a:latin typeface="Arial" charset="0"/>
+            </a:endParaRPr>
+          </a:p>
+        </p:txBody>
+      </p:sp>
+      <p:sp>
+        <p:nvSpPr>
+          <p:cNvPr id="25" name="Rechteck 24">
+            <a:extLst>
+              <a:ext uri="{FF2B5EF4-FFF2-40B4-BE49-F238E27FC236}">
+                <a16:creationId xmlns:a16="http://schemas.microsoft.com/office/drawing/2014/main" id="{797FC90D-A8E3-6609-7DEB-A363EFB2D980}"/>
+              </a:ext>
+            </a:extLst>
+          </p:cNvPr>
+          <p:cNvSpPr/>
+          <p:nvPr/>
+        </p:nvSpPr>
+        <p:spPr bwMode="auto">
+          <a:xfrm>
+            <a:off x="1477207" y="4341426"/>
+            <a:ext cx="423664" cy="423664"/>
+          </a:xfrm>
+          <a:prstGeom prst="rect">
+            <a:avLst/>
+          </a:prstGeom>
+          <a:ln w="57150">
+            <a:solidFill>
+              <a:schemeClr val="tx2"/>
+            </a:solidFill>
+            <a:headEnd type="none" w="med" len="med"/>
+            <a:tailEnd type="none" w="med" len="med"/>
+          </a:ln>
+        </p:spPr>
+        <p:style>
+          <a:lnRef idx="2">
+            <a:schemeClr val="dk1"/>
+          </a:lnRef>
+          <a:fillRef idx="1">
+            <a:schemeClr val="lt1"/>
+          </a:fillRef>
+          <a:effectRef idx="0">
+            <a:schemeClr val="dk1"/>
+          </a:effectRef>
+          <a:fontRef idx="minor">
+            <a:schemeClr val="dk1"/>
+          </a:fontRef>
+        </p:style>
+        <p:txBody>
+          <a:bodyPr vert="horz" wrap="square" lIns="91440" tIns="45720" rIns="91440" bIns="45720" numCol="1" rtlCol="0" anchor="t" anchorCtr="0" compatLnSpc="1">
+            <a:prstTxWarp prst="textNoShape">
+              <a:avLst/>
+            </a:prstTxWarp>
+          </a:bodyPr>
+          <a:lstStyle/>
+          <a:p>
+            <a:pPr marL="0" marR="0" indent="0" algn="l" defTabSz="914400" rtl="0" eaLnBrk="0" fontAlgn="base" latinLnBrk="0" hangingPunct="0">
+              <a:lnSpc>
+                <a:spcPct val="100000"/>
+              </a:lnSpc>
+              <a:spcBef>
+                <a:spcPct val="0"/>
+              </a:spcBef>
+              <a:spcAft>
+                <a:spcPct val="0"/>
+              </a:spcAft>
+              <a:buClrTx/>
+              <a:buSzTx/>
+              <a:buFontTx/>
+              <a:buNone/>
+              <a:tabLst/>
+            </a:pPr>
+            <a:endParaRPr kumimoji="0" lang="de-DE" sz="2000" b="0" i="0" u="none" strike="noStrike" cap="none" normalizeH="0" baseline="0">
+              <a:ln>
+                <a:noFill/>
+              </a:ln>
+              <a:solidFill>
+                <a:schemeClr val="tx1"/>
+              </a:solidFill>
+              <a:effectLst/>
+              <a:latin typeface="Arial" charset="0"/>
+            </a:endParaRPr>
+          </a:p>
+        </p:txBody>
+      </p:sp>
+      <p:sp>
+        <p:nvSpPr>
+          <p:cNvPr id="26" name="Rechteck 25">
+            <a:extLst>
+              <a:ext uri="{FF2B5EF4-FFF2-40B4-BE49-F238E27FC236}">
+                <a16:creationId xmlns:a16="http://schemas.microsoft.com/office/drawing/2014/main" id="{FDAF263B-7868-D846-5A9D-AEC99E3AA3A9}"/>
+              </a:ext>
+            </a:extLst>
+          </p:cNvPr>
+          <p:cNvSpPr/>
+          <p:nvPr/>
+        </p:nvSpPr>
+        <p:spPr bwMode="auto">
+          <a:xfrm>
+            <a:off x="2000901" y="4333688"/>
+            <a:ext cx="423664" cy="423664"/>
+          </a:xfrm>
+          <a:prstGeom prst="rect">
+            <a:avLst/>
+          </a:prstGeom>
+          <a:ln w="57150">
+            <a:solidFill>
+              <a:schemeClr val="tx2"/>
+            </a:solidFill>
+            <a:headEnd type="none" w="med" len="med"/>
+            <a:tailEnd type="none" w="med" len="med"/>
+          </a:ln>
+        </p:spPr>
+        <p:style>
+          <a:lnRef idx="2">
+            <a:schemeClr val="dk1"/>
+          </a:lnRef>
+          <a:fillRef idx="1">
+            <a:schemeClr val="lt1"/>
+          </a:fillRef>
+          <a:effectRef idx="0">
+            <a:schemeClr val="dk1"/>
+          </a:effectRef>
+          <a:fontRef idx="minor">
+            <a:schemeClr val="dk1"/>
+          </a:fontRef>
+        </p:style>
+        <p:txBody>
+          <a:bodyPr vert="horz" wrap="square" lIns="91440" tIns="45720" rIns="91440" bIns="45720" numCol="1" rtlCol="0" anchor="t" anchorCtr="0" compatLnSpc="1">
+            <a:prstTxWarp prst="textNoShape">
+              <a:avLst/>
+            </a:prstTxWarp>
+          </a:bodyPr>
+          <a:lstStyle/>
+          <a:p>
+            <a:pPr marL="0" marR="0" indent="0" algn="l" defTabSz="914400" rtl="0" eaLnBrk="0" fontAlgn="base" latinLnBrk="0" hangingPunct="0">
+              <a:lnSpc>
+                <a:spcPct val="100000"/>
+              </a:lnSpc>
+              <a:spcBef>
+                <a:spcPct val="0"/>
+              </a:spcBef>
+              <a:spcAft>
+                <a:spcPct val="0"/>
+              </a:spcAft>
+              <a:buClrTx/>
+              <a:buSzTx/>
+              <a:buFontTx/>
+              <a:buNone/>
+              <a:tabLst/>
+            </a:pPr>
+            <a:endParaRPr kumimoji="0" lang="de-DE" sz="2000" b="0" i="0" u="none" strike="noStrike" cap="none" normalizeH="0" baseline="0">
+              <a:ln>
+                <a:noFill/>
+              </a:ln>
+              <a:solidFill>
+                <a:schemeClr val="tx1"/>
+              </a:solidFill>
+              <a:effectLst/>
+              <a:latin typeface="Arial" charset="0"/>
+            </a:endParaRPr>
+          </a:p>
+        </p:txBody>
+      </p:sp>
+      <p:sp>
+        <p:nvSpPr>
+          <p:cNvPr id="27" name="Rechteck 26">
+            <a:extLst>
+              <a:ext uri="{FF2B5EF4-FFF2-40B4-BE49-F238E27FC236}">
+                <a16:creationId xmlns:a16="http://schemas.microsoft.com/office/drawing/2014/main" id="{E5BBBA36-C565-8EE8-C393-654A1ECB9540}"/>
+              </a:ext>
+            </a:extLst>
+          </p:cNvPr>
+          <p:cNvSpPr/>
+          <p:nvPr/>
+        </p:nvSpPr>
+        <p:spPr bwMode="auto">
+          <a:xfrm>
+            <a:off x="2533186" y="4341611"/>
+            <a:ext cx="423664" cy="423664"/>
+          </a:xfrm>
+          <a:prstGeom prst="rect">
+            <a:avLst/>
+          </a:prstGeom>
+          <a:ln w="57150">
+            <a:solidFill>
+              <a:schemeClr val="tx2"/>
+            </a:solidFill>
+            <a:headEnd type="none" w="med" len="med"/>
+            <a:tailEnd type="none" w="med" len="med"/>
+          </a:ln>
+        </p:spPr>
+        <p:style>
+          <a:lnRef idx="2">
+            <a:schemeClr val="dk1"/>
+          </a:lnRef>
+          <a:fillRef idx="1">
+            <a:schemeClr val="lt1"/>
+          </a:fillRef>
+          <a:effectRef idx="0">
+            <a:schemeClr val="dk1"/>
+          </a:effectRef>
+          <a:fontRef idx="minor">
+            <a:schemeClr val="dk1"/>
+          </a:fontRef>
+        </p:style>
+        <p:txBody>
+          <a:bodyPr vert="horz" wrap="square" lIns="91440" tIns="45720" rIns="91440" bIns="45720" numCol="1" rtlCol="0" anchor="t" anchorCtr="0" compatLnSpc="1">
+            <a:prstTxWarp prst="textNoShape">
+              <a:avLst/>
+            </a:prstTxWarp>
+          </a:bodyPr>
+          <a:lstStyle/>
+          <a:p>
+            <a:pPr marL="0" marR="0" indent="0" algn="l" defTabSz="914400" rtl="0" eaLnBrk="0" fontAlgn="base" latinLnBrk="0" hangingPunct="0">
+              <a:lnSpc>
+                <a:spcPct val="100000"/>
+              </a:lnSpc>
+              <a:spcBef>
+                <a:spcPct val="0"/>
+              </a:spcBef>
+              <a:spcAft>
+                <a:spcPct val="0"/>
+              </a:spcAft>
+              <a:buClrTx/>
+              <a:buSzTx/>
+              <a:buFontTx/>
+              <a:buNone/>
+              <a:tabLst/>
+            </a:pPr>
+            <a:endParaRPr kumimoji="0" lang="de-DE" sz="2000" b="0" i="0" u="none" strike="noStrike" cap="none" normalizeH="0" baseline="0" dirty="0">
+              <a:ln>
+                <a:noFill/>
+              </a:ln>
+              <a:solidFill>
+                <a:schemeClr val="tx1"/>
+              </a:solidFill>
+              <a:effectLst/>
+              <a:latin typeface="Arial" charset="0"/>
+            </a:endParaRPr>
+          </a:p>
+        </p:txBody>
+      </p:sp>
+      <p:sp>
+        <p:nvSpPr>
+          <p:cNvPr id="28" name="Rechteck 27">
+            <a:extLst>
+              <a:ext uri="{FF2B5EF4-FFF2-40B4-BE49-F238E27FC236}">
+                <a16:creationId xmlns:a16="http://schemas.microsoft.com/office/drawing/2014/main" id="{4EDF731C-7AE9-28B9-9057-2C86A134B231}"/>
+              </a:ext>
+            </a:extLst>
+          </p:cNvPr>
+          <p:cNvSpPr/>
+          <p:nvPr/>
+        </p:nvSpPr>
+        <p:spPr bwMode="auto">
+          <a:xfrm>
+            <a:off x="1468616" y="4861061"/>
+            <a:ext cx="423664" cy="423664"/>
+          </a:xfrm>
+          <a:prstGeom prst="rect">
+            <a:avLst/>
+          </a:prstGeom>
+          <a:ln w="57150">
+            <a:solidFill>
+              <a:schemeClr val="tx2"/>
+            </a:solidFill>
+            <a:headEnd type="none" w="med" len="med"/>
+            <a:tailEnd type="none" w="med" len="med"/>
+          </a:ln>
+        </p:spPr>
+        <p:style>
+          <a:lnRef idx="2">
+            <a:schemeClr val="dk1"/>
+          </a:lnRef>
+          <a:fillRef idx="1">
+            <a:schemeClr val="lt1"/>
+          </a:fillRef>
+          <a:effectRef idx="0">
+            <a:schemeClr val="dk1"/>
+          </a:effectRef>
+          <a:fontRef idx="minor">
+            <a:schemeClr val="dk1"/>
+          </a:fontRef>
+        </p:style>
+        <p:txBody>
+          <a:bodyPr vert="horz" wrap="square" lIns="91440" tIns="45720" rIns="91440" bIns="45720" numCol="1" rtlCol="0" anchor="t" anchorCtr="0" compatLnSpc="1">
+            <a:prstTxWarp prst="textNoShape">
+              <a:avLst/>
+            </a:prstTxWarp>
+          </a:bodyPr>
+          <a:lstStyle/>
+          <a:p>
+            <a:pPr marL="0" marR="0" indent="0" algn="l" defTabSz="914400" rtl="0" eaLnBrk="0" fontAlgn="base" latinLnBrk="0" hangingPunct="0">
+              <a:lnSpc>
+                <a:spcPct val="100000"/>
+              </a:lnSpc>
+              <a:spcBef>
+                <a:spcPct val="0"/>
+              </a:spcBef>
+              <a:spcAft>
+                <a:spcPct val="0"/>
+              </a:spcAft>
+              <a:buClrTx/>
+              <a:buSzTx/>
+              <a:buFontTx/>
+              <a:buNone/>
+              <a:tabLst/>
+            </a:pPr>
+            <a:endParaRPr kumimoji="0" lang="de-DE" sz="2000" b="0" i="0" u="none" strike="noStrike" cap="none" normalizeH="0" baseline="0" dirty="0">
+              <a:ln>
+                <a:noFill/>
+              </a:ln>
+              <a:solidFill>
+                <a:schemeClr val="tx1"/>
+              </a:solidFill>
+              <a:effectLst/>
+              <a:latin typeface="Arial" charset="0"/>
+            </a:endParaRPr>
+          </a:p>
+        </p:txBody>
+      </p:sp>
+      <p:sp>
+        <p:nvSpPr>
+          <p:cNvPr id="29" name="Rechteck 28">
+            <a:extLst>
+              <a:ext uri="{FF2B5EF4-FFF2-40B4-BE49-F238E27FC236}">
+                <a16:creationId xmlns:a16="http://schemas.microsoft.com/office/drawing/2014/main" id="{D99B33D0-4B55-639A-89FD-219894C137D0}"/>
+              </a:ext>
+            </a:extLst>
+          </p:cNvPr>
+          <p:cNvSpPr/>
+          <p:nvPr/>
+        </p:nvSpPr>
+        <p:spPr bwMode="auto">
+          <a:xfrm>
+            <a:off x="1468616" y="5380696"/>
+            <a:ext cx="423664" cy="423664"/>
+          </a:xfrm>
+          <a:prstGeom prst="rect">
+            <a:avLst/>
+          </a:prstGeom>
+          <a:ln w="57150">
+            <a:solidFill>
+              <a:schemeClr val="tx2"/>
+            </a:solidFill>
+            <a:headEnd type="none" w="med" len="med"/>
+            <a:tailEnd type="none" w="med" len="med"/>
+          </a:ln>
+        </p:spPr>
+        <p:style>
+          <a:lnRef idx="2">
+            <a:schemeClr val="dk1"/>
+          </a:lnRef>
+          <a:fillRef idx="1">
+            <a:schemeClr val="lt1"/>
+          </a:fillRef>
+          <a:effectRef idx="0">
+            <a:schemeClr val="dk1"/>
+          </a:effectRef>
+          <a:fontRef idx="minor">
+            <a:schemeClr val="dk1"/>
+          </a:fontRef>
+        </p:style>
+        <p:txBody>
+          <a:bodyPr vert="horz" wrap="square" lIns="91440" tIns="45720" rIns="91440" bIns="45720" numCol="1" rtlCol="0" anchor="t" anchorCtr="0" compatLnSpc="1">
+            <a:prstTxWarp prst="textNoShape">
+              <a:avLst/>
+            </a:prstTxWarp>
+          </a:bodyPr>
+          <a:lstStyle/>
+          <a:p>
+            <a:pPr marL="0" marR="0" indent="0" algn="l" defTabSz="914400" rtl="0" eaLnBrk="0" fontAlgn="base" latinLnBrk="0" hangingPunct="0">
+              <a:lnSpc>
+                <a:spcPct val="100000"/>
+              </a:lnSpc>
+              <a:spcBef>
+                <a:spcPct val="0"/>
+              </a:spcBef>
+              <a:spcAft>
+                <a:spcPct val="0"/>
+              </a:spcAft>
+              <a:buClrTx/>
+              <a:buSzTx/>
+              <a:buFontTx/>
+              <a:buNone/>
+              <a:tabLst/>
+            </a:pPr>
+            <a:endParaRPr kumimoji="0" lang="de-DE" sz="2000" b="0" i="0" u="none" strike="noStrike" cap="none" normalizeH="0" baseline="0">
+              <a:ln>
+                <a:noFill/>
+              </a:ln>
+              <a:solidFill>
+                <a:schemeClr val="tx1"/>
+              </a:solidFill>
+              <a:effectLst/>
+              <a:latin typeface="Arial" charset="0"/>
+            </a:endParaRPr>
+          </a:p>
+        </p:txBody>
+      </p:sp>
+      <p:sp>
+        <p:nvSpPr>
+          <p:cNvPr id="30" name="Rechteck 29">
+            <a:extLst>
+              <a:ext uri="{FF2B5EF4-FFF2-40B4-BE49-F238E27FC236}">
+                <a16:creationId xmlns:a16="http://schemas.microsoft.com/office/drawing/2014/main" id="{051F32E8-F0E2-5C13-B722-19A66864A6C1}"/>
+              </a:ext>
+            </a:extLst>
+          </p:cNvPr>
+          <p:cNvSpPr/>
+          <p:nvPr/>
+        </p:nvSpPr>
+        <p:spPr bwMode="auto">
+          <a:xfrm>
+            <a:off x="2000901" y="4861061"/>
+            <a:ext cx="423664" cy="423664"/>
+          </a:xfrm>
+          <a:prstGeom prst="rect">
+            <a:avLst/>
+          </a:prstGeom>
+          <a:ln w="57150">
+            <a:solidFill>
+              <a:schemeClr val="tx2"/>
+            </a:solidFill>
+            <a:headEnd type="none" w="med" len="med"/>
+            <a:tailEnd type="none" w="med" len="med"/>
+          </a:ln>
+        </p:spPr>
+        <p:style>
+          <a:lnRef idx="2">
+            <a:schemeClr val="dk1"/>
+          </a:lnRef>
+          <a:fillRef idx="1">
+            <a:schemeClr val="lt1"/>
+          </a:fillRef>
+          <a:effectRef idx="0">
+            <a:schemeClr val="dk1"/>
+          </a:effectRef>
+          <a:fontRef idx="minor">
+            <a:schemeClr val="dk1"/>
+          </a:fontRef>
+        </p:style>
+        <p:txBody>
+          <a:bodyPr vert="horz" wrap="square" lIns="91440" tIns="45720" rIns="91440" bIns="45720" numCol="1" rtlCol="0" anchor="t" anchorCtr="0" compatLnSpc="1">
+            <a:prstTxWarp prst="textNoShape">
+              <a:avLst/>
+            </a:prstTxWarp>
+          </a:bodyPr>
+          <a:lstStyle/>
+          <a:p>
+            <a:pPr marL="0" marR="0" indent="0" algn="l" defTabSz="914400" rtl="0" eaLnBrk="0" fontAlgn="base" latinLnBrk="0" hangingPunct="0">
+              <a:lnSpc>
+                <a:spcPct val="100000"/>
+              </a:lnSpc>
+              <a:spcBef>
+                <a:spcPct val="0"/>
+              </a:spcBef>
+              <a:spcAft>
+                <a:spcPct val="0"/>
+              </a:spcAft>
+              <a:buClrTx/>
+              <a:buSzTx/>
+              <a:buFontTx/>
+              <a:buNone/>
+              <a:tabLst/>
+            </a:pPr>
+            <a:endParaRPr kumimoji="0" lang="de-DE" sz="2000" b="0" i="0" u="none" strike="noStrike" cap="none" normalizeH="0" baseline="0" dirty="0">
+              <a:ln>
+                <a:noFill/>
+              </a:ln>
+              <a:solidFill>
+                <a:schemeClr val="tx1"/>
+              </a:solidFill>
+              <a:effectLst/>
+              <a:latin typeface="Arial" charset="0"/>
+            </a:endParaRPr>
+          </a:p>
+        </p:txBody>
+      </p:sp>
+      <p:sp>
+        <p:nvSpPr>
+          <p:cNvPr id="31" name="Rechteck 30">
+            <a:extLst>
+              <a:ext uri="{FF2B5EF4-FFF2-40B4-BE49-F238E27FC236}">
+                <a16:creationId xmlns:a16="http://schemas.microsoft.com/office/drawing/2014/main" id="{A2888E23-8EFC-1242-59B1-F81EB004D1CF}"/>
+              </a:ext>
+            </a:extLst>
+          </p:cNvPr>
+          <p:cNvSpPr/>
+          <p:nvPr/>
+        </p:nvSpPr>
+        <p:spPr bwMode="auto">
+          <a:xfrm>
+            <a:off x="1998960" y="5376691"/>
+            <a:ext cx="423664" cy="423664"/>
+          </a:xfrm>
+          <a:prstGeom prst="rect">
+            <a:avLst/>
+          </a:prstGeom>
+          <a:ln w="57150">
+            <a:solidFill>
+              <a:schemeClr val="tx2"/>
+            </a:solidFill>
+            <a:headEnd type="none" w="med" len="med"/>
+            <a:tailEnd type="none" w="med" len="med"/>
+          </a:ln>
+        </p:spPr>
+        <p:style>
+          <a:lnRef idx="2">
+            <a:schemeClr val="dk1"/>
+          </a:lnRef>
+          <a:fillRef idx="1">
+            <a:schemeClr val="lt1"/>
+          </a:fillRef>
+          <a:effectRef idx="0">
+            <a:schemeClr val="dk1"/>
+          </a:effectRef>
+          <a:fontRef idx="minor">
+            <a:schemeClr val="dk1"/>
+          </a:fontRef>
+        </p:style>
+        <p:txBody>
+          <a:bodyPr vert="horz" wrap="square" lIns="91440" tIns="45720" rIns="91440" bIns="45720" numCol="1" rtlCol="0" anchor="t" anchorCtr="0" compatLnSpc="1">
+            <a:prstTxWarp prst="textNoShape">
+              <a:avLst/>
+            </a:prstTxWarp>
+          </a:bodyPr>
+          <a:lstStyle/>
+          <a:p>
+            <a:pPr marL="0" marR="0" indent="0" algn="l" defTabSz="914400" rtl="0" eaLnBrk="0" fontAlgn="base" latinLnBrk="0" hangingPunct="0">
+              <a:lnSpc>
+                <a:spcPct val="100000"/>
+              </a:lnSpc>
+              <a:spcBef>
+                <a:spcPct val="0"/>
+              </a:spcBef>
+              <a:spcAft>
+                <a:spcPct val="0"/>
+              </a:spcAft>
+              <a:buClrTx/>
+              <a:buSzTx/>
+              <a:buFontTx/>
+              <a:buNone/>
+              <a:tabLst/>
+            </a:pPr>
+            <a:endParaRPr kumimoji="0" lang="de-DE" sz="2000" b="0" i="0" u="none" strike="noStrike" cap="none" normalizeH="0" baseline="0" dirty="0">
+              <a:ln>
+                <a:noFill/>
+              </a:ln>
+              <a:solidFill>
+                <a:schemeClr val="tx1"/>
+              </a:solidFill>
+              <a:effectLst/>
+              <a:latin typeface="Arial" charset="0"/>
+            </a:endParaRPr>
+          </a:p>
+        </p:txBody>
+      </p:sp>
+      <p:sp>
+        <p:nvSpPr>
+          <p:cNvPr id="32" name="Rechteck 31">
+            <a:extLst>
+              <a:ext uri="{FF2B5EF4-FFF2-40B4-BE49-F238E27FC236}">
+                <a16:creationId xmlns:a16="http://schemas.microsoft.com/office/drawing/2014/main" id="{961E3520-888B-4556-B734-DB63A097BD84}"/>
+              </a:ext>
+            </a:extLst>
+          </p:cNvPr>
+          <p:cNvSpPr/>
+          <p:nvPr/>
+        </p:nvSpPr>
+        <p:spPr bwMode="auto">
+          <a:xfrm>
+            <a:off x="2533186" y="4861061"/>
+            <a:ext cx="423664" cy="423664"/>
+          </a:xfrm>
+          <a:prstGeom prst="rect">
+            <a:avLst/>
+          </a:prstGeom>
+          <a:ln w="57150">
+            <a:solidFill>
+              <a:schemeClr val="tx2"/>
+            </a:solidFill>
+            <a:headEnd type="none" w="med" len="med"/>
+            <a:tailEnd type="none" w="med" len="med"/>
+          </a:ln>
+        </p:spPr>
+        <p:style>
+          <a:lnRef idx="2">
+            <a:schemeClr val="dk1"/>
+          </a:lnRef>
+          <a:fillRef idx="1">
+            <a:schemeClr val="lt1"/>
+          </a:fillRef>
+          <a:effectRef idx="0">
+            <a:schemeClr val="dk1"/>
+          </a:effectRef>
+          <a:fontRef idx="minor">
+            <a:schemeClr val="dk1"/>
+          </a:fontRef>
+        </p:style>
+        <p:txBody>
+          <a:bodyPr vert="horz" wrap="square" lIns="91440" tIns="45720" rIns="91440" bIns="45720" numCol="1" rtlCol="0" anchor="t" anchorCtr="0" compatLnSpc="1">
+            <a:prstTxWarp prst="textNoShape">
+              <a:avLst/>
+            </a:prstTxWarp>
+          </a:bodyPr>
+          <a:lstStyle/>
+          <a:p>
+            <a:pPr marL="0" marR="0" indent="0" algn="l" defTabSz="914400" rtl="0" eaLnBrk="0" fontAlgn="base" latinLnBrk="0" hangingPunct="0">
+              <a:lnSpc>
+                <a:spcPct val="100000"/>
+              </a:lnSpc>
+              <a:spcBef>
+                <a:spcPct val="0"/>
+              </a:spcBef>
+              <a:spcAft>
+                <a:spcPct val="0"/>
+              </a:spcAft>
+              <a:buClrTx/>
+              <a:buSzTx/>
+              <a:buFontTx/>
+              <a:buNone/>
+              <a:tabLst/>
+            </a:pPr>
+            <a:endParaRPr kumimoji="0" lang="de-DE" sz="2000" b="0" i="0" u="none" strike="noStrike" cap="none" normalizeH="0" baseline="0" dirty="0">
+              <a:ln>
+                <a:noFill/>
+              </a:ln>
+              <a:solidFill>
+                <a:schemeClr val="tx1"/>
+              </a:solidFill>
+              <a:effectLst/>
+              <a:latin typeface="Arial" charset="0"/>
+            </a:endParaRPr>
+          </a:p>
+        </p:txBody>
+      </p:sp>
+      <p:sp>
+        <p:nvSpPr>
+          <p:cNvPr id="33" name="Rechteck 32">
+            <a:extLst>
+              <a:ext uri="{FF2B5EF4-FFF2-40B4-BE49-F238E27FC236}">
+                <a16:creationId xmlns:a16="http://schemas.microsoft.com/office/drawing/2014/main" id="{FEB97A2F-C3BA-B3BD-0B2A-3C71097913F8}"/>
+              </a:ext>
+            </a:extLst>
+          </p:cNvPr>
+          <p:cNvSpPr/>
+          <p:nvPr/>
+        </p:nvSpPr>
+        <p:spPr bwMode="auto">
+          <a:xfrm>
+            <a:off x="2522158" y="5380696"/>
+            <a:ext cx="423664" cy="423664"/>
+          </a:xfrm>
+          <a:prstGeom prst="rect">
+            <a:avLst/>
+          </a:prstGeom>
+          <a:ln w="57150">
+            <a:solidFill>
+              <a:schemeClr val="tx2"/>
+            </a:solidFill>
+            <a:headEnd type="none" w="med" len="med"/>
+            <a:tailEnd type="none" w="med" len="med"/>
+          </a:ln>
+        </p:spPr>
+        <p:style>
+          <a:lnRef idx="2">
+            <a:schemeClr val="dk1"/>
+          </a:lnRef>
+          <a:fillRef idx="1">
+            <a:schemeClr val="lt1"/>
+          </a:fillRef>
+          <a:effectRef idx="0">
+            <a:schemeClr val="dk1"/>
+          </a:effectRef>
+          <a:fontRef idx="minor">
+            <a:schemeClr val="dk1"/>
+          </a:fontRef>
+        </p:style>
+        <p:txBody>
+          <a:bodyPr vert="horz" wrap="square" lIns="91440" tIns="45720" rIns="91440" bIns="45720" numCol="1" rtlCol="0" anchor="t" anchorCtr="0" compatLnSpc="1">
+            <a:prstTxWarp prst="textNoShape">
+              <a:avLst/>
+            </a:prstTxWarp>
+          </a:bodyPr>
+          <a:lstStyle/>
+          <a:p>
+            <a:pPr marL="0" marR="0" indent="0" algn="l" defTabSz="914400" rtl="0" eaLnBrk="0" fontAlgn="base" latinLnBrk="0" hangingPunct="0">
+              <a:lnSpc>
+                <a:spcPct val="100000"/>
+              </a:lnSpc>
+              <a:spcBef>
+                <a:spcPct val="0"/>
+              </a:spcBef>
+              <a:spcAft>
+                <a:spcPct val="0"/>
+              </a:spcAft>
+              <a:buClrTx/>
+              <a:buSzTx/>
+              <a:buFontTx/>
+              <a:buNone/>
+              <a:tabLst/>
+            </a:pPr>
+            <a:endParaRPr kumimoji="0" lang="de-DE" sz="2000" b="0" i="0" u="none" strike="noStrike" cap="none" normalizeH="0" baseline="0" dirty="0">
+              <a:ln>
+                <a:noFill/>
+              </a:ln>
+              <a:solidFill>
+                <a:schemeClr val="tx1"/>
+              </a:solidFill>
+              <a:effectLst/>
+              <a:latin typeface="Arial" charset="0"/>
+            </a:endParaRPr>
+          </a:p>
+        </p:txBody>
+      </p:sp>
+      <p:sp>
+        <p:nvSpPr>
+          <p:cNvPr id="34" name="Rechteck 33">
+            <a:extLst>
+              <a:ext uri="{FF2B5EF4-FFF2-40B4-BE49-F238E27FC236}">
+                <a16:creationId xmlns:a16="http://schemas.microsoft.com/office/drawing/2014/main" id="{ADED8354-B329-1D84-9704-7A59ADF783C3}"/>
+              </a:ext>
+            </a:extLst>
+          </p:cNvPr>
+          <p:cNvSpPr/>
+          <p:nvPr/>
+        </p:nvSpPr>
+        <p:spPr bwMode="auto">
+          <a:xfrm>
+            <a:off x="3589165" y="4210258"/>
+            <a:ext cx="1684413" cy="1728192"/>
+          </a:xfrm>
+          <a:prstGeom prst="rect">
+            <a:avLst/>
+          </a:prstGeom>
+          <a:ln w="57150">
+            <a:solidFill>
+              <a:schemeClr val="tx2"/>
+            </a:solidFill>
+            <a:headEnd type="none" w="med" len="med"/>
+            <a:tailEnd type="none" w="med" len="med"/>
+          </a:ln>
+        </p:spPr>
+        <p:style>
+          <a:lnRef idx="2">
+            <a:schemeClr val="dk1"/>
+          </a:lnRef>
+          <a:fillRef idx="1">
+            <a:schemeClr val="lt1"/>
+          </a:fillRef>
+          <a:effectRef idx="0">
+            <a:schemeClr val="dk1"/>
+          </a:effectRef>
+          <a:fontRef idx="minor">
+            <a:schemeClr val="dk1"/>
+          </a:fontRef>
+        </p:style>
+        <p:txBody>
+          <a:bodyPr vert="horz" wrap="square" lIns="91440" tIns="45720" rIns="91440" bIns="45720" numCol="1" rtlCol="0" anchor="t" anchorCtr="0" compatLnSpc="1">
+            <a:prstTxWarp prst="textNoShape">
+              <a:avLst/>
+            </a:prstTxWarp>
+          </a:bodyPr>
+          <a:lstStyle/>
+          <a:p>
+            <a:pPr marL="0" marR="0" indent="0" algn="l" defTabSz="914400" rtl="0" eaLnBrk="0" fontAlgn="base" latinLnBrk="0" hangingPunct="0">
+              <a:lnSpc>
+                <a:spcPct val="100000"/>
+              </a:lnSpc>
+              <a:spcBef>
+                <a:spcPct val="0"/>
+              </a:spcBef>
+              <a:spcAft>
+                <a:spcPct val="0"/>
+              </a:spcAft>
+              <a:buClrTx/>
+              <a:buSzTx/>
+              <a:buFontTx/>
+              <a:buNone/>
+              <a:tabLst/>
+            </a:pPr>
+            <a:endParaRPr kumimoji="0" lang="de-DE" sz="2000" b="0" i="0" u="none" strike="noStrike" cap="none" normalizeH="0" baseline="0">
+              <a:ln>
+                <a:noFill/>
+              </a:ln>
+              <a:solidFill>
+                <a:schemeClr val="tx1"/>
+              </a:solidFill>
+              <a:effectLst/>
+              <a:latin typeface="Arial" charset="0"/>
+            </a:endParaRPr>
+          </a:p>
+        </p:txBody>
+      </p:sp>
+      <p:sp>
+        <p:nvSpPr>
+          <p:cNvPr id="35" name="Rechteck 34">
+            <a:extLst>
+              <a:ext uri="{FF2B5EF4-FFF2-40B4-BE49-F238E27FC236}">
+                <a16:creationId xmlns:a16="http://schemas.microsoft.com/office/drawing/2014/main" id="{30E1F43E-85DC-5036-E9F5-9FAB0B554D2B}"/>
+              </a:ext>
+            </a:extLst>
+          </p:cNvPr>
+          <p:cNvSpPr/>
+          <p:nvPr/>
+        </p:nvSpPr>
+        <p:spPr bwMode="auto">
+          <a:xfrm>
+            <a:off x="3697786" y="4341426"/>
+            <a:ext cx="423664" cy="423664"/>
+          </a:xfrm>
+          <a:prstGeom prst="rect">
+            <a:avLst/>
+          </a:prstGeom>
+          <a:ln w="57150">
+            <a:solidFill>
+              <a:schemeClr val="tx2"/>
+            </a:solidFill>
+            <a:headEnd type="none" w="med" len="med"/>
+            <a:tailEnd type="none" w="med" len="med"/>
+          </a:ln>
+        </p:spPr>
+        <p:style>
+          <a:lnRef idx="2">
+            <a:schemeClr val="dk1"/>
+          </a:lnRef>
+          <a:fillRef idx="1">
+            <a:schemeClr val="lt1"/>
+          </a:fillRef>
+          <a:effectRef idx="0">
+            <a:schemeClr val="dk1"/>
+          </a:effectRef>
+          <a:fontRef idx="minor">
+            <a:schemeClr val="dk1"/>
+          </a:fontRef>
+        </p:style>
+        <p:txBody>
+          <a:bodyPr vert="horz" wrap="square" lIns="91440" tIns="45720" rIns="91440" bIns="45720" numCol="1" rtlCol="0" anchor="t" anchorCtr="0" compatLnSpc="1">
+            <a:prstTxWarp prst="textNoShape">
+              <a:avLst/>
+            </a:prstTxWarp>
+          </a:bodyPr>
+          <a:lstStyle/>
+          <a:p>
+            <a:pPr marL="0" marR="0" indent="0" algn="l" defTabSz="914400" rtl="0" eaLnBrk="0" fontAlgn="base" latinLnBrk="0" hangingPunct="0">
+              <a:lnSpc>
+                <a:spcPct val="100000"/>
+              </a:lnSpc>
+              <a:spcBef>
+                <a:spcPct val="0"/>
+              </a:spcBef>
+              <a:spcAft>
+                <a:spcPct val="0"/>
+              </a:spcAft>
+              <a:buClrTx/>
+              <a:buSzTx/>
+              <a:buFontTx/>
+              <a:buNone/>
+              <a:tabLst/>
+            </a:pPr>
+            <a:endParaRPr kumimoji="0" lang="de-DE" sz="2000" b="0" i="0" u="none" strike="noStrike" cap="none" normalizeH="0" baseline="0">
+              <a:ln>
+                <a:noFill/>
+              </a:ln>
+              <a:solidFill>
+                <a:schemeClr val="tx1"/>
+              </a:solidFill>
+              <a:effectLst/>
+              <a:latin typeface="Arial" charset="0"/>
+            </a:endParaRPr>
+          </a:p>
+        </p:txBody>
+      </p:sp>
+      <p:sp>
+        <p:nvSpPr>
+          <p:cNvPr id="36" name="Rechteck 35">
+            <a:extLst>
+              <a:ext uri="{FF2B5EF4-FFF2-40B4-BE49-F238E27FC236}">
+                <a16:creationId xmlns:a16="http://schemas.microsoft.com/office/drawing/2014/main" id="{5A9CAF95-8A01-784C-4529-1D796F779328}"/>
+              </a:ext>
+            </a:extLst>
+          </p:cNvPr>
+          <p:cNvSpPr/>
+          <p:nvPr/>
+        </p:nvSpPr>
+        <p:spPr bwMode="auto">
+          <a:xfrm>
+            <a:off x="4221480" y="4333688"/>
+            <a:ext cx="423664" cy="423664"/>
+          </a:xfrm>
+          <a:prstGeom prst="rect">
+            <a:avLst/>
+          </a:prstGeom>
+          <a:ln w="57150">
+            <a:solidFill>
+              <a:schemeClr val="tx2"/>
+            </a:solidFill>
+            <a:headEnd type="none" w="med" len="med"/>
+            <a:tailEnd type="none" w="med" len="med"/>
+          </a:ln>
+        </p:spPr>
+        <p:style>
+          <a:lnRef idx="2">
+            <a:schemeClr val="dk1"/>
+          </a:lnRef>
+          <a:fillRef idx="1">
+            <a:schemeClr val="lt1"/>
+          </a:fillRef>
+          <a:effectRef idx="0">
+            <a:schemeClr val="dk1"/>
+          </a:effectRef>
+          <a:fontRef idx="minor">
+            <a:schemeClr val="dk1"/>
+          </a:fontRef>
+        </p:style>
+        <p:txBody>
+          <a:bodyPr vert="horz" wrap="square" lIns="91440" tIns="45720" rIns="91440" bIns="45720" numCol="1" rtlCol="0" anchor="t" anchorCtr="0" compatLnSpc="1">
+            <a:prstTxWarp prst="textNoShape">
+              <a:avLst/>
+            </a:prstTxWarp>
+          </a:bodyPr>
+          <a:lstStyle/>
+          <a:p>
+            <a:pPr marL="0" marR="0" indent="0" algn="l" defTabSz="914400" rtl="0" eaLnBrk="0" fontAlgn="base" latinLnBrk="0" hangingPunct="0">
+              <a:lnSpc>
+                <a:spcPct val="100000"/>
+              </a:lnSpc>
+              <a:spcBef>
+                <a:spcPct val="0"/>
+              </a:spcBef>
+              <a:spcAft>
+                <a:spcPct val="0"/>
+              </a:spcAft>
+              <a:buClrTx/>
+              <a:buSzTx/>
+              <a:buFontTx/>
+              <a:buNone/>
+              <a:tabLst/>
+            </a:pPr>
+            <a:endParaRPr kumimoji="0" lang="de-DE" sz="2000" b="0" i="0" u="none" strike="noStrike" cap="none" normalizeH="0" baseline="0">
+              <a:ln>
+                <a:noFill/>
+              </a:ln>
+              <a:solidFill>
+                <a:schemeClr val="tx1"/>
+              </a:solidFill>
+              <a:effectLst/>
+              <a:latin typeface="Arial" charset="0"/>
+            </a:endParaRPr>
+          </a:p>
+        </p:txBody>
+      </p:sp>
+      <p:sp>
+        <p:nvSpPr>
+          <p:cNvPr id="37" name="Rechteck 36">
+            <a:extLst>
+              <a:ext uri="{FF2B5EF4-FFF2-40B4-BE49-F238E27FC236}">
+                <a16:creationId xmlns:a16="http://schemas.microsoft.com/office/drawing/2014/main" id="{20D242BF-45EE-A95E-D337-3A6035196ACF}"/>
+              </a:ext>
+            </a:extLst>
+          </p:cNvPr>
+          <p:cNvSpPr/>
+          <p:nvPr/>
+        </p:nvSpPr>
+        <p:spPr bwMode="auto">
+          <a:xfrm>
+            <a:off x="4753765" y="4341611"/>
+            <a:ext cx="423664" cy="423664"/>
+          </a:xfrm>
+          <a:prstGeom prst="rect">
+            <a:avLst/>
+          </a:prstGeom>
+          <a:ln w="57150">
+            <a:solidFill>
+              <a:schemeClr val="tx2"/>
+            </a:solidFill>
+            <a:headEnd type="none" w="med" len="med"/>
+            <a:tailEnd type="none" w="med" len="med"/>
+          </a:ln>
+        </p:spPr>
+        <p:style>
+          <a:lnRef idx="2">
+            <a:schemeClr val="dk1"/>
+          </a:lnRef>
+          <a:fillRef idx="1">
+            <a:schemeClr val="lt1"/>
+          </a:fillRef>
+          <a:effectRef idx="0">
+            <a:schemeClr val="dk1"/>
+          </a:effectRef>
+          <a:fontRef idx="minor">
+            <a:schemeClr val="dk1"/>
+          </a:fontRef>
+        </p:style>
+        <p:txBody>
+          <a:bodyPr vert="horz" wrap="square" lIns="91440" tIns="45720" rIns="91440" bIns="45720" numCol="1" rtlCol="0" anchor="t" anchorCtr="0" compatLnSpc="1">
+            <a:prstTxWarp prst="textNoShape">
+              <a:avLst/>
+            </a:prstTxWarp>
+          </a:bodyPr>
+          <a:lstStyle/>
+          <a:p>
+            <a:pPr marL="0" marR="0" indent="0" algn="l" defTabSz="914400" rtl="0" eaLnBrk="0" fontAlgn="base" latinLnBrk="0" hangingPunct="0">
+              <a:lnSpc>
+                <a:spcPct val="100000"/>
+              </a:lnSpc>
+              <a:spcBef>
+                <a:spcPct val="0"/>
+              </a:spcBef>
+              <a:spcAft>
+                <a:spcPct val="0"/>
+              </a:spcAft>
+              <a:buClrTx/>
+              <a:buSzTx/>
+              <a:buFontTx/>
+              <a:buNone/>
+              <a:tabLst/>
+            </a:pPr>
+            <a:endParaRPr kumimoji="0" lang="de-DE" sz="2000" b="0" i="0" u="none" strike="noStrike" cap="none" normalizeH="0" baseline="0" dirty="0">
+              <a:ln>
+                <a:noFill/>
+              </a:ln>
+              <a:solidFill>
+                <a:schemeClr val="tx1"/>
+              </a:solidFill>
+              <a:effectLst/>
+              <a:latin typeface="Arial" charset="0"/>
+            </a:endParaRPr>
+          </a:p>
+        </p:txBody>
+      </p:sp>
+      <p:sp>
+        <p:nvSpPr>
+          <p:cNvPr id="38" name="Rechteck 37">
+            <a:extLst>
+              <a:ext uri="{FF2B5EF4-FFF2-40B4-BE49-F238E27FC236}">
+                <a16:creationId xmlns:a16="http://schemas.microsoft.com/office/drawing/2014/main" id="{66C52572-6AEC-B9FD-F907-C6221113512C}"/>
+              </a:ext>
+            </a:extLst>
+          </p:cNvPr>
+          <p:cNvSpPr/>
+          <p:nvPr/>
+        </p:nvSpPr>
+        <p:spPr bwMode="auto">
+          <a:xfrm>
+            <a:off x="3689195" y="4861061"/>
+            <a:ext cx="423664" cy="423664"/>
+          </a:xfrm>
+          <a:prstGeom prst="rect">
+            <a:avLst/>
+          </a:prstGeom>
+          <a:ln w="57150">
+            <a:solidFill>
+              <a:schemeClr val="tx2"/>
+            </a:solidFill>
+            <a:headEnd type="none" w="med" len="med"/>
+            <a:tailEnd type="none" w="med" len="med"/>
+          </a:ln>
+        </p:spPr>
+        <p:style>
+          <a:lnRef idx="2">
+            <a:schemeClr val="dk1"/>
+          </a:lnRef>
+          <a:fillRef idx="1">
+            <a:schemeClr val="lt1"/>
+          </a:fillRef>
+          <a:effectRef idx="0">
+            <a:schemeClr val="dk1"/>
+          </a:effectRef>
+          <a:fontRef idx="minor">
+            <a:schemeClr val="dk1"/>
+          </a:fontRef>
+        </p:style>
+        <p:txBody>
+          <a:bodyPr vert="horz" wrap="square" lIns="91440" tIns="45720" rIns="91440" bIns="45720" numCol="1" rtlCol="0" anchor="t" anchorCtr="0" compatLnSpc="1">
+            <a:prstTxWarp prst="textNoShape">
+              <a:avLst/>
+            </a:prstTxWarp>
+          </a:bodyPr>
+          <a:lstStyle/>
+          <a:p>
+            <a:pPr marL="0" marR="0" indent="0" algn="l" defTabSz="914400" rtl="0" eaLnBrk="0" fontAlgn="base" latinLnBrk="0" hangingPunct="0">
+              <a:lnSpc>
+                <a:spcPct val="100000"/>
+              </a:lnSpc>
+              <a:spcBef>
+                <a:spcPct val="0"/>
+              </a:spcBef>
+              <a:spcAft>
+                <a:spcPct val="0"/>
+              </a:spcAft>
+              <a:buClrTx/>
+              <a:buSzTx/>
+              <a:buFontTx/>
+              <a:buNone/>
+              <a:tabLst/>
+            </a:pPr>
+            <a:endParaRPr kumimoji="0" lang="de-DE" sz="2000" b="0" i="0" u="none" strike="noStrike" cap="none" normalizeH="0" baseline="0" dirty="0">
+              <a:ln>
+                <a:noFill/>
+              </a:ln>
+              <a:solidFill>
+                <a:schemeClr val="tx1"/>
+              </a:solidFill>
+              <a:effectLst/>
+              <a:latin typeface="Arial" charset="0"/>
+            </a:endParaRPr>
+          </a:p>
+        </p:txBody>
+      </p:sp>
+      <p:sp>
+        <p:nvSpPr>
+          <p:cNvPr id="39" name="Rechteck 38">
+            <a:extLst>
+              <a:ext uri="{FF2B5EF4-FFF2-40B4-BE49-F238E27FC236}">
+                <a16:creationId xmlns:a16="http://schemas.microsoft.com/office/drawing/2014/main" id="{4E6A7424-372C-BB7F-049B-A8227C5AE49E}"/>
+              </a:ext>
+            </a:extLst>
+          </p:cNvPr>
+          <p:cNvSpPr/>
+          <p:nvPr/>
+        </p:nvSpPr>
+        <p:spPr bwMode="auto">
+          <a:xfrm>
+            <a:off x="3689195" y="5380696"/>
+            <a:ext cx="423664" cy="423664"/>
+          </a:xfrm>
+          <a:prstGeom prst="rect">
+            <a:avLst/>
+          </a:prstGeom>
+          <a:ln w="57150">
+            <a:solidFill>
+              <a:schemeClr val="tx2"/>
+            </a:solidFill>
+            <a:headEnd type="none" w="med" len="med"/>
+            <a:tailEnd type="none" w="med" len="med"/>
+          </a:ln>
+        </p:spPr>
+        <p:style>
+          <a:lnRef idx="2">
+            <a:schemeClr val="dk1"/>
+          </a:lnRef>
+          <a:fillRef idx="1">
+            <a:schemeClr val="lt1"/>
+          </a:fillRef>
+          <a:effectRef idx="0">
+            <a:schemeClr val="dk1"/>
+          </a:effectRef>
+          <a:fontRef idx="minor">
+            <a:schemeClr val="dk1"/>
+          </a:fontRef>
+        </p:style>
+        <p:txBody>
+          <a:bodyPr vert="horz" wrap="square" lIns="91440" tIns="45720" rIns="91440" bIns="45720" numCol="1" rtlCol="0" anchor="t" anchorCtr="0" compatLnSpc="1">
+            <a:prstTxWarp prst="textNoShape">
+              <a:avLst/>
+            </a:prstTxWarp>
+          </a:bodyPr>
+          <a:lstStyle/>
+          <a:p>
+            <a:pPr marL="0" marR="0" indent="0" algn="l" defTabSz="914400" rtl="0" eaLnBrk="0" fontAlgn="base" latinLnBrk="0" hangingPunct="0">
+              <a:lnSpc>
+                <a:spcPct val="100000"/>
+              </a:lnSpc>
+              <a:spcBef>
+                <a:spcPct val="0"/>
+              </a:spcBef>
+              <a:spcAft>
+                <a:spcPct val="0"/>
+              </a:spcAft>
+              <a:buClrTx/>
+              <a:buSzTx/>
+              <a:buFontTx/>
+              <a:buNone/>
+              <a:tabLst/>
+            </a:pPr>
+            <a:endParaRPr kumimoji="0" lang="de-DE" sz="2000" b="0" i="0" u="none" strike="noStrike" cap="none" normalizeH="0" baseline="0">
+              <a:ln>
+                <a:noFill/>
+              </a:ln>
+              <a:solidFill>
+                <a:schemeClr val="tx1"/>
+              </a:solidFill>
+              <a:effectLst/>
+              <a:latin typeface="Arial" charset="0"/>
+            </a:endParaRPr>
+          </a:p>
+        </p:txBody>
+      </p:sp>
+      <p:sp>
+        <p:nvSpPr>
+          <p:cNvPr id="40" name="Rechteck 39">
+            <a:extLst>
+              <a:ext uri="{FF2B5EF4-FFF2-40B4-BE49-F238E27FC236}">
+                <a16:creationId xmlns:a16="http://schemas.microsoft.com/office/drawing/2014/main" id="{AB4B7953-5942-A333-32ED-F8B0A3665726}"/>
+              </a:ext>
+            </a:extLst>
+          </p:cNvPr>
+          <p:cNvSpPr/>
+          <p:nvPr/>
+        </p:nvSpPr>
+        <p:spPr bwMode="auto">
+          <a:xfrm>
+            <a:off x="4221480" y="4861061"/>
+            <a:ext cx="423664" cy="423664"/>
+          </a:xfrm>
+          <a:prstGeom prst="rect">
+            <a:avLst/>
+          </a:prstGeom>
+          <a:ln w="57150">
+            <a:solidFill>
+              <a:schemeClr val="tx2"/>
+            </a:solidFill>
+            <a:headEnd type="none" w="med" len="med"/>
+            <a:tailEnd type="none" w="med" len="med"/>
+          </a:ln>
+        </p:spPr>
+        <p:style>
+          <a:lnRef idx="2">
+            <a:schemeClr val="dk1"/>
+          </a:lnRef>
+          <a:fillRef idx="1">
+            <a:schemeClr val="lt1"/>
+          </a:fillRef>
+          <a:effectRef idx="0">
+            <a:schemeClr val="dk1"/>
+          </a:effectRef>
+          <a:fontRef idx="minor">
+            <a:schemeClr val="dk1"/>
+          </a:fontRef>
+        </p:style>
+        <p:txBody>
+          <a:bodyPr vert="horz" wrap="square" lIns="91440" tIns="45720" rIns="91440" bIns="45720" numCol="1" rtlCol="0" anchor="t" anchorCtr="0" compatLnSpc="1">
+            <a:prstTxWarp prst="textNoShape">
+              <a:avLst/>
+            </a:prstTxWarp>
+          </a:bodyPr>
+          <a:lstStyle/>
+          <a:p>
+            <a:pPr marL="0" marR="0" indent="0" algn="l" defTabSz="914400" rtl="0" eaLnBrk="0" fontAlgn="base" latinLnBrk="0" hangingPunct="0">
+              <a:lnSpc>
+                <a:spcPct val="100000"/>
+              </a:lnSpc>
+              <a:spcBef>
+                <a:spcPct val="0"/>
+              </a:spcBef>
+              <a:spcAft>
+                <a:spcPct val="0"/>
+              </a:spcAft>
+              <a:buClrTx/>
+              <a:buSzTx/>
+              <a:buFontTx/>
+              <a:buNone/>
+              <a:tabLst/>
+            </a:pPr>
+            <a:endParaRPr kumimoji="0" lang="de-DE" sz="2000" b="0" i="0" u="none" strike="noStrike" cap="none" normalizeH="0" baseline="0" dirty="0">
+              <a:ln>
+                <a:noFill/>
+              </a:ln>
+              <a:solidFill>
+                <a:schemeClr val="tx1"/>
+              </a:solidFill>
+              <a:effectLst/>
+              <a:latin typeface="Arial" charset="0"/>
+            </a:endParaRPr>
+          </a:p>
+        </p:txBody>
+      </p:sp>
+      <p:sp>
+        <p:nvSpPr>
+          <p:cNvPr id="41" name="Rechteck 40">
+            <a:extLst>
+              <a:ext uri="{FF2B5EF4-FFF2-40B4-BE49-F238E27FC236}">
+                <a16:creationId xmlns:a16="http://schemas.microsoft.com/office/drawing/2014/main" id="{DB1A2CCD-90CC-7CE2-3F7F-B176415E95C1}"/>
+              </a:ext>
+            </a:extLst>
+          </p:cNvPr>
+          <p:cNvSpPr/>
+          <p:nvPr/>
+        </p:nvSpPr>
+        <p:spPr bwMode="auto">
+          <a:xfrm>
+            <a:off x="4219539" y="5376691"/>
+            <a:ext cx="423664" cy="423664"/>
+          </a:xfrm>
+          <a:prstGeom prst="rect">
+            <a:avLst/>
+          </a:prstGeom>
+          <a:ln w="57150">
+            <a:solidFill>
+              <a:schemeClr val="tx2"/>
+            </a:solidFill>
+            <a:headEnd type="none" w="med" len="med"/>
+            <a:tailEnd type="none" w="med" len="med"/>
+          </a:ln>
+        </p:spPr>
+        <p:style>
+          <a:lnRef idx="2">
+            <a:schemeClr val="dk1"/>
+          </a:lnRef>
+          <a:fillRef idx="1">
+            <a:schemeClr val="lt1"/>
+          </a:fillRef>
+          <a:effectRef idx="0">
+            <a:schemeClr val="dk1"/>
+          </a:effectRef>
+          <a:fontRef idx="minor">
+            <a:schemeClr val="dk1"/>
+          </a:fontRef>
+        </p:style>
+        <p:txBody>
+          <a:bodyPr vert="horz" wrap="square" lIns="91440" tIns="45720" rIns="91440" bIns="45720" numCol="1" rtlCol="0" anchor="t" anchorCtr="0" compatLnSpc="1">
+            <a:prstTxWarp prst="textNoShape">
+              <a:avLst/>
+            </a:prstTxWarp>
+          </a:bodyPr>
+          <a:lstStyle/>
+          <a:p>
+            <a:pPr marL="0" marR="0" indent="0" algn="l" defTabSz="914400" rtl="0" eaLnBrk="0" fontAlgn="base" latinLnBrk="0" hangingPunct="0">
+              <a:lnSpc>
+                <a:spcPct val="100000"/>
+              </a:lnSpc>
+              <a:spcBef>
+                <a:spcPct val="0"/>
+              </a:spcBef>
+              <a:spcAft>
+                <a:spcPct val="0"/>
+              </a:spcAft>
+              <a:buClrTx/>
+              <a:buSzTx/>
+              <a:buFontTx/>
+              <a:buNone/>
+              <a:tabLst/>
+            </a:pPr>
+            <a:endParaRPr kumimoji="0" lang="de-DE" sz="2000" b="0" i="0" u="none" strike="noStrike" cap="none" normalizeH="0" baseline="0" dirty="0">
+              <a:ln>
+                <a:noFill/>
+              </a:ln>
+              <a:solidFill>
+                <a:schemeClr val="tx1"/>
+              </a:solidFill>
+              <a:effectLst/>
+              <a:latin typeface="Arial" charset="0"/>
+            </a:endParaRPr>
+          </a:p>
+        </p:txBody>
+      </p:sp>
+      <p:sp>
+        <p:nvSpPr>
+          <p:cNvPr id="42" name="Rechteck 41">
+            <a:extLst>
+              <a:ext uri="{FF2B5EF4-FFF2-40B4-BE49-F238E27FC236}">
+                <a16:creationId xmlns:a16="http://schemas.microsoft.com/office/drawing/2014/main" id="{1C0605E1-ECCD-83F7-893F-EED79393C817}"/>
+              </a:ext>
+            </a:extLst>
+          </p:cNvPr>
+          <p:cNvSpPr/>
+          <p:nvPr/>
+        </p:nvSpPr>
+        <p:spPr bwMode="auto">
+          <a:xfrm>
+            <a:off x="4753765" y="4861061"/>
+            <a:ext cx="423664" cy="423664"/>
+          </a:xfrm>
+          <a:prstGeom prst="rect">
+            <a:avLst/>
+          </a:prstGeom>
+          <a:ln w="57150">
+            <a:solidFill>
+              <a:schemeClr val="tx2"/>
+            </a:solidFill>
+            <a:headEnd type="none" w="med" len="med"/>
+            <a:tailEnd type="none" w="med" len="med"/>
+          </a:ln>
+        </p:spPr>
+        <p:style>
+          <a:lnRef idx="2">
+            <a:schemeClr val="dk1"/>
+          </a:lnRef>
+          <a:fillRef idx="1">
+            <a:schemeClr val="lt1"/>
+          </a:fillRef>
+          <a:effectRef idx="0">
+            <a:schemeClr val="dk1"/>
+          </a:effectRef>
+          <a:fontRef idx="minor">
+            <a:schemeClr val="dk1"/>
+          </a:fontRef>
+        </p:style>
+        <p:txBody>
+          <a:bodyPr vert="horz" wrap="square" lIns="91440" tIns="45720" rIns="91440" bIns="45720" numCol="1" rtlCol="0" anchor="t" anchorCtr="0" compatLnSpc="1">
+            <a:prstTxWarp prst="textNoShape">
+              <a:avLst/>
+            </a:prstTxWarp>
+          </a:bodyPr>
+          <a:lstStyle/>
+          <a:p>
+            <a:pPr marL="0" marR="0" indent="0" algn="l" defTabSz="914400" rtl="0" eaLnBrk="0" fontAlgn="base" latinLnBrk="0" hangingPunct="0">
+              <a:lnSpc>
+                <a:spcPct val="100000"/>
+              </a:lnSpc>
+              <a:spcBef>
+                <a:spcPct val="0"/>
+              </a:spcBef>
+              <a:spcAft>
+                <a:spcPct val="0"/>
+              </a:spcAft>
+              <a:buClrTx/>
+              <a:buSzTx/>
+              <a:buFontTx/>
+              <a:buNone/>
+              <a:tabLst/>
+            </a:pPr>
+            <a:endParaRPr kumimoji="0" lang="de-DE" sz="2000" b="0" i="0" u="none" strike="noStrike" cap="none" normalizeH="0" baseline="0" dirty="0">
+              <a:ln>
+                <a:noFill/>
+              </a:ln>
+              <a:solidFill>
+                <a:schemeClr val="tx1"/>
+              </a:solidFill>
+              <a:effectLst/>
+              <a:latin typeface="Arial" charset="0"/>
+            </a:endParaRPr>
+          </a:p>
+        </p:txBody>
+      </p:sp>
+      <p:sp>
+        <p:nvSpPr>
+          <p:cNvPr id="43" name="Rechteck 42">
+            <a:extLst>
+              <a:ext uri="{FF2B5EF4-FFF2-40B4-BE49-F238E27FC236}">
+                <a16:creationId xmlns:a16="http://schemas.microsoft.com/office/drawing/2014/main" id="{1CDD5A02-32C2-6D9E-678C-67DC3F12C784}"/>
+              </a:ext>
+            </a:extLst>
+          </p:cNvPr>
+          <p:cNvSpPr/>
+          <p:nvPr/>
+        </p:nvSpPr>
+        <p:spPr bwMode="auto">
+          <a:xfrm>
+            <a:off x="4742737" y="5380696"/>
+            <a:ext cx="423664" cy="423664"/>
+          </a:xfrm>
+          <a:prstGeom prst="rect">
+            <a:avLst/>
+          </a:prstGeom>
+          <a:ln w="57150">
+            <a:solidFill>
+              <a:schemeClr val="tx2"/>
+            </a:solidFill>
+            <a:headEnd type="none" w="med" len="med"/>
+            <a:tailEnd type="none" w="med" len="med"/>
+          </a:ln>
+        </p:spPr>
+        <p:style>
+          <a:lnRef idx="2">
+            <a:schemeClr val="dk1"/>
+          </a:lnRef>
+          <a:fillRef idx="1">
+            <a:schemeClr val="lt1"/>
+          </a:fillRef>
+          <a:effectRef idx="0">
+            <a:schemeClr val="dk1"/>
+          </a:effectRef>
+          <a:fontRef idx="minor">
+            <a:schemeClr val="dk1"/>
+          </a:fontRef>
+        </p:style>
+        <p:txBody>
+          <a:bodyPr vert="horz" wrap="square" lIns="91440" tIns="45720" rIns="91440" bIns="45720" numCol="1" rtlCol="0" anchor="t" anchorCtr="0" compatLnSpc="1">
+            <a:prstTxWarp prst="textNoShape">
+              <a:avLst/>
+            </a:prstTxWarp>
+          </a:bodyPr>
+          <a:lstStyle/>
+          <a:p>
+            <a:pPr marL="0" marR="0" indent="0" algn="l" defTabSz="914400" rtl="0" eaLnBrk="0" fontAlgn="base" latinLnBrk="0" hangingPunct="0">
+              <a:lnSpc>
+                <a:spcPct val="100000"/>
+              </a:lnSpc>
+              <a:spcBef>
+                <a:spcPct val="0"/>
+              </a:spcBef>
+              <a:spcAft>
+                <a:spcPct val="0"/>
+              </a:spcAft>
+              <a:buClrTx/>
+              <a:buSzTx/>
+              <a:buFontTx/>
+              <a:buNone/>
+              <a:tabLst/>
+            </a:pPr>
+            <a:endParaRPr kumimoji="0" lang="de-DE" sz="2000" b="0" i="0" u="none" strike="noStrike" cap="none" normalizeH="0" baseline="0" dirty="0">
+              <a:ln>
+                <a:noFill/>
+              </a:ln>
+              <a:solidFill>
+                <a:schemeClr val="tx1"/>
+              </a:solidFill>
+              <a:effectLst/>
+              <a:latin typeface="Arial" charset="0"/>
+            </a:endParaRPr>
+          </a:p>
+        </p:txBody>
+      </p:sp>
+      <p:sp>
+        <p:nvSpPr>
+          <p:cNvPr id="44" name="Pfeil: nach rechts 43">
+            <a:extLst>
+              <a:ext uri="{FF2B5EF4-FFF2-40B4-BE49-F238E27FC236}">
+                <a16:creationId xmlns:a16="http://schemas.microsoft.com/office/drawing/2014/main" id="{38F9691B-56B3-A030-6D90-921839175032}"/>
+              </a:ext>
+            </a:extLst>
+          </p:cNvPr>
+          <p:cNvSpPr/>
+          <p:nvPr/>
+        </p:nvSpPr>
+        <p:spPr bwMode="auto">
+          <a:xfrm>
+            <a:off x="3178994" y="2565672"/>
+            <a:ext cx="287720" cy="376653"/>
+          </a:xfrm>
+          <a:prstGeom prst="rightArrow">
+            <a:avLst/>
+          </a:prstGeom>
+          <a:ln>
+            <a:headEnd type="none" w="med" len="med"/>
+            <a:tailEnd type="none" w="med" len="med"/>
+          </a:ln>
+        </p:spPr>
+        <p:style>
+          <a:lnRef idx="2">
+            <a:schemeClr val="dk1"/>
+          </a:lnRef>
+          <a:fillRef idx="1">
+            <a:schemeClr val="lt1"/>
+          </a:fillRef>
+          <a:effectRef idx="0">
+            <a:schemeClr val="dk1"/>
+          </a:effectRef>
+          <a:fontRef idx="minor">
+            <a:schemeClr val="dk1"/>
+          </a:fontRef>
+        </p:style>
+        <p:txBody>
+          <a:bodyPr vert="horz" wrap="square" lIns="91440" tIns="45720" rIns="91440" bIns="45720" numCol="1" rtlCol="0" anchor="t" anchorCtr="0" compatLnSpc="1">
+            <a:prstTxWarp prst="textNoShape">
+              <a:avLst/>
+            </a:prstTxWarp>
+          </a:bodyPr>
+          <a:lstStyle/>
+          <a:p>
+            <a:pPr marL="0" marR="0" indent="0" algn="l" defTabSz="914400" rtl="0" eaLnBrk="0" fontAlgn="base" latinLnBrk="0" hangingPunct="0">
+              <a:lnSpc>
+                <a:spcPct val="100000"/>
+              </a:lnSpc>
+              <a:spcBef>
+                <a:spcPct val="0"/>
+              </a:spcBef>
+              <a:spcAft>
+                <a:spcPct val="0"/>
+              </a:spcAft>
+              <a:buClrTx/>
+              <a:buSzTx/>
+              <a:buFontTx/>
+              <a:buNone/>
+              <a:tabLst/>
+            </a:pPr>
+            <a:endParaRPr kumimoji="0" lang="de-DE" sz="2000" b="0" i="0" u="none" strike="noStrike" cap="none" normalizeH="0" baseline="0">
+              <a:ln>
+                <a:noFill/>
+              </a:ln>
+              <a:solidFill>
+                <a:schemeClr val="tx1"/>
+              </a:solidFill>
+              <a:effectLst/>
+              <a:latin typeface="Arial" charset="0"/>
+            </a:endParaRPr>
+          </a:p>
+        </p:txBody>
+      </p:sp>
+      <p:sp>
+        <p:nvSpPr>
+          <p:cNvPr id="55" name="Pfeil: nach rechts 54">
+            <a:extLst>
+              <a:ext uri="{FF2B5EF4-FFF2-40B4-BE49-F238E27FC236}">
+                <a16:creationId xmlns:a16="http://schemas.microsoft.com/office/drawing/2014/main" id="{BECE467E-83A5-782C-498C-9D9DAEECAB0C}"/>
+              </a:ext>
+            </a:extLst>
+          </p:cNvPr>
+          <p:cNvSpPr/>
+          <p:nvPr/>
+        </p:nvSpPr>
+        <p:spPr bwMode="auto">
+          <a:xfrm rot="8448387">
+            <a:off x="3178994" y="3771660"/>
+            <a:ext cx="287720" cy="376653"/>
+          </a:xfrm>
+          <a:prstGeom prst="rightArrow">
+            <a:avLst/>
+          </a:prstGeom>
+          <a:ln>
+            <a:headEnd type="none" w="med" len="med"/>
+            <a:tailEnd type="none" w="med" len="med"/>
+          </a:ln>
+        </p:spPr>
+        <p:style>
+          <a:lnRef idx="2">
+            <a:schemeClr val="dk1"/>
+          </a:lnRef>
+          <a:fillRef idx="1">
+            <a:schemeClr val="lt1"/>
+          </a:fillRef>
+          <a:effectRef idx="0">
+            <a:schemeClr val="dk1"/>
+          </a:effectRef>
+          <a:fontRef idx="minor">
+            <a:schemeClr val="dk1"/>
+          </a:fontRef>
+        </p:style>
+        <p:txBody>
+          <a:bodyPr vert="horz" wrap="square" lIns="91440" tIns="45720" rIns="91440" bIns="45720" numCol="1" rtlCol="0" anchor="t" anchorCtr="0" compatLnSpc="1">
+            <a:prstTxWarp prst="textNoShape">
+              <a:avLst/>
+            </a:prstTxWarp>
+          </a:bodyPr>
+          <a:lstStyle/>
+          <a:p>
+            <a:pPr marL="0" marR="0" indent="0" algn="l" defTabSz="914400" rtl="0" eaLnBrk="0" fontAlgn="base" latinLnBrk="0" hangingPunct="0">
+              <a:lnSpc>
+                <a:spcPct val="100000"/>
+              </a:lnSpc>
+              <a:spcBef>
+                <a:spcPct val="0"/>
+              </a:spcBef>
+              <a:spcAft>
+                <a:spcPct val="0"/>
+              </a:spcAft>
+              <a:buClrTx/>
+              <a:buSzTx/>
+              <a:buFontTx/>
+              <a:buNone/>
+              <a:tabLst/>
+            </a:pPr>
+            <a:endParaRPr kumimoji="0" lang="de-DE" sz="2000" b="0" i="0" u="none" strike="noStrike" cap="none" normalizeH="0" baseline="0">
+              <a:ln>
+                <a:noFill/>
+              </a:ln>
+              <a:solidFill>
+                <a:schemeClr val="tx1"/>
+              </a:solidFill>
+              <a:effectLst/>
+              <a:latin typeface="Arial" charset="0"/>
+            </a:endParaRPr>
+          </a:p>
+        </p:txBody>
+      </p:sp>
+      <p:sp>
+        <p:nvSpPr>
+          <p:cNvPr id="56" name="Pfeil: nach rechts 55">
+            <a:extLst>
+              <a:ext uri="{FF2B5EF4-FFF2-40B4-BE49-F238E27FC236}">
+                <a16:creationId xmlns:a16="http://schemas.microsoft.com/office/drawing/2014/main" id="{ED533B24-5E7F-C535-EF0D-36868D26AABC}"/>
+              </a:ext>
+            </a:extLst>
+          </p:cNvPr>
+          <p:cNvSpPr/>
+          <p:nvPr/>
+        </p:nvSpPr>
+        <p:spPr bwMode="auto">
+          <a:xfrm>
+            <a:off x="3203305" y="4861061"/>
+            <a:ext cx="287720" cy="376653"/>
+          </a:xfrm>
+          <a:prstGeom prst="rightArrow">
+            <a:avLst/>
+          </a:prstGeom>
+          <a:ln>
+            <a:headEnd type="none" w="med" len="med"/>
+            <a:tailEnd type="none" w="med" len="med"/>
+          </a:ln>
+        </p:spPr>
+        <p:style>
+          <a:lnRef idx="2">
+            <a:schemeClr val="dk1"/>
+          </a:lnRef>
+          <a:fillRef idx="1">
+            <a:schemeClr val="lt1"/>
+          </a:fillRef>
+          <a:effectRef idx="0">
+            <a:schemeClr val="dk1"/>
+          </a:effectRef>
+          <a:fontRef idx="minor">
+            <a:schemeClr val="dk1"/>
+          </a:fontRef>
+        </p:style>
+        <p:txBody>
+          <a:bodyPr vert="horz" wrap="square" lIns="91440" tIns="45720" rIns="91440" bIns="45720" numCol="1" rtlCol="0" anchor="t" anchorCtr="0" compatLnSpc="1">
+            <a:prstTxWarp prst="textNoShape">
+              <a:avLst/>
+            </a:prstTxWarp>
+          </a:bodyPr>
+          <a:lstStyle/>
+          <a:p>
+            <a:pPr marL="0" marR="0" indent="0" algn="l" defTabSz="914400" rtl="0" eaLnBrk="0" fontAlgn="base" latinLnBrk="0" hangingPunct="0">
+              <a:lnSpc>
+                <a:spcPct val="100000"/>
+              </a:lnSpc>
+              <a:spcBef>
+                <a:spcPct val="0"/>
+              </a:spcBef>
+              <a:spcAft>
+                <a:spcPct val="0"/>
+              </a:spcAft>
+              <a:buClrTx/>
+              <a:buSzTx/>
+              <a:buFontTx/>
+              <a:buNone/>
+              <a:tabLst/>
+            </a:pPr>
+            <a:endParaRPr kumimoji="0" lang="de-DE" sz="2000" b="0" i="0" u="none" strike="noStrike" cap="none" normalizeH="0" baseline="0">
+              <a:ln>
+                <a:noFill/>
+              </a:ln>
+              <a:solidFill>
+                <a:schemeClr val="tx1"/>
+              </a:solidFill>
+              <a:effectLst/>
+              <a:latin typeface="Arial" charset="0"/>
+            </a:endParaRPr>
+          </a:p>
+        </p:txBody>
+      </p:sp>
+      <p:sp>
+        <p:nvSpPr>
+          <p:cNvPr id="57" name="Multiplikationszeichen 56">
+            <a:extLst>
+              <a:ext uri="{FF2B5EF4-FFF2-40B4-BE49-F238E27FC236}">
+                <a16:creationId xmlns:a16="http://schemas.microsoft.com/office/drawing/2014/main" id="{464DCD99-0575-2516-4C09-58BC67F0DD8B}"/>
+              </a:ext>
+            </a:extLst>
+          </p:cNvPr>
+          <p:cNvSpPr/>
+          <p:nvPr/>
+        </p:nvSpPr>
+        <p:spPr bwMode="auto">
+          <a:xfrm>
+            <a:off x="1479148" y="2046222"/>
+            <a:ext cx="413132" cy="415741"/>
+          </a:xfrm>
+          <a:prstGeom prst="mathMultiply">
+            <a:avLst/>
+          </a:prstGeom>
+          <a:ln>
+            <a:headEnd type="none" w="med" len="med"/>
+            <a:tailEnd type="none" w="med" len="med"/>
+          </a:ln>
+        </p:spPr>
+        <p:style>
+          <a:lnRef idx="2">
+            <a:schemeClr val="dk1"/>
+          </a:lnRef>
+          <a:fillRef idx="1">
+            <a:schemeClr val="lt1"/>
+          </a:fillRef>
+          <a:effectRef idx="0">
+            <a:schemeClr val="dk1"/>
+          </a:effectRef>
+          <a:fontRef idx="minor">
+            <a:schemeClr val="dk1"/>
+          </a:fontRef>
+        </p:style>
+        <p:txBody>
+          <a:bodyPr vert="horz" wrap="square" lIns="91440" tIns="45720" rIns="91440" bIns="45720" numCol="1" rtlCol="0" anchor="t" anchorCtr="0" compatLnSpc="1">
+            <a:prstTxWarp prst="textNoShape">
+              <a:avLst/>
+            </a:prstTxWarp>
+          </a:bodyPr>
+          <a:lstStyle/>
+          <a:p>
+            <a:pPr marL="0" marR="0" indent="0" algn="l" defTabSz="914400" rtl="0" eaLnBrk="0" fontAlgn="base" latinLnBrk="0" hangingPunct="0">
+              <a:lnSpc>
+                <a:spcPct val="100000"/>
+              </a:lnSpc>
+              <a:spcBef>
+                <a:spcPct val="0"/>
+              </a:spcBef>
+              <a:spcAft>
+                <a:spcPct val="0"/>
+              </a:spcAft>
+              <a:buClrTx/>
+              <a:buSzTx/>
+              <a:buFontTx/>
+              <a:buNone/>
+              <a:tabLst/>
+            </a:pPr>
+            <a:endParaRPr kumimoji="0" lang="de-DE" sz="2000" b="0" i="0" u="none" strike="noStrike" cap="none" normalizeH="0" baseline="0">
+              <a:ln>
+                <a:noFill/>
+              </a:ln>
+              <a:solidFill>
+                <a:schemeClr val="tx1"/>
+              </a:solidFill>
+              <a:effectLst/>
+              <a:latin typeface="Arial" charset="0"/>
+            </a:endParaRPr>
+          </a:p>
+        </p:txBody>
+      </p:sp>
+      <p:sp>
+        <p:nvSpPr>
+          <p:cNvPr id="59" name="Multiplikationszeichen 58">
+            <a:extLst>
+              <a:ext uri="{FF2B5EF4-FFF2-40B4-BE49-F238E27FC236}">
+                <a16:creationId xmlns:a16="http://schemas.microsoft.com/office/drawing/2014/main" id="{39965321-28C7-8D05-A155-19B5CFD8D139}"/>
+              </a:ext>
+            </a:extLst>
+          </p:cNvPr>
+          <p:cNvSpPr/>
+          <p:nvPr/>
+        </p:nvSpPr>
+        <p:spPr bwMode="auto">
+          <a:xfrm>
+            <a:off x="4230071" y="2052520"/>
+            <a:ext cx="413132" cy="415741"/>
+          </a:xfrm>
+          <a:prstGeom prst="mathMultiply">
+            <a:avLst/>
+          </a:prstGeom>
+          <a:ln>
+            <a:headEnd type="none" w="med" len="med"/>
+            <a:tailEnd type="none" w="med" len="med"/>
+          </a:ln>
+        </p:spPr>
+        <p:style>
+          <a:lnRef idx="2">
+            <a:schemeClr val="dk1"/>
+          </a:lnRef>
+          <a:fillRef idx="1">
+            <a:schemeClr val="lt1"/>
+          </a:fillRef>
+          <a:effectRef idx="0">
+            <a:schemeClr val="dk1"/>
+          </a:effectRef>
+          <a:fontRef idx="minor">
+            <a:schemeClr val="dk1"/>
+          </a:fontRef>
+        </p:style>
+        <p:txBody>
+          <a:bodyPr vert="horz" wrap="square" lIns="91440" tIns="45720" rIns="91440" bIns="45720" numCol="1" rtlCol="0" anchor="t" anchorCtr="0" compatLnSpc="1">
+            <a:prstTxWarp prst="textNoShape">
+              <a:avLst/>
+            </a:prstTxWarp>
+          </a:bodyPr>
+          <a:lstStyle/>
+          <a:p>
+            <a:pPr marL="0" marR="0" indent="0" algn="l" defTabSz="914400" rtl="0" eaLnBrk="0" fontAlgn="base" latinLnBrk="0" hangingPunct="0">
+              <a:lnSpc>
+                <a:spcPct val="100000"/>
+              </a:lnSpc>
+              <a:spcBef>
+                <a:spcPct val="0"/>
+              </a:spcBef>
+              <a:spcAft>
+                <a:spcPct val="0"/>
+              </a:spcAft>
+              <a:buClrTx/>
+              <a:buSzTx/>
+              <a:buFontTx/>
+              <a:buNone/>
+              <a:tabLst/>
+            </a:pPr>
+            <a:endParaRPr kumimoji="0" lang="de-DE" sz="2000" b="0" i="0" u="none" strike="noStrike" cap="none" normalizeH="0" baseline="0">
+              <a:ln>
+                <a:noFill/>
+              </a:ln>
+              <a:solidFill>
+                <a:schemeClr val="tx1"/>
+              </a:solidFill>
+              <a:effectLst/>
+              <a:latin typeface="Arial" charset="0"/>
+            </a:endParaRPr>
+          </a:p>
+        </p:txBody>
+      </p:sp>
+      <p:sp>
+        <p:nvSpPr>
+          <p:cNvPr id="60" name="Multiplikationszeichen 59">
+            <a:extLst>
+              <a:ext uri="{FF2B5EF4-FFF2-40B4-BE49-F238E27FC236}">
+                <a16:creationId xmlns:a16="http://schemas.microsoft.com/office/drawing/2014/main" id="{6EB85369-5845-2FBE-60E8-4222F0704421}"/>
+              </a:ext>
+            </a:extLst>
+          </p:cNvPr>
+          <p:cNvSpPr/>
+          <p:nvPr/>
+        </p:nvSpPr>
+        <p:spPr bwMode="auto">
+          <a:xfrm>
+            <a:off x="4759031" y="4349349"/>
+            <a:ext cx="413132" cy="415741"/>
+          </a:xfrm>
+          <a:prstGeom prst="mathMultiply">
+            <a:avLst/>
+          </a:prstGeom>
+          <a:ln>
+            <a:headEnd type="none" w="med" len="med"/>
+            <a:tailEnd type="none" w="med" len="med"/>
+          </a:ln>
+        </p:spPr>
+        <p:style>
+          <a:lnRef idx="2">
+            <a:schemeClr val="dk1"/>
+          </a:lnRef>
+          <a:fillRef idx="1">
+            <a:schemeClr val="lt1"/>
+          </a:fillRef>
+          <a:effectRef idx="0">
+            <a:schemeClr val="dk1"/>
+          </a:effectRef>
+          <a:fontRef idx="minor">
+            <a:schemeClr val="dk1"/>
+          </a:fontRef>
+        </p:style>
+        <p:txBody>
+          <a:bodyPr vert="horz" wrap="square" lIns="91440" tIns="45720" rIns="91440" bIns="45720" numCol="1" rtlCol="0" anchor="t" anchorCtr="0" compatLnSpc="1">
+            <a:prstTxWarp prst="textNoShape">
+              <a:avLst/>
+            </a:prstTxWarp>
+          </a:bodyPr>
+          <a:lstStyle/>
+          <a:p>
+            <a:pPr marL="0" marR="0" indent="0" algn="l" defTabSz="914400" rtl="0" eaLnBrk="0" fontAlgn="base" latinLnBrk="0" hangingPunct="0">
+              <a:lnSpc>
+                <a:spcPct val="100000"/>
+              </a:lnSpc>
+              <a:spcBef>
+                <a:spcPct val="0"/>
+              </a:spcBef>
+              <a:spcAft>
+                <a:spcPct val="0"/>
+              </a:spcAft>
+              <a:buClrTx/>
+              <a:buSzTx/>
+              <a:buFontTx/>
+              <a:buNone/>
+              <a:tabLst/>
+            </a:pPr>
+            <a:endParaRPr kumimoji="0" lang="de-DE" sz="2000" b="0" i="0" u="none" strike="noStrike" cap="none" normalizeH="0" baseline="0">
+              <a:ln>
+                <a:noFill/>
+              </a:ln>
+              <a:solidFill>
+                <a:schemeClr val="tx1"/>
+              </a:solidFill>
+              <a:effectLst/>
+              <a:latin typeface="Arial" charset="0"/>
+            </a:endParaRPr>
+          </a:p>
+        </p:txBody>
+      </p:sp>
+      <p:sp>
+        <p:nvSpPr>
+          <p:cNvPr id="61" name="Multiplikationszeichen 60">
+            <a:extLst>
+              <a:ext uri="{FF2B5EF4-FFF2-40B4-BE49-F238E27FC236}">
+                <a16:creationId xmlns:a16="http://schemas.microsoft.com/office/drawing/2014/main" id="{0BA69092-3DA9-31C4-72AB-971428806EEA}"/>
+              </a:ext>
+            </a:extLst>
+          </p:cNvPr>
+          <p:cNvSpPr/>
+          <p:nvPr/>
+        </p:nvSpPr>
+        <p:spPr bwMode="auto">
+          <a:xfrm>
+            <a:off x="2004226" y="4868984"/>
+            <a:ext cx="413132" cy="415741"/>
+          </a:xfrm>
+          <a:prstGeom prst="mathMultiply">
+            <a:avLst/>
+          </a:prstGeom>
+          <a:ln>
+            <a:headEnd type="none" w="med" len="med"/>
+            <a:tailEnd type="none" w="med" len="med"/>
+          </a:ln>
+        </p:spPr>
+        <p:style>
+          <a:lnRef idx="2">
+            <a:schemeClr val="dk1"/>
+          </a:lnRef>
+          <a:fillRef idx="1">
+            <a:schemeClr val="lt1"/>
+          </a:fillRef>
+          <a:effectRef idx="0">
+            <a:schemeClr val="dk1"/>
+          </a:effectRef>
+          <a:fontRef idx="minor">
+            <a:schemeClr val="dk1"/>
+          </a:fontRef>
+        </p:style>
+        <p:txBody>
+          <a:bodyPr vert="horz" wrap="square" lIns="91440" tIns="45720" rIns="91440" bIns="45720" numCol="1" rtlCol="0" anchor="t" anchorCtr="0" compatLnSpc="1">
+            <a:prstTxWarp prst="textNoShape">
+              <a:avLst/>
+            </a:prstTxWarp>
+          </a:bodyPr>
+          <a:lstStyle/>
+          <a:p>
+            <a:pPr marL="0" marR="0" indent="0" algn="l" defTabSz="914400" rtl="0" eaLnBrk="0" fontAlgn="base" latinLnBrk="0" hangingPunct="0">
+              <a:lnSpc>
+                <a:spcPct val="100000"/>
+              </a:lnSpc>
+              <a:spcBef>
+                <a:spcPct val="0"/>
+              </a:spcBef>
+              <a:spcAft>
+                <a:spcPct val="0"/>
+              </a:spcAft>
+              <a:buClrTx/>
+              <a:buSzTx/>
+              <a:buFontTx/>
+              <a:buNone/>
+              <a:tabLst/>
+            </a:pPr>
+            <a:endParaRPr kumimoji="0" lang="de-DE" sz="2000" b="0" i="0" u="none" strike="noStrike" cap="none" normalizeH="0" baseline="0">
+              <a:ln>
+                <a:noFill/>
+              </a:ln>
+              <a:solidFill>
+                <a:schemeClr val="tx1"/>
+              </a:solidFill>
+              <a:effectLst/>
+              <a:latin typeface="Arial" charset="0"/>
+            </a:endParaRPr>
+          </a:p>
+        </p:txBody>
+      </p:sp>
+      <p:sp>
+        <p:nvSpPr>
+          <p:cNvPr id="62" name="Textfeld 61">
+            <a:extLst>
+              <a:ext uri="{FF2B5EF4-FFF2-40B4-BE49-F238E27FC236}">
+                <a16:creationId xmlns:a16="http://schemas.microsoft.com/office/drawing/2014/main" id="{E5CFF13C-071A-2F53-9E69-99D63BC83D24}"/>
+              </a:ext>
+            </a:extLst>
+          </p:cNvPr>
+          <p:cNvSpPr txBox="1"/>
+          <p:nvPr/>
+        </p:nvSpPr>
+        <p:spPr>
+          <a:xfrm>
+            <a:off x="826729" y="6262028"/>
+            <a:ext cx="5328592" cy="1015663"/>
+          </a:xfrm>
+          <a:prstGeom prst="rect">
+            <a:avLst/>
+          </a:prstGeom>
+          <a:noFill/>
+        </p:spPr>
+        <p:txBody>
+          <a:bodyPr wrap="square" rtlCol="0">
+            <a:spAutoFit/>
+          </a:bodyPr>
+          <a:lstStyle/>
+          <a:p>
+            <a:pPr algn="just"/>
+            <a:r>
+              <a:rPr lang="en-US" sz="1200" dirty="0"/>
+              <a:t>Remembering a sequence of four “X” characters is quite easy, but remembering a sequence of sixteen is much harder.</a:t>
+            </a:r>
+            <a:br>
+              <a:rPr lang="en-US" sz="1200" dirty="0"/>
+            </a:br>
+            <a:r>
+              <a:rPr lang="en-US" sz="1200" dirty="0"/>
+              <a:t>It can help to divide and conquer the problem. Instead of trying to memorize sixteen individual positions, you can try to remember four shapes.</a:t>
+            </a:r>
+            <a:br>
+              <a:rPr lang="en-US" sz="1200" dirty="0"/>
+            </a:br>
+            <a:r>
+              <a:rPr lang="en-US" sz="1200" dirty="0"/>
+              <a:t>In the example above, you would simply remember a T shaped structure.</a:t>
+            </a:r>
+          </a:p>
+        </p:txBody>
+      </p:sp>
+    </p:spTree>
+    <p:extLst>
+      <p:ext uri="{BB962C8B-B14F-4D97-AF65-F5344CB8AC3E}">
+        <p14:creationId xmlns:p14="http://schemas.microsoft.com/office/powerpoint/2010/main" val="37774913"/>
+      </p:ext>
+    </p:extLst>
+  </p:cSld>
+  <p:clrMapOvr>
+    <a:masterClrMapping/>
+  </p:clrMapOvr>
+  <p:transition/>
+</p:sld>
+</file>
+
+<file path=ppt/slides/slide7.xml><?xml version="1.0" encoding="utf-8"?>
 <p:sld xmlns:a="http://schemas.openxmlformats.org/drawingml/2006/main" xmlns:r="http://schemas.openxmlformats.org/officeDocument/2006/relationships" xmlns:p="http://schemas.openxmlformats.org/presentationml/2006/main">
   <p:cSld>
     <p:spTree>
@@ -7656,16 +11782,13 @@
           </a:bodyPr>
           <a:lstStyle/>
           <a:p>
+            <a:pPr algn="just"/>
             <a:r>
               <a:rPr lang="en-US" sz="1100" dirty="0"/>
               <a:t>This game was developed by </a:t>
             </a:r>
             <a:r>
-              <a:rPr lang="en-US" sz="1100" b="1" dirty="0">
-                <a:solidFill>
-                  <a:srgbClr val="FF0000"/>
-                </a:solidFill>
-              </a:rPr>
+              <a:rPr lang="en-US" sz="1100" b="1" dirty="0"/>
               <a:t>Erlind Sejdiu</a:t>
             </a:r>
             <a:r>
@@ -7697,7 +11820,7 @@
 </p:sld>
 </file>
 
-<file path=ppt/slides/slide7.xml><?xml version="1.0" encoding="utf-8"?>
+<file path=ppt/slides/slide8.xml><?xml version="1.0" encoding="utf-8"?>
 <p:sld xmlns:a="http://schemas.openxmlformats.org/drawingml/2006/main" xmlns:r="http://schemas.openxmlformats.org/officeDocument/2006/relationships" xmlns:p="http://schemas.openxmlformats.org/presentationml/2006/main">
   <p:cSld>
     <p:spTree>
